--- a/docs/slides/PSYC753_L6_ANOVA_2.pptx
+++ b/docs/slides/PSYC753_L6_ANOVA_2.pptx
@@ -243,7 +243,7 @@
           <a:p>
             <a:fld id="{39F2F66B-899D-484E-9C99-E1DBE23F9DE9}" type="datetimeFigureOut">
               <a:rPr lang="en-GB" smtClean="0"/>
-              <a:t>22/02/2022</a:t>
+              <a:t>25/02/2022</a:t>
             </a:fld>
             <a:endParaRPr lang="en-GB"/>
           </a:p>
@@ -409,7 +409,7 @@
             <a:fld id="{2C09A945-60CF-41CC-BF14-DA645D9ABE0F}" type="datetimeFigureOut">
               <a:rPr lang="en-GB" smtClean="0"/>
               <a:pPr/>
-              <a:t>22/02/2022</a:t>
+              <a:t>25/02/2022</a:t>
             </a:fld>
             <a:endParaRPr lang="en-GB"/>
           </a:p>
@@ -1650,7 +1650,7 @@
             <a:fld id="{FD207E47-C1CA-47C9-BFA1-FDEFD1CE1BAA}" type="datetime1">
               <a:rPr lang="en-US" smtClean="0"/>
               <a:pPr/>
-              <a:t>2/22/2022</a:t>
+              <a:t>2/25/2022</a:t>
             </a:fld>
             <a:endParaRPr lang="en-US"/>
           </a:p>
@@ -1817,7 +1817,7 @@
             <a:fld id="{58C692B5-BE86-445D-88C0-242C83A9421E}" type="datetime1">
               <a:rPr lang="en-US" smtClean="0"/>
               <a:pPr/>
-              <a:t>2/22/2022</a:t>
+              <a:t>2/25/2022</a:t>
             </a:fld>
             <a:endParaRPr lang="en-US"/>
           </a:p>
@@ -1994,7 +1994,7 @@
             <a:fld id="{6A70B350-EB04-4702-A2C6-BB029CC917C4}" type="datetime1">
               <a:rPr lang="en-US" smtClean="0"/>
               <a:pPr/>
-              <a:t>2/22/2022</a:t>
+              <a:t>2/25/2022</a:t>
             </a:fld>
             <a:endParaRPr lang="en-US"/>
           </a:p>
@@ -2161,7 +2161,7 @@
             <a:fld id="{B19C5C7B-1CCF-4D03-A2E8-D3591213E0F6}" type="datetime1">
               <a:rPr lang="en-US" smtClean="0"/>
               <a:pPr/>
-              <a:t>2/22/2022</a:t>
+              <a:t>2/25/2022</a:t>
             </a:fld>
             <a:endParaRPr lang="en-US"/>
           </a:p>
@@ -2404,7 +2404,7 @@
             <a:fld id="{617DE08F-8114-45C2-9520-EC1882F8A669}" type="datetime1">
               <a:rPr lang="en-US" smtClean="0"/>
               <a:pPr/>
-              <a:t>2/22/2022</a:t>
+              <a:t>2/25/2022</a:t>
             </a:fld>
             <a:endParaRPr lang="en-US"/>
           </a:p>
@@ -2689,7 +2689,7 @@
             <a:fld id="{67FBBCEA-51D6-4D4F-B700-EBDD8904452C}" type="datetime1">
               <a:rPr lang="en-US" smtClean="0"/>
               <a:pPr/>
-              <a:t>2/22/2022</a:t>
+              <a:t>2/25/2022</a:t>
             </a:fld>
             <a:endParaRPr lang="en-US"/>
           </a:p>
@@ -3108,7 +3108,7 @@
             <a:fld id="{7C3355C0-4DE2-42D1-B918-7B0FCE7481FD}" type="datetime1">
               <a:rPr lang="en-US" smtClean="0"/>
               <a:pPr/>
-              <a:t>2/22/2022</a:t>
+              <a:t>2/25/2022</a:t>
             </a:fld>
             <a:endParaRPr lang="en-US"/>
           </a:p>
@@ -3223,7 +3223,7 @@
             <a:fld id="{41F9056E-53B5-467C-A68C-D5DD1F771BB5}" type="datetime1">
               <a:rPr lang="en-US" smtClean="0"/>
               <a:pPr/>
-              <a:t>2/22/2022</a:t>
+              <a:t>2/25/2022</a:t>
             </a:fld>
             <a:endParaRPr lang="en-US"/>
           </a:p>
@@ -3315,7 +3315,7 @@
             <a:fld id="{73236B7C-1414-4D49-8A59-8F56128C501B}" type="datetime1">
               <a:rPr lang="en-US" smtClean="0"/>
               <a:pPr/>
-              <a:t>2/22/2022</a:t>
+              <a:t>2/25/2022</a:t>
             </a:fld>
             <a:endParaRPr lang="en-US"/>
           </a:p>
@@ -3589,7 +3589,7 @@
             <a:fld id="{A40AEADC-23C0-4767-9AD7-3E7B6C343A0A}" type="datetime1">
               <a:rPr lang="en-US" smtClean="0"/>
               <a:pPr/>
-              <a:t>2/22/2022</a:t>
+              <a:t>2/25/2022</a:t>
             </a:fld>
             <a:endParaRPr lang="en-US"/>
           </a:p>
@@ -3839,7 +3839,7 @@
             <a:fld id="{07762B3B-4AFD-4E39-B6F8-E1A2354BA336}" type="datetime1">
               <a:rPr lang="en-US" smtClean="0"/>
               <a:pPr/>
-              <a:t>2/22/2022</a:t>
+              <a:t>2/25/2022</a:t>
             </a:fld>
             <a:endParaRPr lang="en-US"/>
           </a:p>
@@ -4054,7 +4054,7 @@
             <a:fld id="{16C4ABC6-3BA1-4854-92CA-2B0133ECAB44}" type="datetime1">
               <a:rPr lang="en-US" smtClean="0"/>
               <a:pPr/>
-              <a:t>2/22/2022</a:t>
+              <a:t>2/25/2022</a:t>
             </a:fld>
             <a:endParaRPr lang="en-US"/>
           </a:p>
@@ -6970,7 +6970,23 @@
                   <a:schemeClr val="tx2"/>
                 </a:solidFill>
               </a:rPr>
-              <a:t>Agreement (3 levels)</a:t>
+              <a:t>Agreement </a:t>
+            </a:r>
+            <a:r>
+              <a:rPr lang="en-GB" sz="2200" b="1" dirty="0" smtClean="0">
+                <a:solidFill>
+                  <a:schemeClr val="tx2"/>
+                </a:solidFill>
+              </a:rPr>
+              <a:t>(2 </a:t>
+            </a:r>
+            <a:r>
+              <a:rPr lang="en-GB" sz="2200" b="1" dirty="0" smtClean="0">
+                <a:solidFill>
+                  <a:schemeClr val="tx2"/>
+                </a:solidFill>
+              </a:rPr>
+              <a:t>levels)</a:t>
             </a:r>
           </a:p>
           <a:p>
@@ -6984,7 +7000,31 @@
                   <a:schemeClr val="tx2"/>
                 </a:solidFill>
               </a:rPr>
-              <a:t>Gaze Direction (2 levels)</a:t>
+              <a:t>Gaze </a:t>
+            </a:r>
+            <a:r>
+              <a:rPr lang="en-GB" sz="2200" b="1" smtClean="0">
+                <a:solidFill>
+                  <a:schemeClr val="tx2"/>
+                </a:solidFill>
+              </a:rPr>
+              <a:t>Direction </a:t>
+            </a:r>
+            <a:r>
+              <a:rPr lang="en-GB" sz="2200" b="1" smtClean="0">
+                <a:solidFill>
+                  <a:schemeClr val="tx2"/>
+                </a:solidFill>
+              </a:rPr>
+              <a:t>(3 </a:t>
+            </a:r>
+            <a:r>
+              <a:rPr lang="en-GB" sz="2200" b="1" dirty="0" smtClean="0">
+                <a:solidFill>
+                  <a:schemeClr val="tx2"/>
+                </a:solidFill>
+              </a:rPr>
+              <a:t>levels)</a:t>
             </a:r>
           </a:p>
           <a:p>
@@ -13164,7 +13204,7 @@
             <a:pPr marL="457200" lvl="1" indent="-282575"/>
             <a:r>
               <a:rPr lang="en-GB" sz="1800" dirty="0" smtClean="0"/>
-              <a:t>One </a:t>
+              <a:t>Once </a:t>
             </a:r>
             <a:r>
               <a:rPr lang="en-GB" sz="1800" b="1" dirty="0">

--- a/docs/slides/PSYC753_L6_ANOVA_2.pptx
+++ b/docs/slides/PSYC753_L6_ANOVA_2.pptx
@@ -6970,23 +6970,7 @@
                   <a:schemeClr val="tx2"/>
                 </a:solidFill>
               </a:rPr>
-              <a:t>Agreement </a:t>
-            </a:r>
-            <a:r>
-              <a:rPr lang="en-GB" sz="2200" b="1" dirty="0" smtClean="0">
-                <a:solidFill>
-                  <a:schemeClr val="tx2"/>
-                </a:solidFill>
-              </a:rPr>
-              <a:t>(2 </a:t>
-            </a:r>
-            <a:r>
-              <a:rPr lang="en-GB" sz="2200" b="1" dirty="0" smtClean="0">
-                <a:solidFill>
-                  <a:schemeClr val="tx2"/>
-                </a:solidFill>
-              </a:rPr>
-              <a:t>levels)</a:t>
+              <a:t>Agreement (2 levels)</a:t>
             </a:r>
           </a:p>
           <a:p>
@@ -7008,15 +6992,7 @@
                   <a:schemeClr val="tx2"/>
                 </a:solidFill>
               </a:rPr>
-              <a:t>Direction </a:t>
-            </a:r>
-            <a:r>
-              <a:rPr lang="en-GB" sz="2200" b="1" smtClean="0">
-                <a:solidFill>
-                  <a:schemeClr val="tx2"/>
-                </a:solidFill>
-              </a:rPr>
-              <a:t>(3 </a:t>
+              <a:t>Direction (3 </a:t>
             </a:r>
             <a:r>
               <a:rPr lang="en-GB" sz="2200" b="1" dirty="0" smtClean="0">
@@ -10024,7 +10000,25 @@
               <a:rPr lang="en-GB" dirty="0" smtClean="0">
                 <a:latin typeface="+mj-lt"/>
               </a:rPr>
-              <a:t> the data for the groups we want, then use </a:t>
+              <a:t> the data for </a:t>
+            </a:r>
+            <a:r>
+              <a:rPr lang="en-GB" smtClean="0">
+                <a:latin typeface="+mj-lt"/>
+              </a:rPr>
+              <a:t>the </a:t>
+            </a:r>
+            <a:r>
+              <a:rPr lang="en-GB" smtClean="0">
+                <a:latin typeface="+mj-lt"/>
+              </a:rPr>
+              <a:t>condition </a:t>
+            </a:r>
+            <a:r>
+              <a:rPr lang="en-GB" dirty="0" smtClean="0">
+                <a:latin typeface="+mj-lt"/>
+              </a:rPr>
+              <a:t>we want, then use </a:t>
             </a:r>
             <a:r>
               <a:rPr lang="en-GB" dirty="0" err="1" smtClean="0">

--- a/docs/slides/PSYC753_L6_ANOVA_2.pptx
+++ b/docs/slides/PSYC753_L6_ANOVA_2.pptx
@@ -243,7 +243,7 @@
           <a:p>
             <a:fld id="{39F2F66B-899D-484E-9C99-E1DBE23F9DE9}" type="datetimeFigureOut">
               <a:rPr lang="en-GB" smtClean="0"/>
-              <a:t>25/02/2022</a:t>
+              <a:t>21/12/2022</a:t>
             </a:fld>
             <a:endParaRPr lang="en-GB"/>
           </a:p>
@@ -409,7 +409,7 @@
             <a:fld id="{2C09A945-60CF-41CC-BF14-DA645D9ABE0F}" type="datetimeFigureOut">
               <a:rPr lang="en-GB" smtClean="0"/>
               <a:pPr/>
-              <a:t>25/02/2022</a:t>
+              <a:t>21/12/2022</a:t>
             </a:fld>
             <a:endParaRPr lang="en-GB"/>
           </a:p>
@@ -473,35 +473,35 @@
           <a:p>
             <a:pPr lvl="0"/>
             <a:r>
-              <a:rPr lang="en-US" dirty="0" smtClean="0"/>
+              <a:rPr lang="en-US" dirty="0"/>
               <a:t>Click to edit Master text styles</a:t>
             </a:r>
           </a:p>
           <a:p>
             <a:pPr lvl="1"/>
             <a:r>
-              <a:rPr lang="en-US" dirty="0" smtClean="0"/>
+              <a:rPr lang="en-US" dirty="0"/>
               <a:t>Second level</a:t>
             </a:r>
           </a:p>
           <a:p>
             <a:pPr lvl="2"/>
             <a:r>
-              <a:rPr lang="en-US" dirty="0" smtClean="0"/>
+              <a:rPr lang="en-US" dirty="0"/>
               <a:t>Third level</a:t>
             </a:r>
           </a:p>
           <a:p>
             <a:pPr lvl="3"/>
             <a:r>
-              <a:rPr lang="en-US" dirty="0" smtClean="0"/>
+              <a:rPr lang="en-US" dirty="0"/>
               <a:t>Fourth level</a:t>
             </a:r>
           </a:p>
           <a:p>
             <a:pPr lvl="4"/>
             <a:r>
-              <a:rPr lang="en-US" dirty="0" smtClean="0"/>
+              <a:rPr lang="en-US" dirty="0"/>
               <a:t>Fifth level</a:t>
             </a:r>
             <a:endParaRPr lang="en-GB" dirty="0"/>
@@ -1506,10 +1506,9 @@
           <a:lstStyle/>
           <a:p>
             <a:r>
-              <a:rPr lang="en-US" smtClean="0"/>
+              <a:rPr lang="en-US"/>
               <a:t>Click to edit Master title style</a:t>
             </a:r>
-            <a:endParaRPr lang="en-US"/>
           </a:p>
         </p:txBody>
       </p:sp>
@@ -1625,10 +1624,9 @@
           </a:lstStyle>
           <a:p>
             <a:r>
-              <a:rPr lang="en-US" smtClean="0"/>
+              <a:rPr lang="en-US"/>
               <a:t>Click to edit Master subtitle style</a:t>
             </a:r>
-            <a:endParaRPr lang="en-US"/>
           </a:p>
         </p:txBody>
       </p:sp>
@@ -1650,7 +1648,7 @@
             <a:fld id="{FD207E47-C1CA-47C9-BFA1-FDEFD1CE1BAA}" type="datetime1">
               <a:rPr lang="en-US" smtClean="0"/>
               <a:pPr/>
-              <a:t>2/25/2022</a:t>
+              <a:t>12/21/2022</a:t>
             </a:fld>
             <a:endParaRPr lang="en-US"/>
           </a:p>
@@ -1740,10 +1738,9 @@
           <a:lstStyle/>
           <a:p>
             <a:r>
-              <a:rPr lang="en-US" smtClean="0"/>
+              <a:rPr lang="en-US"/>
               <a:t>Click to edit Master title style</a:t>
             </a:r>
-            <a:endParaRPr lang="en-US"/>
           </a:p>
         </p:txBody>
       </p:sp>
@@ -1764,38 +1761,37 @@
           <a:p>
             <a:pPr lvl="0"/>
             <a:r>
-              <a:rPr lang="en-US" smtClean="0"/>
+              <a:rPr lang="en-US"/>
               <a:t>Click to edit Master text styles</a:t>
             </a:r>
           </a:p>
           <a:p>
             <a:pPr lvl="1"/>
             <a:r>
-              <a:rPr lang="en-US" smtClean="0"/>
+              <a:rPr lang="en-US"/>
               <a:t>Second level</a:t>
             </a:r>
           </a:p>
           <a:p>
             <a:pPr lvl="2"/>
             <a:r>
-              <a:rPr lang="en-US" smtClean="0"/>
+              <a:rPr lang="en-US"/>
               <a:t>Third level</a:t>
             </a:r>
           </a:p>
           <a:p>
             <a:pPr lvl="3"/>
             <a:r>
-              <a:rPr lang="en-US" smtClean="0"/>
+              <a:rPr lang="en-US"/>
               <a:t>Fourth level</a:t>
             </a:r>
           </a:p>
           <a:p>
             <a:pPr lvl="4"/>
             <a:r>
-              <a:rPr lang="en-US" smtClean="0"/>
+              <a:rPr lang="en-US"/>
               <a:t>Fifth level</a:t>
             </a:r>
-            <a:endParaRPr lang="en-US"/>
           </a:p>
         </p:txBody>
       </p:sp>
@@ -1817,7 +1813,7 @@
             <a:fld id="{58C692B5-BE86-445D-88C0-242C83A9421E}" type="datetime1">
               <a:rPr lang="en-US" smtClean="0"/>
               <a:pPr/>
-              <a:t>2/25/2022</a:t>
+              <a:t>12/21/2022</a:t>
             </a:fld>
             <a:endParaRPr lang="en-US"/>
           </a:p>
@@ -1912,10 +1908,9 @@
           <a:lstStyle/>
           <a:p>
             <a:r>
-              <a:rPr lang="en-US" smtClean="0"/>
+              <a:rPr lang="en-US"/>
               <a:t>Click to edit Master title style</a:t>
             </a:r>
-            <a:endParaRPr lang="en-US"/>
           </a:p>
         </p:txBody>
       </p:sp>
@@ -1941,38 +1936,37 @@
           <a:p>
             <a:pPr lvl="0"/>
             <a:r>
-              <a:rPr lang="en-US" smtClean="0"/>
+              <a:rPr lang="en-US"/>
               <a:t>Click to edit Master text styles</a:t>
             </a:r>
           </a:p>
           <a:p>
             <a:pPr lvl="1"/>
             <a:r>
-              <a:rPr lang="en-US" smtClean="0"/>
+              <a:rPr lang="en-US"/>
               <a:t>Second level</a:t>
             </a:r>
           </a:p>
           <a:p>
             <a:pPr lvl="2"/>
             <a:r>
-              <a:rPr lang="en-US" smtClean="0"/>
+              <a:rPr lang="en-US"/>
               <a:t>Third level</a:t>
             </a:r>
           </a:p>
           <a:p>
             <a:pPr lvl="3"/>
             <a:r>
-              <a:rPr lang="en-US" smtClean="0"/>
+              <a:rPr lang="en-US"/>
               <a:t>Fourth level</a:t>
             </a:r>
           </a:p>
           <a:p>
             <a:pPr lvl="4"/>
             <a:r>
-              <a:rPr lang="en-US" smtClean="0"/>
+              <a:rPr lang="en-US"/>
               <a:t>Fifth level</a:t>
             </a:r>
-            <a:endParaRPr lang="en-US"/>
           </a:p>
         </p:txBody>
       </p:sp>
@@ -1994,7 +1988,7 @@
             <a:fld id="{6A70B350-EB04-4702-A2C6-BB029CC917C4}" type="datetime1">
               <a:rPr lang="en-US" smtClean="0"/>
               <a:pPr/>
-              <a:t>2/25/2022</a:t>
+              <a:t>12/21/2022</a:t>
             </a:fld>
             <a:endParaRPr lang="en-US"/>
           </a:p>
@@ -2084,10 +2078,9 @@
           <a:lstStyle/>
           <a:p>
             <a:r>
-              <a:rPr lang="en-US" smtClean="0"/>
+              <a:rPr lang="en-US"/>
               <a:t>Click to edit Master title style</a:t>
             </a:r>
-            <a:endParaRPr lang="en-US"/>
           </a:p>
         </p:txBody>
       </p:sp>
@@ -2108,38 +2101,37 @@
           <a:p>
             <a:pPr lvl="0"/>
             <a:r>
-              <a:rPr lang="en-US" smtClean="0"/>
+              <a:rPr lang="en-US"/>
               <a:t>Click to edit Master text styles</a:t>
             </a:r>
           </a:p>
           <a:p>
             <a:pPr lvl="1"/>
             <a:r>
-              <a:rPr lang="en-US" smtClean="0"/>
+              <a:rPr lang="en-US"/>
               <a:t>Second level</a:t>
             </a:r>
           </a:p>
           <a:p>
             <a:pPr lvl="2"/>
             <a:r>
-              <a:rPr lang="en-US" smtClean="0"/>
+              <a:rPr lang="en-US"/>
               <a:t>Third level</a:t>
             </a:r>
           </a:p>
           <a:p>
             <a:pPr lvl="3"/>
             <a:r>
-              <a:rPr lang="en-US" smtClean="0"/>
+              <a:rPr lang="en-US"/>
               <a:t>Fourth level</a:t>
             </a:r>
           </a:p>
           <a:p>
             <a:pPr lvl="4"/>
             <a:r>
-              <a:rPr lang="en-US" smtClean="0"/>
+              <a:rPr lang="en-US"/>
               <a:t>Fifth level</a:t>
             </a:r>
-            <a:endParaRPr lang="en-US"/>
           </a:p>
         </p:txBody>
       </p:sp>
@@ -2161,7 +2153,7 @@
             <a:fld id="{B19C5C7B-1CCF-4D03-A2E8-D3591213E0F6}" type="datetime1">
               <a:rPr lang="en-US" smtClean="0"/>
               <a:pPr/>
-              <a:t>2/25/2022</a:t>
+              <a:t>12/21/2022</a:t>
             </a:fld>
             <a:endParaRPr lang="en-US"/>
           </a:p>
@@ -2260,10 +2252,9 @@
           </a:lstStyle>
           <a:p>
             <a:r>
-              <a:rPr lang="en-US" smtClean="0"/>
+              <a:rPr lang="en-US"/>
               <a:t>Click to edit Master title style</a:t>
             </a:r>
-            <a:endParaRPr lang="en-US"/>
           </a:p>
         </p:txBody>
       </p:sp>
@@ -2380,7 +2371,7 @@
           <a:p>
             <a:pPr lvl="0"/>
             <a:r>
-              <a:rPr lang="en-US" smtClean="0"/>
+              <a:rPr lang="en-US"/>
               <a:t>Click to edit Master text styles</a:t>
             </a:r>
           </a:p>
@@ -2404,7 +2395,7 @@
             <a:fld id="{617DE08F-8114-45C2-9520-EC1882F8A669}" type="datetime1">
               <a:rPr lang="en-US" smtClean="0"/>
               <a:pPr/>
-              <a:t>2/25/2022</a:t>
+              <a:t>12/21/2022</a:t>
             </a:fld>
             <a:endParaRPr lang="en-US"/>
           </a:p>
@@ -2494,10 +2485,9 @@
           <a:lstStyle/>
           <a:p>
             <a:r>
-              <a:rPr lang="en-US" smtClean="0"/>
+              <a:rPr lang="en-US"/>
               <a:t>Click to edit Master title style</a:t>
             </a:r>
-            <a:endParaRPr lang="en-US"/>
           </a:p>
         </p:txBody>
       </p:sp>
@@ -2551,38 +2541,37 @@
           <a:p>
             <a:pPr lvl="0"/>
             <a:r>
-              <a:rPr lang="en-US" smtClean="0"/>
+              <a:rPr lang="en-US"/>
               <a:t>Click to edit Master text styles</a:t>
             </a:r>
           </a:p>
           <a:p>
             <a:pPr lvl="1"/>
             <a:r>
-              <a:rPr lang="en-US" smtClean="0"/>
+              <a:rPr lang="en-US"/>
               <a:t>Second level</a:t>
             </a:r>
           </a:p>
           <a:p>
             <a:pPr lvl="2"/>
             <a:r>
-              <a:rPr lang="en-US" smtClean="0"/>
+              <a:rPr lang="en-US"/>
               <a:t>Third level</a:t>
             </a:r>
           </a:p>
           <a:p>
             <a:pPr lvl="3"/>
             <a:r>
-              <a:rPr lang="en-US" smtClean="0"/>
+              <a:rPr lang="en-US"/>
               <a:t>Fourth level</a:t>
             </a:r>
           </a:p>
           <a:p>
             <a:pPr lvl="4"/>
             <a:r>
-              <a:rPr lang="en-US" smtClean="0"/>
+              <a:rPr lang="en-US"/>
               <a:t>Fifth level</a:t>
             </a:r>
-            <a:endParaRPr lang="en-US"/>
           </a:p>
         </p:txBody>
       </p:sp>
@@ -2636,38 +2625,37 @@
           <a:p>
             <a:pPr lvl="0"/>
             <a:r>
-              <a:rPr lang="en-US" smtClean="0"/>
+              <a:rPr lang="en-US"/>
               <a:t>Click to edit Master text styles</a:t>
             </a:r>
           </a:p>
           <a:p>
             <a:pPr lvl="1"/>
             <a:r>
-              <a:rPr lang="en-US" smtClean="0"/>
+              <a:rPr lang="en-US"/>
               <a:t>Second level</a:t>
             </a:r>
           </a:p>
           <a:p>
             <a:pPr lvl="2"/>
             <a:r>
-              <a:rPr lang="en-US" smtClean="0"/>
+              <a:rPr lang="en-US"/>
               <a:t>Third level</a:t>
             </a:r>
           </a:p>
           <a:p>
             <a:pPr lvl="3"/>
             <a:r>
-              <a:rPr lang="en-US" smtClean="0"/>
+              <a:rPr lang="en-US"/>
               <a:t>Fourth level</a:t>
             </a:r>
           </a:p>
           <a:p>
             <a:pPr lvl="4"/>
             <a:r>
-              <a:rPr lang="en-US" smtClean="0"/>
+              <a:rPr lang="en-US"/>
               <a:t>Fifth level</a:t>
             </a:r>
-            <a:endParaRPr lang="en-US"/>
           </a:p>
         </p:txBody>
       </p:sp>
@@ -2689,7 +2677,7 @@
             <a:fld id="{67FBBCEA-51D6-4D4F-B700-EBDD8904452C}" type="datetime1">
               <a:rPr lang="en-US" smtClean="0"/>
               <a:pPr/>
-              <a:t>2/25/2022</a:t>
+              <a:t>12/21/2022</a:t>
             </a:fld>
             <a:endParaRPr lang="en-US"/>
           </a:p>
@@ -2783,10 +2771,9 @@
           </a:lstStyle>
           <a:p>
             <a:r>
-              <a:rPr lang="en-US" smtClean="0"/>
+              <a:rPr lang="en-US"/>
               <a:t>Click to edit Master title style</a:t>
             </a:r>
-            <a:endParaRPr lang="en-US"/>
           </a:p>
         </p:txBody>
       </p:sp>
@@ -2849,7 +2836,7 @@
           <a:p>
             <a:pPr lvl="0"/>
             <a:r>
-              <a:rPr lang="en-US" smtClean="0"/>
+              <a:rPr lang="en-US"/>
               <a:t>Click to edit Master text styles</a:t>
             </a:r>
           </a:p>
@@ -2905,38 +2892,37 @@
           <a:p>
             <a:pPr lvl="0"/>
             <a:r>
-              <a:rPr lang="en-US" smtClean="0"/>
+              <a:rPr lang="en-US"/>
               <a:t>Click to edit Master text styles</a:t>
             </a:r>
           </a:p>
           <a:p>
             <a:pPr lvl="1"/>
             <a:r>
-              <a:rPr lang="en-US" smtClean="0"/>
+              <a:rPr lang="en-US"/>
               <a:t>Second level</a:t>
             </a:r>
           </a:p>
           <a:p>
             <a:pPr lvl="2"/>
             <a:r>
-              <a:rPr lang="en-US" smtClean="0"/>
+              <a:rPr lang="en-US"/>
               <a:t>Third level</a:t>
             </a:r>
           </a:p>
           <a:p>
             <a:pPr lvl="3"/>
             <a:r>
-              <a:rPr lang="en-US" smtClean="0"/>
+              <a:rPr lang="en-US"/>
               <a:t>Fourth level</a:t>
             </a:r>
           </a:p>
           <a:p>
             <a:pPr lvl="4"/>
             <a:r>
-              <a:rPr lang="en-US" smtClean="0"/>
+              <a:rPr lang="en-US"/>
               <a:t>Fifth level</a:t>
             </a:r>
-            <a:endParaRPr lang="en-US"/>
           </a:p>
         </p:txBody>
       </p:sp>
@@ -2999,7 +2985,7 @@
           <a:p>
             <a:pPr lvl="0"/>
             <a:r>
-              <a:rPr lang="en-US" smtClean="0"/>
+              <a:rPr lang="en-US"/>
               <a:t>Click to edit Master text styles</a:t>
             </a:r>
           </a:p>
@@ -3055,38 +3041,37 @@
           <a:p>
             <a:pPr lvl="0"/>
             <a:r>
-              <a:rPr lang="en-US" smtClean="0"/>
+              <a:rPr lang="en-US"/>
               <a:t>Click to edit Master text styles</a:t>
             </a:r>
           </a:p>
           <a:p>
             <a:pPr lvl="1"/>
             <a:r>
-              <a:rPr lang="en-US" smtClean="0"/>
+              <a:rPr lang="en-US"/>
               <a:t>Second level</a:t>
             </a:r>
           </a:p>
           <a:p>
             <a:pPr lvl="2"/>
             <a:r>
-              <a:rPr lang="en-US" smtClean="0"/>
+              <a:rPr lang="en-US"/>
               <a:t>Third level</a:t>
             </a:r>
           </a:p>
           <a:p>
             <a:pPr lvl="3"/>
             <a:r>
-              <a:rPr lang="en-US" smtClean="0"/>
+              <a:rPr lang="en-US"/>
               <a:t>Fourth level</a:t>
             </a:r>
           </a:p>
           <a:p>
             <a:pPr lvl="4"/>
             <a:r>
-              <a:rPr lang="en-US" smtClean="0"/>
+              <a:rPr lang="en-US"/>
               <a:t>Fifth level</a:t>
             </a:r>
-            <a:endParaRPr lang="en-US"/>
           </a:p>
         </p:txBody>
       </p:sp>
@@ -3108,7 +3093,7 @@
             <a:fld id="{7C3355C0-4DE2-42D1-B918-7B0FCE7481FD}" type="datetime1">
               <a:rPr lang="en-US" smtClean="0"/>
               <a:pPr/>
-              <a:t>2/25/2022</a:t>
+              <a:t>12/21/2022</a:t>
             </a:fld>
             <a:endParaRPr lang="en-US"/>
           </a:p>
@@ -3198,10 +3183,9 @@
           <a:lstStyle/>
           <a:p>
             <a:r>
-              <a:rPr lang="en-US" smtClean="0"/>
+              <a:rPr lang="en-US"/>
               <a:t>Click to edit Master title style</a:t>
             </a:r>
-            <a:endParaRPr lang="en-US"/>
           </a:p>
         </p:txBody>
       </p:sp>
@@ -3223,7 +3207,7 @@
             <a:fld id="{41F9056E-53B5-467C-A68C-D5DD1F771BB5}" type="datetime1">
               <a:rPr lang="en-US" smtClean="0"/>
               <a:pPr/>
-              <a:t>2/25/2022</a:t>
+              <a:t>12/21/2022</a:t>
             </a:fld>
             <a:endParaRPr lang="en-US"/>
           </a:p>
@@ -3315,7 +3299,7 @@
             <a:fld id="{73236B7C-1414-4D49-8A59-8F56128C501B}" type="datetime1">
               <a:rPr lang="en-US" smtClean="0"/>
               <a:pPr/>
-              <a:t>2/25/2022</a:t>
+              <a:t>12/21/2022</a:t>
             </a:fld>
             <a:endParaRPr lang="en-US"/>
           </a:p>
@@ -3414,10 +3398,9 @@
           </a:lstStyle>
           <a:p>
             <a:r>
-              <a:rPr lang="en-US" smtClean="0"/>
+              <a:rPr lang="en-US"/>
               <a:t>Click to edit Master title style</a:t>
             </a:r>
-            <a:endParaRPr lang="en-US"/>
           </a:p>
         </p:txBody>
       </p:sp>
@@ -3471,38 +3454,37 @@
           <a:p>
             <a:pPr lvl="0"/>
             <a:r>
-              <a:rPr lang="en-US" smtClean="0"/>
+              <a:rPr lang="en-US"/>
               <a:t>Click to edit Master text styles</a:t>
             </a:r>
           </a:p>
           <a:p>
             <a:pPr lvl="1"/>
             <a:r>
-              <a:rPr lang="en-US" smtClean="0"/>
+              <a:rPr lang="en-US"/>
               <a:t>Second level</a:t>
             </a:r>
           </a:p>
           <a:p>
             <a:pPr lvl="2"/>
             <a:r>
-              <a:rPr lang="en-US" smtClean="0"/>
+              <a:rPr lang="en-US"/>
               <a:t>Third level</a:t>
             </a:r>
           </a:p>
           <a:p>
             <a:pPr lvl="3"/>
             <a:r>
-              <a:rPr lang="en-US" smtClean="0"/>
+              <a:rPr lang="en-US"/>
               <a:t>Fourth level</a:t>
             </a:r>
           </a:p>
           <a:p>
             <a:pPr lvl="4"/>
             <a:r>
-              <a:rPr lang="en-US" smtClean="0"/>
+              <a:rPr lang="en-US"/>
               <a:t>Fifth level</a:t>
             </a:r>
-            <a:endParaRPr lang="en-US"/>
           </a:p>
         </p:txBody>
       </p:sp>
@@ -3565,7 +3547,7 @@
           <a:p>
             <a:pPr lvl="0"/>
             <a:r>
-              <a:rPr lang="en-US" smtClean="0"/>
+              <a:rPr lang="en-US"/>
               <a:t>Click to edit Master text styles</a:t>
             </a:r>
           </a:p>
@@ -3589,7 +3571,7 @@
             <a:fld id="{A40AEADC-23C0-4767-9AD7-3E7B6C343A0A}" type="datetime1">
               <a:rPr lang="en-US" smtClean="0"/>
               <a:pPr/>
-              <a:t>2/25/2022</a:t>
+              <a:t>12/21/2022</a:t>
             </a:fld>
             <a:endParaRPr lang="en-US"/>
           </a:p>
@@ -3688,10 +3670,9 @@
           </a:lstStyle>
           <a:p>
             <a:r>
-              <a:rPr lang="en-US" smtClean="0"/>
+              <a:rPr lang="en-US"/>
               <a:t>Click to edit Master title style</a:t>
             </a:r>
-            <a:endParaRPr lang="en-US"/>
           </a:p>
         </p:txBody>
       </p:sp>
@@ -3815,7 +3796,7 @@
           <a:p>
             <a:pPr lvl="0"/>
             <a:r>
-              <a:rPr lang="en-US" smtClean="0"/>
+              <a:rPr lang="en-US"/>
               <a:t>Click to edit Master text styles</a:t>
             </a:r>
           </a:p>
@@ -3839,7 +3820,7 @@
             <a:fld id="{07762B3B-4AFD-4E39-B6F8-E1A2354BA336}" type="datetime1">
               <a:rPr lang="en-US" smtClean="0"/>
               <a:pPr/>
-              <a:t>2/25/2022</a:t>
+              <a:t>12/21/2022</a:t>
             </a:fld>
             <a:endParaRPr lang="en-US"/>
           </a:p>
@@ -3949,10 +3930,9 @@
           <a:lstStyle/>
           <a:p>
             <a:r>
-              <a:rPr lang="en-US" dirty="0" smtClean="0"/>
+              <a:rPr lang="en-US" dirty="0"/>
               <a:t>Click to edit Master title style</a:t>
             </a:r>
-            <a:endParaRPr lang="en-US" dirty="0"/>
           </a:p>
         </p:txBody>
       </p:sp>
@@ -3983,38 +3963,37 @@
           <a:p>
             <a:pPr lvl="0"/>
             <a:r>
-              <a:rPr lang="en-US" dirty="0" smtClean="0"/>
+              <a:rPr lang="en-US" dirty="0"/>
               <a:t>Click to edit Master text styles</a:t>
             </a:r>
           </a:p>
           <a:p>
             <a:pPr lvl="1"/>
             <a:r>
-              <a:rPr lang="en-US" dirty="0" smtClean="0"/>
+              <a:rPr lang="en-US" dirty="0"/>
               <a:t>Second level</a:t>
             </a:r>
           </a:p>
           <a:p>
             <a:pPr lvl="2"/>
             <a:r>
-              <a:rPr lang="en-US" dirty="0" smtClean="0"/>
+              <a:rPr lang="en-US" dirty="0"/>
               <a:t>Third level</a:t>
             </a:r>
           </a:p>
           <a:p>
             <a:pPr lvl="3"/>
             <a:r>
-              <a:rPr lang="en-US" dirty="0" smtClean="0"/>
+              <a:rPr lang="en-US" dirty="0"/>
               <a:t>Fourth level</a:t>
             </a:r>
           </a:p>
           <a:p>
             <a:pPr lvl="4"/>
             <a:r>
-              <a:rPr lang="en-US" dirty="0" smtClean="0"/>
+              <a:rPr lang="en-US" dirty="0"/>
               <a:t>Fifth level</a:t>
             </a:r>
-            <a:endParaRPr lang="en-US" dirty="0"/>
           </a:p>
         </p:txBody>
       </p:sp>
@@ -4054,7 +4033,7 @@
             <a:fld id="{16C4ABC6-3BA1-4854-92CA-2B0133ECAB44}" type="datetime1">
               <a:rPr lang="en-US" smtClean="0"/>
               <a:pPr/>
-              <a:t>2/25/2022</a:t>
+              <a:t>12/21/2022</a:t>
             </a:fld>
             <a:endParaRPr lang="en-US"/>
           </a:p>
@@ -4448,7 +4427,7 @@
           <a:lstStyle/>
           <a:p>
             <a:r>
-              <a:rPr lang="en-GB" sz="3200" b="1" dirty="0" smtClean="0">
+              <a:rPr lang="en-GB" sz="3200" b="1" dirty="0">
                 <a:solidFill>
                   <a:srgbClr val="000066"/>
                 </a:solidFill>
@@ -4456,12 +4435,6 @@
               </a:rPr>
               <a:t>PSYC753</a:t>
             </a:r>
-            <a:endParaRPr lang="en-GB" sz="3200" b="1" dirty="0">
-              <a:solidFill>
-                <a:srgbClr val="000066"/>
-              </a:solidFill>
-              <a:latin typeface="Calibri" pitchFamily="34" charset="0"/>
-            </a:endParaRPr>
           </a:p>
           <a:p>
             <a:endParaRPr lang="en-GB" sz="2800" b="1" dirty="0">
@@ -4473,7 +4446,7 @@
           </a:p>
           <a:p>
             <a:r>
-              <a:rPr lang="en-GB" sz="2800" b="1" dirty="0" smtClean="0">
+              <a:rPr lang="en-GB" sz="2800" b="1" dirty="0">
                 <a:solidFill>
                   <a:srgbClr val="000066"/>
                 </a:solidFill>
@@ -4481,16 +4454,10 @@
               </a:rPr>
               <a:t>6: ANOVA</a:t>
             </a:r>
-            <a:endParaRPr lang="en-GB" sz="2800" b="1" dirty="0">
-              <a:solidFill>
-                <a:srgbClr val="000066"/>
-              </a:solidFill>
-              <a:latin typeface="Calibri" pitchFamily="34" charset="0"/>
-            </a:endParaRPr>
-          </a:p>
-          <a:p>
-            <a:r>
-              <a:rPr lang="en-GB" sz="2800" smtClean="0">
+          </a:p>
+          <a:p>
+            <a:r>
+              <a:rPr lang="en-GB" sz="2800">
                 <a:solidFill>
                   <a:srgbClr val="000066"/>
                 </a:solidFill>
@@ -4506,15 +4473,6 @@
             </a:endParaRPr>
           </a:p>
           <a:p>
-            <a:r>
-              <a:rPr lang="en-GB" sz="2800" dirty="0">
-                <a:solidFill>
-                  <a:srgbClr val="000066"/>
-                </a:solidFill>
-                <a:latin typeface="Calibri" pitchFamily="34" charset="0"/>
-              </a:rPr>
-              <a:t/>
-            </a:r>
             <a:br>
               <a:rPr lang="en-GB" sz="2800" dirty="0">
                 <a:solidFill>
@@ -4532,15 +4490,6 @@
               </a:rPr>
               <a:t>Dr Chris Berry</a:t>
             </a:r>
-            <a:r>
-              <a:rPr lang="en-GB" sz="2800" dirty="0">
-                <a:solidFill>
-                  <a:srgbClr val="000066"/>
-                </a:solidFill>
-                <a:latin typeface="Calibri" pitchFamily="34" charset="0"/>
-              </a:rPr>
-              <a:t/>
-            </a:r>
             <a:br>
               <a:rPr lang="en-GB" sz="2800" dirty="0">
                 <a:solidFill>
@@ -4590,19 +4539,10 @@
                 </a:solidFill>
                 <a:latin typeface="Calibri" pitchFamily="34" charset="0"/>
               </a:rPr>
-              <a:t>PSQ </a:t>
-            </a:r>
-            <a:r>
-              <a:rPr lang="en-GB" dirty="0" smtClean="0">
-                <a:solidFill>
-                  <a:srgbClr val="990033"/>
-                </a:solidFill>
-                <a:latin typeface="Calibri" pitchFamily="34" charset="0"/>
-              </a:rPr>
-              <a:t>B212 </a:t>
-            </a:r>
-            <a:r>
-              <a:rPr lang="en-GB" dirty="0" smtClean="0">
+              <a:t>PSQ B212 </a:t>
+            </a:r>
+            <a:r>
+              <a:rPr lang="en-GB" dirty="0">
                 <a:solidFill>
                   <a:srgbClr val="990033"/>
                 </a:solidFill>
@@ -4611,7 +4551,7 @@
               </a:rPr>
               <a:t>christopher.berry@plymouth.ac.uk</a:t>
             </a:r>
-            <a:endParaRPr lang="en-GB" dirty="0" smtClean="0">
+            <a:endParaRPr lang="en-GB" dirty="0">
               <a:solidFill>
                 <a:srgbClr val="990033"/>
               </a:solidFill>
@@ -4662,13 +4602,6 @@
   <p:clrMapOvr>
     <a:masterClrMapping/>
   </p:clrMapOvr>
-  <p:timing>
-    <p:tnLst>
-      <p:par>
-        <p:cTn id="1" dur="indefinite" restart="never" nodeType="tmRoot"/>
-      </p:par>
-    </p:tnLst>
-  </p:timing>
 </p:sld>
 </file>
 
@@ -4705,10 +4638,9 @@
           <a:lstStyle/>
           <a:p>
             <a:r>
-              <a:rPr lang="en-GB" dirty="0" smtClean="0"/>
+              <a:rPr lang="en-GB" dirty="0"/>
               <a:t>Figure</a:t>
             </a:r>
-            <a:endParaRPr lang="en-GB" dirty="0"/>
           </a:p>
         </p:txBody>
       </p:sp>
@@ -4839,7 +4771,7 @@
           <a:lstStyle/>
           <a:p>
             <a:r>
-              <a:rPr lang="en-GB" b="1" dirty="0" smtClean="0">
+              <a:rPr lang="en-GB" b="1" dirty="0">
                 <a:solidFill>
                   <a:schemeClr val="tx2"/>
                 </a:solidFill>
@@ -4859,13 +4791,6 @@
   <p:clrMapOvr>
     <a:masterClrMapping/>
   </p:clrMapOvr>
-  <p:timing>
-    <p:tnLst>
-      <p:par>
-        <p:cTn id="1" dur="indefinite" restart="never" nodeType="tmRoot"/>
-      </p:par>
-    </p:tnLst>
-  </p:timing>
 </p:sld>
 </file>
 
@@ -4907,10 +4832,9 @@
           <a:lstStyle/>
           <a:p>
             <a:r>
-              <a:rPr lang="en-GB" dirty="0" smtClean="0"/>
+              <a:rPr lang="en-GB" dirty="0"/>
               <a:t>Convert to long format</a:t>
             </a:r>
-            <a:endParaRPr lang="en-GB" dirty="0"/>
           </a:p>
         </p:txBody>
       </p:sp>
@@ -5353,10 +5277,9 @@
           <a:lstStyle/>
           <a:p>
             <a:r>
-              <a:rPr lang="en-GB" dirty="0" smtClean="0"/>
+              <a:rPr lang="en-GB" dirty="0"/>
               <a:t>Bayes Factor</a:t>
             </a:r>
-            <a:endParaRPr lang="en-GB" dirty="0"/>
           </a:p>
         </p:txBody>
       </p:sp>
@@ -5402,7 +5325,7 @@
               </a:spcAft>
             </a:pPr>
             <a:r>
-              <a:rPr kumimoji="0" lang="en-US" altLang="en-US" sz="2400" b="0" i="0" u="none" strike="noStrike" cap="none" normalizeH="0" baseline="0" dirty="0" err="1" smtClean="0">
+              <a:rPr kumimoji="0" lang="en-US" altLang="en-US" sz="2400" b="0" i="0" u="none" strike="noStrike" cap="none" normalizeH="0" baseline="0" dirty="0" err="1">
                 <a:ln>
                   <a:noFill/>
                 </a:ln>
@@ -5415,7 +5338,7 @@
               <a:t>anovaBF</a:t>
             </a:r>
             <a:r>
-              <a:rPr kumimoji="0" lang="en-US" altLang="en-US" sz="2400" b="0" i="0" u="none" strike="noStrike" cap="none" normalizeH="0" baseline="0" dirty="0" smtClean="0">
+              <a:rPr kumimoji="0" lang="en-US" altLang="en-US" sz="2400" b="0" i="0" u="none" strike="noStrike" cap="none" normalizeH="0" baseline="0" dirty="0">
                 <a:ln>
                   <a:noFill/>
                 </a:ln>
@@ -5428,7 +5351,7 @@
               <a:t>(performance </a:t>
             </a:r>
             <a:r>
-              <a:rPr kumimoji="0" lang="en-US" altLang="en-US" sz="2400" b="0" i="0" u="none" strike="noStrike" cap="none" normalizeH="0" baseline="0" dirty="0" smtClean="0">
+              <a:rPr kumimoji="0" lang="en-US" altLang="en-US" sz="2400" b="0" i="0" u="none" strike="noStrike" cap="none" normalizeH="0" baseline="0" dirty="0">
                 <a:ln>
                   <a:noFill/>
                 </a:ln>
@@ -5441,7 +5364,7 @@
               <a:t>~</a:t>
             </a:r>
             <a:r>
-              <a:rPr kumimoji="0" lang="en-US" altLang="en-US" sz="2400" b="0" i="0" u="none" strike="noStrike" cap="none" normalizeH="0" baseline="0" dirty="0" smtClean="0">
+              <a:rPr kumimoji="0" lang="en-US" altLang="en-US" sz="2400" b="0" i="0" u="none" strike="noStrike" cap="none" normalizeH="0" baseline="0" dirty="0">
                 <a:ln>
                   <a:noFill/>
                 </a:ln>
@@ -5454,7 +5377,7 @@
               <a:t> </a:t>
             </a:r>
             <a:r>
-              <a:rPr kumimoji="0" lang="en-US" altLang="en-US" sz="2400" b="0" i="0" u="none" strike="noStrike" cap="none" normalizeH="0" baseline="0" dirty="0" smtClean="0">
+              <a:rPr kumimoji="0" lang="en-US" altLang="en-US" sz="2400" b="0" i="0" u="none" strike="noStrike" cap="none" normalizeH="0" baseline="0" dirty="0">
                 <a:ln>
                   <a:noFill/>
                 </a:ln>
@@ -5469,7 +5392,7 @@
               <a:t>time</a:t>
             </a:r>
             <a:r>
-              <a:rPr kumimoji="0" lang="en-US" altLang="en-US" sz="2400" b="0" i="0" u="none" strike="noStrike" cap="none" normalizeH="0" baseline="0" dirty="0" smtClean="0">
+              <a:rPr kumimoji="0" lang="en-US" altLang="en-US" sz="2400" b="0" i="0" u="none" strike="noStrike" cap="none" normalizeH="0" baseline="0" dirty="0">
                 <a:ln>
                   <a:noFill/>
                 </a:ln>
@@ -5482,7 +5405,7 @@
               <a:t> </a:t>
             </a:r>
             <a:r>
-              <a:rPr kumimoji="0" lang="en-US" altLang="en-US" sz="2400" b="0" i="0" u="none" strike="noStrike" cap="none" normalizeH="0" baseline="0" dirty="0" smtClean="0">
+              <a:rPr kumimoji="0" lang="en-US" altLang="en-US" sz="2400" b="0" i="0" u="none" strike="noStrike" cap="none" normalizeH="0" baseline="0" dirty="0">
                 <a:ln>
                   <a:noFill/>
                 </a:ln>
@@ -5495,7 +5418,7 @@
               <a:t>+</a:t>
             </a:r>
             <a:r>
-              <a:rPr kumimoji="0" lang="en-US" altLang="en-US" sz="2400" b="0" i="0" u="none" strike="noStrike" cap="none" normalizeH="0" baseline="0" dirty="0" smtClean="0">
+              <a:rPr kumimoji="0" lang="en-US" altLang="en-US" sz="2400" b="0" i="0" u="none" strike="noStrike" cap="none" normalizeH="0" baseline="0" dirty="0">
                 <a:ln>
                   <a:noFill/>
                 </a:ln>
@@ -5508,7 +5431,7 @@
               <a:t> </a:t>
             </a:r>
             <a:r>
-              <a:rPr kumimoji="0" lang="en-US" altLang="en-US" sz="2400" b="0" i="0" u="none" strike="noStrike" cap="none" normalizeH="0" baseline="0" dirty="0" err="1" smtClean="0">
+              <a:rPr kumimoji="0" lang="en-US" altLang="en-US" sz="2400" b="0" i="0" u="none" strike="noStrike" cap="none" normalizeH="0" baseline="0" dirty="0" err="1">
                 <a:ln>
                   <a:noFill/>
                 </a:ln>
@@ -5521,7 +5444,7 @@
               <a:t>ppt</a:t>
             </a:r>
             <a:r>
-              <a:rPr kumimoji="0" lang="en-US" altLang="en-US" sz="2400" b="0" i="0" u="none" strike="noStrike" cap="none" normalizeH="0" baseline="0" dirty="0" smtClean="0">
+              <a:rPr kumimoji="0" lang="en-US" altLang="en-US" sz="2400" b="0" i="0" u="none" strike="noStrike" cap="none" normalizeH="0" baseline="0" dirty="0">
                 <a:ln>
                   <a:noFill/>
                 </a:ln>
@@ -5534,7 +5457,7 @@
               <a:t>, </a:t>
             </a:r>
             <a:r>
-              <a:rPr kumimoji="0" lang="en-US" altLang="en-US" sz="2400" b="0" i="0" u="none" strike="noStrike" cap="none" normalizeH="0" baseline="0" dirty="0" err="1" smtClean="0">
+              <a:rPr kumimoji="0" lang="en-US" altLang="en-US" sz="2400" b="0" i="0" u="none" strike="noStrike" cap="none" normalizeH="0" baseline="0" dirty="0" err="1">
                 <a:ln>
                   <a:noFill/>
                 </a:ln>
@@ -5544,7 +5467,7 @@
               <a:t>whichRandom</a:t>
             </a:r>
             <a:r>
-              <a:rPr kumimoji="0" lang="en-US" altLang="en-US" sz="2400" b="0" i="0" u="none" strike="noStrike" cap="none" normalizeH="0" baseline="0" dirty="0" smtClean="0">
+              <a:rPr kumimoji="0" lang="en-US" altLang="en-US" sz="2400" b="0" i="0" u="none" strike="noStrike" cap="none" normalizeH="0" baseline="0" dirty="0">
                 <a:ln>
                   <a:noFill/>
                 </a:ln>
@@ -5554,7 +5477,7 @@
               <a:t> =</a:t>
             </a:r>
             <a:r>
-              <a:rPr kumimoji="0" lang="en-US" altLang="en-US" sz="2400" b="0" i="0" u="none" strike="noStrike" cap="none" normalizeH="0" baseline="0" dirty="0" smtClean="0">
+              <a:rPr kumimoji="0" lang="en-US" altLang="en-US" sz="2400" b="0" i="0" u="none" strike="noStrike" cap="none" normalizeH="0" baseline="0" dirty="0">
                 <a:ln>
                   <a:noFill/>
                 </a:ln>
@@ -5567,7 +5490,7 @@
               <a:t> </a:t>
             </a:r>
             <a:r>
-              <a:rPr kumimoji="0" lang="en-US" altLang="en-US" sz="2400" b="0" i="0" u="none" strike="noStrike" cap="none" normalizeH="0" baseline="0" dirty="0" smtClean="0">
+              <a:rPr kumimoji="0" lang="en-US" altLang="en-US" sz="2400" b="0" i="0" u="none" strike="noStrike" cap="none" normalizeH="0" baseline="0" dirty="0">
                 <a:ln>
                   <a:noFill/>
                 </a:ln>
@@ -5580,7 +5503,7 @@
               <a:t>"</a:t>
             </a:r>
             <a:r>
-              <a:rPr lang="en-US" altLang="en-US" sz="2400" dirty="0" err="1" smtClean="0">
+              <a:rPr lang="en-US" altLang="en-US" sz="2400" dirty="0" err="1">
                 <a:solidFill>
                   <a:srgbClr val="006600"/>
                 </a:solidFill>
@@ -5589,7 +5512,7 @@
               <a:t>ppt</a:t>
             </a:r>
             <a:r>
-              <a:rPr lang="en-US" altLang="en-US" sz="2400" dirty="0" smtClean="0">
+              <a:rPr lang="en-US" altLang="en-US" sz="2400" dirty="0">
                 <a:solidFill>
                   <a:srgbClr val="4070A0"/>
                 </a:solidFill>
@@ -5598,7 +5521,7 @@
               <a:t>"</a:t>
             </a:r>
             <a:r>
-              <a:rPr kumimoji="0" lang="en-US" altLang="en-US" sz="2400" b="0" i="0" u="none" strike="noStrike" cap="none" normalizeH="0" baseline="0" dirty="0" smtClean="0">
+              <a:rPr kumimoji="0" lang="en-US" altLang="en-US" sz="2400" b="0" i="0" u="none" strike="noStrike" cap="none" normalizeH="0" baseline="0" dirty="0">
                 <a:ln>
                   <a:noFill/>
                 </a:ln>
@@ -5610,7 +5533,7 @@
               </a:rPr>
               <a:t>)</a:t>
             </a:r>
-            <a:endParaRPr kumimoji="0" lang="en-US" altLang="en-US" sz="300" b="0" i="0" u="none" strike="noStrike" cap="none" normalizeH="0" baseline="0" dirty="0" smtClean="0">
+            <a:endParaRPr kumimoji="0" lang="en-US" altLang="en-US" sz="300" b="0" i="0" u="none" strike="noStrike" cap="none" normalizeH="0" baseline="0" dirty="0">
               <a:ln>
                 <a:noFill/>
               </a:ln>
@@ -5804,7 +5727,7 @@
           <a:lstStyle/>
           <a:p>
             <a:r>
-              <a:rPr lang="en-GB" dirty="0" smtClean="0">
+              <a:rPr lang="en-GB" dirty="0">
                 <a:solidFill>
                   <a:srgbClr val="006600"/>
                 </a:solidFill>
@@ -5813,7 +5736,7 @@
               <a:t>Notice that the model is assessed relative to the null model of </a:t>
             </a:r>
             <a:r>
-              <a:rPr lang="en-GB" dirty="0" err="1" smtClean="0">
+              <a:rPr lang="en-GB" dirty="0" err="1">
                 <a:solidFill>
                   <a:srgbClr val="006600"/>
                 </a:solidFill>
@@ -5822,7 +5745,7 @@
               <a:t>ppt</a:t>
             </a:r>
             <a:r>
-              <a:rPr lang="en-GB" dirty="0" smtClean="0">
+              <a:rPr lang="en-GB" dirty="0">
                 <a:solidFill>
                   <a:srgbClr val="006600"/>
                 </a:solidFill>
@@ -5831,7 +5754,7 @@
               <a:t> on its own</a:t>
             </a:r>
             <a:br>
-              <a:rPr lang="en-GB" dirty="0" smtClean="0">
+              <a:rPr lang="en-GB" dirty="0">
                 <a:solidFill>
                   <a:srgbClr val="006600"/>
                 </a:solidFill>
@@ -5839,7 +5762,7 @@
               </a:rPr>
             </a:br>
             <a:r>
-              <a:rPr lang="en-GB" dirty="0" smtClean="0">
+              <a:rPr lang="en-GB" dirty="0">
                 <a:solidFill>
                   <a:srgbClr val="006600"/>
                 </a:solidFill>
@@ -5883,44 +5806,40 @@
               <a:buChar char="•"/>
             </a:pPr>
             <a:r>
-              <a:rPr lang="en-GB" sz="2200" dirty="0" smtClean="0"/>
+              <a:rPr lang="en-GB" sz="2200" dirty="0"/>
               <a:t>The model with </a:t>
             </a:r>
             <a:r>
-              <a:rPr lang="en-GB" sz="2200" dirty="0" smtClean="0">
+              <a:rPr lang="en-GB" sz="2200" dirty="0">
                 <a:latin typeface="Lucida Console" panose="020B0609040504020204" pitchFamily="49" charset="0"/>
               </a:rPr>
               <a:t>time + </a:t>
             </a:r>
             <a:r>
-              <a:rPr lang="en-GB" sz="2200" dirty="0" err="1" smtClean="0">
+              <a:rPr lang="en-GB" sz="2200" dirty="0" err="1">
                 <a:latin typeface="Lucida Console" panose="020B0609040504020204" pitchFamily="49" charset="0"/>
               </a:rPr>
               <a:t>ppt</a:t>
             </a:r>
             <a:r>
-              <a:rPr lang="en-GB" sz="2200" dirty="0" smtClean="0">
+              <a:rPr lang="en-GB" sz="2200" dirty="0">
                 <a:latin typeface="Lucida Console" panose="020B0609040504020204" pitchFamily="49" charset="0"/>
               </a:rPr>
               <a:t> </a:t>
             </a:r>
             <a:r>
-              <a:rPr lang="en-GB" sz="2200" dirty="0" smtClean="0"/>
+              <a:rPr lang="en-GB" sz="2200" dirty="0"/>
               <a:t>is over 300 times more likely than the model with </a:t>
             </a:r>
             <a:r>
-              <a:rPr lang="en-GB" sz="2200" dirty="0" err="1" smtClean="0">
+              <a:rPr lang="en-GB" sz="2200" dirty="0" err="1">
                 <a:latin typeface="Lucida Console" panose="020B0609040504020204" pitchFamily="49" charset="0"/>
               </a:rPr>
               <a:t>ppt</a:t>
             </a:r>
             <a:r>
               <a:rPr lang="en-GB" sz="2200" dirty="0"/>
-              <a:t> </a:t>
-            </a:r>
-            <a:r>
-              <a:rPr lang="en-GB" sz="2200" dirty="0" smtClean="0"/>
-              <a:t>only.</a:t>
+              <a:t> only.</a:t>
             </a:r>
           </a:p>
           <a:p>
@@ -5929,7 +5848,7 @@
               <a:buChar char="•"/>
             </a:pPr>
             <a:r>
-              <a:rPr lang="en-GB" sz="2200" dirty="0" smtClean="0"/>
+              <a:rPr lang="en-GB" sz="2200" dirty="0"/>
               <a:t>It’s over 300 times more likely that there’s a difference between the time conditions, than there is no difference.</a:t>
             </a:r>
           </a:p>
@@ -5939,10 +5858,9 @@
               <a:buChar char="•"/>
             </a:pPr>
             <a:r>
-              <a:rPr lang="en-GB" sz="2200" dirty="0" smtClean="0"/>
+              <a:rPr lang="en-GB" sz="2200" dirty="0"/>
               <a:t>There’s evidence for an effect of time on performance, BF = 331.42.</a:t>
             </a:r>
-            <a:endParaRPr lang="en-GB" sz="2200" dirty="0"/>
           </a:p>
         </p:txBody>
       </p:sp>
@@ -6382,7 +6300,7 @@
           <a:lstStyle/>
           <a:p>
             <a:r>
-              <a:rPr lang="en-GB" dirty="0" smtClean="0"/>
+              <a:rPr lang="en-GB" dirty="0"/>
               <a:t>Follow-up comparisons</a:t>
             </a:r>
             <a:endParaRPr lang="en-GB" dirty="0">
@@ -6438,7 +6356,7 @@
           <a:lstStyle/>
           <a:p>
             <a:r>
-              <a:rPr lang="en-GB" sz="2000" b="1" dirty="0" smtClean="0">
+              <a:rPr lang="en-GB" sz="2000" b="1" dirty="0">
                 <a:solidFill>
                   <a:schemeClr val="tx2"/>
                 </a:solidFill>
@@ -6448,11 +6366,11 @@
           </a:p>
           <a:p>
             <a:r>
-              <a:rPr lang="en-GB" sz="2000" dirty="0" smtClean="0"/>
+              <a:rPr lang="en-GB" sz="2000" dirty="0"/>
               <a:t>Is the mean of </a:t>
             </a:r>
             <a:r>
-              <a:rPr lang="en-GB" dirty="0" smtClean="0">
+              <a:rPr lang="en-GB" dirty="0">
                 <a:solidFill>
                   <a:schemeClr val="tx2"/>
                 </a:solidFill>
@@ -6461,11 +6379,11 @@
               <a:t>pre</a:t>
             </a:r>
             <a:r>
-              <a:rPr lang="en-GB" sz="2000" dirty="0" smtClean="0"/>
+              <a:rPr lang="en-GB" sz="2000" dirty="0"/>
               <a:t> different from </a:t>
             </a:r>
             <a:r>
-              <a:rPr lang="en-GB" dirty="0" smtClean="0">
+              <a:rPr lang="en-GB" dirty="0">
                 <a:solidFill>
                   <a:schemeClr val="tx2"/>
                 </a:solidFill>
@@ -6474,17 +6392,17 @@
               <a:t>day3</a:t>
             </a:r>
             <a:r>
-              <a:rPr lang="en-GB" sz="2000" dirty="0" smtClean="0"/>
+              <a:rPr lang="en-GB" sz="2000" dirty="0"/>
               <a:t>?</a:t>
             </a:r>
           </a:p>
           <a:p>
             <a:r>
-              <a:rPr lang="en-GB" sz="2000" dirty="0" smtClean="0"/>
+              <a:rPr lang="en-GB" sz="2000" dirty="0"/>
               <a:t>Is the mean of </a:t>
             </a:r>
             <a:r>
-              <a:rPr lang="en-GB" dirty="0" smtClean="0">
+              <a:rPr lang="en-GB" dirty="0">
                 <a:solidFill>
                   <a:schemeClr val="tx2"/>
                 </a:solidFill>
@@ -6493,11 +6411,11 @@
               <a:t>pre</a:t>
             </a:r>
             <a:r>
-              <a:rPr lang="en-GB" sz="2000" dirty="0" smtClean="0"/>
+              <a:rPr lang="en-GB" sz="2000" dirty="0"/>
               <a:t> different from </a:t>
             </a:r>
             <a:r>
-              <a:rPr lang="en-GB" dirty="0" smtClean="0">
+              <a:rPr lang="en-GB" dirty="0">
                 <a:solidFill>
                   <a:schemeClr val="tx2"/>
                 </a:solidFill>
@@ -6506,17 +6424,17 @@
               <a:t>month2</a:t>
             </a:r>
             <a:r>
-              <a:rPr lang="en-GB" sz="2000" dirty="0" smtClean="0"/>
+              <a:rPr lang="en-GB" sz="2000" dirty="0"/>
               <a:t>?</a:t>
             </a:r>
           </a:p>
           <a:p>
             <a:r>
-              <a:rPr lang="en-GB" sz="2000" dirty="0" smtClean="0"/>
+              <a:rPr lang="en-GB" sz="2000" dirty="0"/>
               <a:t>Is the mean of </a:t>
             </a:r>
             <a:r>
-              <a:rPr lang="en-GB" dirty="0" smtClean="0">
+              <a:rPr lang="en-GB" dirty="0">
                 <a:solidFill>
                   <a:schemeClr val="tx2"/>
                 </a:solidFill>
@@ -6525,11 +6443,11 @@
               <a:t>day3</a:t>
             </a:r>
             <a:r>
-              <a:rPr lang="en-GB" sz="2000" dirty="0" smtClean="0"/>
+              <a:rPr lang="en-GB" sz="2000" dirty="0"/>
               <a:t> different from </a:t>
             </a:r>
             <a:r>
-              <a:rPr lang="en-GB" dirty="0" smtClean="0">
+              <a:rPr lang="en-GB" dirty="0">
                 <a:solidFill>
                   <a:schemeClr val="tx2"/>
                 </a:solidFill>
@@ -6538,7 +6456,7 @@
               <a:t>month2</a:t>
             </a:r>
             <a:r>
-              <a:rPr lang="en-GB" sz="2000" dirty="0" smtClean="0"/>
+              <a:rPr lang="en-GB" sz="2000" dirty="0"/>
               <a:t>?</a:t>
             </a:r>
           </a:p>
@@ -6572,44 +6490,41 @@
           <a:lstStyle/>
           <a:p>
             <a:r>
-              <a:rPr lang="en-GB" sz="1600" dirty="0" smtClean="0">
+              <a:rPr lang="en-GB" sz="1600" dirty="0">
                 <a:latin typeface="Lucida Console" panose="020B0609040504020204" pitchFamily="49" charset="0"/>
               </a:rPr>
               <a:t>filter()</a:t>
             </a:r>
             <a:r>
-              <a:rPr lang="en-GB" dirty="0" smtClean="0">
+              <a:rPr lang="en-GB" dirty="0">
                 <a:latin typeface="+mj-lt"/>
               </a:rPr>
               <a:t> the data for the pairs of conditions we want, then use </a:t>
             </a:r>
             <a:r>
-              <a:rPr lang="en-GB" dirty="0" err="1" smtClean="0">
+              <a:rPr lang="en-GB" dirty="0" err="1">
                 <a:latin typeface="Lucida Console" panose="020B0609040504020204" pitchFamily="49" charset="0"/>
               </a:rPr>
               <a:t>anovaBF</a:t>
             </a:r>
             <a:r>
-              <a:rPr lang="en-GB" dirty="0" smtClean="0">
+              <a:rPr lang="en-GB" dirty="0">
                 <a:latin typeface="Lucida Console" panose="020B0609040504020204" pitchFamily="49" charset="0"/>
               </a:rPr>
               <a:t>()</a:t>
             </a:r>
             <a:r>
-              <a:rPr lang="en-GB" sz="900" dirty="0" smtClean="0">
+              <a:rPr lang="en-GB" sz="900" dirty="0">
                 <a:latin typeface="Lucida Console" panose="020B0609040504020204" pitchFamily="49" charset="0"/>
               </a:rPr>
               <a:t> </a:t>
             </a:r>
             <a:r>
-              <a:rPr lang="en-GB" dirty="0" smtClean="0">
+              <a:rPr lang="en-GB" dirty="0">
                 <a:latin typeface="+mj-lt"/>
               </a:rPr>
               <a:t>again but with the filtered data</a:t>
             </a:r>
-            <a:endParaRPr lang="en-GB" dirty="0">
-              <a:latin typeface="+mj-lt"/>
-            </a:endParaRPr>
           </a:p>
         </p:txBody>
       </p:sp>
@@ -6636,18 +6551,13 @@
           <a:lstStyle/>
           <a:p>
             <a:r>
-              <a:rPr lang="en-GB" sz="2400" b="1" dirty="0" smtClean="0">
+              <a:rPr lang="en-GB" sz="2400" b="1" dirty="0">
                 <a:solidFill>
                   <a:schemeClr val="tx2"/>
                 </a:solidFill>
               </a:rPr>
               <a:t>If BF &gt; 3</a:t>
             </a:r>
-            <a:endParaRPr lang="en-GB" sz="2400" b="1" dirty="0">
-              <a:solidFill>
-                <a:schemeClr val="tx2"/>
-              </a:solidFill>
-            </a:endParaRPr>
           </a:p>
         </p:txBody>
       </p:sp>
@@ -6909,15 +6819,7 @@
                   <a:schemeClr val="tx2"/>
                 </a:solidFill>
               </a:rPr>
-              <a:t> et al. (2016</a:t>
-            </a:r>
-            <a:r>
-              <a:rPr lang="en-GB" sz="2200" b="1" dirty="0" smtClean="0">
-                <a:solidFill>
-                  <a:schemeClr val="tx2"/>
-                </a:solidFill>
-              </a:rPr>
-              <a:t>)</a:t>
+              <a:t> et al. (2016)</a:t>
             </a:r>
           </a:p>
           <a:p>
@@ -6925,17 +6827,17 @@
               <a:buNone/>
             </a:pPr>
             <a:r>
-              <a:rPr lang="en-GB" sz="2200" dirty="0" smtClean="0"/>
+              <a:rPr lang="en-GB" sz="2200" dirty="0"/>
               <a:t>Analysed RTs of “no” and “yes” decisions made to statements spoken by faces according to whether the eyes were averted to the left, right, or were looking directly at the participant.</a:t>
             </a:r>
           </a:p>
           <a:p>
             <a:r>
-              <a:rPr lang="en-GB" sz="2200" dirty="0" smtClean="0"/>
+              <a:rPr lang="en-GB" sz="2200" dirty="0"/>
               <a:t>Dependent variable: </a:t>
             </a:r>
             <a:r>
-              <a:rPr lang="en-GB" sz="2200" b="1" dirty="0" smtClean="0">
+              <a:rPr lang="en-GB" sz="2200" b="1" dirty="0">
                 <a:solidFill>
                   <a:schemeClr val="tx2"/>
                 </a:solidFill>
@@ -6943,7 +6845,7 @@
               <a:t>log</a:t>
             </a:r>
             <a:r>
-              <a:rPr lang="en-GB" sz="2200" dirty="0" smtClean="0">
+              <a:rPr lang="en-GB" sz="2200" dirty="0">
                 <a:solidFill>
                   <a:schemeClr val="tx2"/>
                 </a:solidFill>
@@ -6951,7 +6853,7 @@
               <a:t> </a:t>
             </a:r>
             <a:r>
-              <a:rPr lang="en-GB" sz="2200" b="1" dirty="0" smtClean="0">
+              <a:rPr lang="en-GB" sz="2200" b="1" dirty="0">
                 <a:solidFill>
                   <a:schemeClr val="tx2"/>
                 </a:solidFill>
@@ -6961,11 +6863,11 @@
           </a:p>
           <a:p>
             <a:r>
-              <a:rPr lang="en-GB" sz="2200" dirty="0" smtClean="0"/>
+              <a:rPr lang="en-GB" sz="2200" dirty="0"/>
               <a:t>Independent variable 1: </a:t>
             </a:r>
             <a:r>
-              <a:rPr lang="en-GB" sz="2200" b="1" dirty="0" smtClean="0">
+              <a:rPr lang="en-GB" sz="2200" b="1" dirty="0">
                 <a:solidFill>
                   <a:schemeClr val="tx2"/>
                 </a:solidFill>
@@ -6975,11 +6877,11 @@
           </a:p>
           <a:p>
             <a:r>
-              <a:rPr lang="en-GB" sz="2200" dirty="0" smtClean="0"/>
+              <a:rPr lang="en-GB" sz="2200" dirty="0"/>
               <a:t>Independent variable 2: </a:t>
             </a:r>
             <a:r>
-              <a:rPr lang="en-GB" sz="2200" b="1" dirty="0" smtClean="0">
+              <a:rPr lang="en-GB" sz="2200" b="1" dirty="0">
                 <a:solidFill>
                   <a:schemeClr val="tx2"/>
                 </a:solidFill>
@@ -6987,7 +6889,7 @@
               <a:t>Gaze </a:t>
             </a:r>
             <a:r>
-              <a:rPr lang="en-GB" sz="2200" b="1" smtClean="0">
+              <a:rPr lang="en-GB" sz="2200" b="1">
                 <a:solidFill>
                   <a:schemeClr val="tx2"/>
                 </a:solidFill>
@@ -6995,7 +6897,7 @@
               <a:t>Direction (3 </a:t>
             </a:r>
             <a:r>
-              <a:rPr lang="en-GB" sz="2200" b="1" dirty="0" smtClean="0">
+              <a:rPr lang="en-GB" sz="2200" b="1" dirty="0">
                 <a:solidFill>
                   <a:schemeClr val="tx2"/>
                 </a:solidFill>
@@ -7114,10 +7016,9 @@
           <a:lstStyle/>
           <a:p>
             <a:r>
-              <a:rPr lang="en-GB" sz="2000" b="1" dirty="0" smtClean="0"/>
+              <a:rPr lang="en-GB" sz="2000" b="1" dirty="0"/>
               <a:t>Yes</a:t>
             </a:r>
-            <a:endParaRPr lang="en-GB" sz="2000" b="1" dirty="0"/>
           </a:p>
         </p:txBody>
       </p:sp>
@@ -7144,10 +7045,9 @@
           <a:lstStyle/>
           <a:p>
             <a:r>
-              <a:rPr lang="en-GB" sz="2000" b="1" dirty="0" smtClean="0"/>
+              <a:rPr lang="en-GB" sz="2000" b="1" dirty="0"/>
               <a:t>No</a:t>
             </a:r>
-            <a:endParaRPr lang="en-GB" sz="2000" b="1" dirty="0"/>
           </a:p>
         </p:txBody>
       </p:sp>
@@ -7173,7 +7073,7 @@
           <a:lstStyle/>
           <a:p>
             <a:r>
-              <a:rPr lang="en-GB" sz="2800" b="1" dirty="0" smtClean="0">
+              <a:rPr lang="en-GB" sz="2800" b="1" dirty="0">
                 <a:solidFill>
                   <a:schemeClr val="tx2"/>
                 </a:solidFill>
@@ -7181,12 +7081,6 @@
               </a:rPr>
               <a:t>Example: Two-way repeated measures ANOVA</a:t>
             </a:r>
-            <a:endParaRPr lang="en-GB" sz="2800" b="1" dirty="0">
-              <a:solidFill>
-                <a:schemeClr val="tx2"/>
-              </a:solidFill>
-              <a:latin typeface="+mj-lt"/>
-            </a:endParaRPr>
           </a:p>
         </p:txBody>
       </p:sp>
@@ -7213,10 +7107,9 @@
           <a:lstStyle/>
           <a:p>
             <a:r>
-              <a:rPr lang="en-GB" sz="2400" b="1" u="sng" dirty="0" smtClean="0"/>
+              <a:rPr lang="en-GB" sz="2400" b="1" u="sng" dirty="0"/>
               <a:t>Gaze Direction</a:t>
             </a:r>
-            <a:endParaRPr lang="en-GB" sz="2400" b="1" u="sng" dirty="0"/>
           </a:p>
         </p:txBody>
       </p:sp>
@@ -7243,7 +7136,7 @@
           <a:lstStyle/>
           <a:p>
             <a:r>
-              <a:rPr lang="en-GB" sz="2000" b="1" dirty="0" err="1" smtClean="0"/>
+              <a:rPr lang="en-GB" sz="2000" b="1" dirty="0" err="1"/>
               <a:t>averted_left</a:t>
             </a:r>
             <a:endParaRPr lang="en-GB" sz="2000" b="1" dirty="0"/>
@@ -7273,7 +7166,7 @@
           <a:lstStyle/>
           <a:p>
             <a:r>
-              <a:rPr lang="en-GB" sz="2000" b="1" dirty="0" err="1" smtClean="0"/>
+              <a:rPr lang="en-GB" sz="2000" b="1" dirty="0" err="1"/>
               <a:t>averted_right</a:t>
             </a:r>
             <a:endParaRPr lang="en-GB" sz="2000" b="1" dirty="0"/>
@@ -7303,10 +7196,9 @@
           <a:lstStyle/>
           <a:p>
             <a:r>
-              <a:rPr lang="en-GB" sz="2000" b="1" dirty="0" smtClean="0"/>
+              <a:rPr lang="en-GB" sz="2000" b="1" dirty="0"/>
               <a:t>direct</a:t>
             </a:r>
-            <a:endParaRPr lang="en-GB" sz="2000" b="1" dirty="0"/>
           </a:p>
         </p:txBody>
       </p:sp>
@@ -7365,7 +7257,7 @@
                     <a:p>
                       <a:pPr algn="ctr"/>
                       <a:r>
-                        <a:rPr lang="en-GB" dirty="0" smtClean="0">
+                        <a:rPr lang="en-GB" dirty="0">
                           <a:sym typeface="Wingdings" panose="05000000000000000000" pitchFamily="2" charset="2"/>
                         </a:rPr>
                         <a:t></a:t>
@@ -7398,7 +7290,7 @@
                         <a:defRPr/>
                       </a:pPr>
                       <a:r>
-                        <a:rPr lang="en-GB" dirty="0" smtClean="0">
+                        <a:rPr lang="en-GB" dirty="0">
                           <a:sym typeface="Wingdings" panose="05000000000000000000" pitchFamily="2" charset="2"/>
                         </a:rPr>
                         <a:t></a:t>
@@ -7431,7 +7323,7 @@
                         <a:defRPr/>
                       </a:pPr>
                       <a:r>
-                        <a:rPr lang="en-GB" dirty="0" smtClean="0">
+                        <a:rPr lang="en-GB" dirty="0">
                           <a:sym typeface="Wingdings" panose="05000000000000000000" pitchFamily="2" charset="2"/>
                         </a:rPr>
                         <a:t></a:t>
@@ -7471,7 +7363,7 @@
                         <a:defRPr/>
                       </a:pPr>
                       <a:r>
-                        <a:rPr lang="en-GB" dirty="0" smtClean="0">
+                        <a:rPr lang="en-GB" dirty="0">
                           <a:sym typeface="Wingdings" panose="05000000000000000000" pitchFamily="2" charset="2"/>
                         </a:rPr>
                         <a:t></a:t>
@@ -7504,7 +7396,7 @@
                         <a:defRPr/>
                       </a:pPr>
                       <a:r>
-                        <a:rPr lang="en-GB" dirty="0" smtClean="0">
+                        <a:rPr lang="en-GB" dirty="0">
                           <a:sym typeface="Wingdings" panose="05000000000000000000" pitchFamily="2" charset="2"/>
                         </a:rPr>
                         <a:t></a:t>
@@ -7537,7 +7429,7 @@
                         <a:defRPr/>
                       </a:pPr>
                       <a:r>
-                        <a:rPr lang="en-GB" dirty="0" smtClean="0">
+                        <a:rPr lang="en-GB" dirty="0">
                           <a:sym typeface="Wingdings" panose="05000000000000000000" pitchFamily="2" charset="2"/>
                         </a:rPr>
                         <a:t></a:t>
@@ -7580,10 +7472,9 @@
           <a:lstStyle/>
           <a:p>
             <a:r>
-              <a:rPr lang="en-GB" sz="2400" b="1" u="sng" dirty="0" smtClean="0"/>
+              <a:rPr lang="en-GB" sz="2400" b="1" u="sng" dirty="0"/>
               <a:t>Agree with statement?</a:t>
             </a:r>
-            <a:endParaRPr lang="en-GB" sz="2400" b="1" u="sng" dirty="0"/>
           </a:p>
         </p:txBody>
       </p:sp>
@@ -7751,18 +7642,13 @@
               <a:buNone/>
             </a:pPr>
             <a:r>
-              <a:rPr lang="en-GB" dirty="0" smtClean="0">
+              <a:rPr lang="en-GB" dirty="0">
                 <a:solidFill>
                   <a:schemeClr val="tx2"/>
                 </a:solidFill>
               </a:rPr>
               <a:t>2 x 3 = 6 cells of the design</a:t>
             </a:r>
-            <a:endParaRPr lang="en-GB" dirty="0">
-              <a:solidFill>
-                <a:schemeClr val="tx2"/>
-              </a:solidFill>
-            </a:endParaRPr>
           </a:p>
         </p:txBody>
       </p:sp>
@@ -7895,10 +7781,9 @@
           <a:lstStyle/>
           <a:p>
             <a:r>
-              <a:rPr lang="en-GB" dirty="0" smtClean="0"/>
+              <a:rPr lang="en-GB" dirty="0"/>
               <a:t>Figure</a:t>
             </a:r>
-            <a:endParaRPr lang="en-GB" dirty="0"/>
           </a:p>
         </p:txBody>
       </p:sp>
@@ -7990,7 +7875,7 @@
           <a:lstStyle/>
           <a:p>
             <a:r>
-              <a:rPr lang="en-GB" b="1" dirty="0" smtClean="0">
+              <a:rPr lang="en-GB" b="1" dirty="0">
                 <a:solidFill>
                   <a:schemeClr val="tx2"/>
                 </a:solidFill>
@@ -8000,7 +7885,7 @@
           </a:p>
           <a:p>
             <a:r>
-              <a:rPr lang="en-GB" dirty="0" smtClean="0"/>
+              <a:rPr lang="en-GB" dirty="0"/>
               <a:t>Does the effect of agreement seem to be the same at each level of gaze direction? </a:t>
             </a:r>
           </a:p>
@@ -8016,13 +7901,6 @@
   <p:clrMapOvr>
     <a:masterClrMapping/>
   </p:clrMapOvr>
-  <p:timing>
-    <p:tnLst>
-      <p:par>
-        <p:cTn id="1" dur="indefinite" restart="never" nodeType="tmRoot"/>
-      </p:par>
-    </p:tnLst>
-  </p:timing>
 </p:sld>
 </file>
 
@@ -8064,10 +7942,9 @@
           <a:lstStyle/>
           <a:p>
             <a:r>
-              <a:rPr lang="en-GB" dirty="0" smtClean="0"/>
+              <a:rPr lang="en-GB" dirty="0"/>
               <a:t>Bayes Factor </a:t>
             </a:r>
-            <a:endParaRPr lang="en-GB" dirty="0"/>
           </a:p>
         </p:txBody>
       </p:sp>
@@ -8142,7 +8019,7 @@
               <a:t>[1] </a:t>
             </a:r>
             <a:r>
-              <a:rPr lang="en-GB" b="1" dirty="0" err="1" smtClean="0">
+              <a:rPr lang="en-GB" b="1" dirty="0" err="1">
                 <a:solidFill>
                   <a:schemeClr val="accent6">
                     <a:lumMod val="50000"/>
@@ -8153,7 +8030,7 @@
               <a:t>gaze_direction</a:t>
             </a:r>
             <a:r>
-              <a:rPr lang="en-GB" dirty="0" smtClean="0">
+              <a:rPr lang="en-GB" dirty="0">
                 <a:latin typeface="Lucida Console" panose="020B0609040504020204" pitchFamily="49" charset="0"/>
               </a:rPr>
               <a:t> + </a:t>
@@ -8182,7 +8059,7 @@
               <a:t>[2] </a:t>
             </a:r>
             <a:r>
-              <a:rPr lang="en-GB" b="1" dirty="0" smtClean="0">
+              <a:rPr lang="en-GB" b="1" dirty="0">
                 <a:solidFill>
                   <a:schemeClr val="accent6">
                     <a:lumMod val="50000"/>
@@ -8193,16 +8070,10 @@
               <a:t>agreement</a:t>
             </a:r>
             <a:r>
-              <a:rPr lang="en-GB" dirty="0" smtClean="0">
-                <a:latin typeface="Lucida Console" panose="020B0609040504020204" pitchFamily="49" charset="0"/>
-              </a:rPr>
-              <a:t> </a:t>
-            </a:r>
-            <a:r>
               <a:rPr lang="en-GB" dirty="0">
                 <a:latin typeface="Lucida Console" panose="020B0609040504020204" pitchFamily="49" charset="0"/>
               </a:rPr>
-              <a:t>+ </a:t>
+              <a:t> + </a:t>
             </a:r>
             <a:r>
               <a:rPr lang="en-GB" b="1" dirty="0" err="1">
@@ -8478,7 +8349,7 @@
               <a:t> ~ </a:t>
             </a:r>
             <a:r>
-              <a:rPr lang="en-GB" b="1" dirty="0" err="1" smtClean="0">
+              <a:rPr lang="en-GB" b="1" dirty="0" err="1">
                 <a:solidFill>
                   <a:schemeClr val="accent6">
                     <a:lumMod val="50000"/>
@@ -8489,13 +8360,13 @@
               <a:t>gaze_direction</a:t>
             </a:r>
             <a:r>
-              <a:rPr lang="en-GB" dirty="0" smtClean="0">
+              <a:rPr lang="en-GB" dirty="0">
                 <a:latin typeface="Lucida Console" panose="020B0609040504020204" pitchFamily="49" charset="0"/>
               </a:rPr>
               <a:t> * </a:t>
             </a:r>
             <a:r>
-              <a:rPr lang="en-GB" b="1" dirty="0" smtClean="0">
+              <a:rPr lang="en-GB" b="1" dirty="0">
                 <a:solidFill>
                   <a:schemeClr val="accent6">
                     <a:lumMod val="50000"/>
@@ -8506,16 +8377,10 @@
               <a:t>agreement</a:t>
             </a:r>
             <a:r>
-              <a:rPr lang="en-GB" dirty="0" smtClean="0">
-                <a:latin typeface="Lucida Console" panose="020B0609040504020204" pitchFamily="49" charset="0"/>
-              </a:rPr>
-              <a:t> </a:t>
-            </a:r>
-            <a:r>
               <a:rPr lang="en-GB" dirty="0">
                 <a:latin typeface="Lucida Console" panose="020B0609040504020204" pitchFamily="49" charset="0"/>
               </a:rPr>
-              <a:t>+ </a:t>
+              <a:t> + </a:t>
             </a:r>
             <a:r>
               <a:rPr lang="en-GB" b="1" dirty="0" err="1">
@@ -8533,25 +8398,19 @@
               <a:t>, </a:t>
             </a:r>
             <a:r>
-              <a:rPr lang="en-GB" dirty="0" err="1" smtClean="0">
+              <a:rPr lang="en-GB" dirty="0" err="1">
                 <a:latin typeface="Lucida Console" panose="020B0609040504020204" pitchFamily="49" charset="0"/>
               </a:rPr>
               <a:t>whichRandom</a:t>
             </a:r>
             <a:r>
-              <a:rPr lang="en-GB" dirty="0" smtClean="0">
-                <a:latin typeface="Lucida Console" panose="020B0609040504020204" pitchFamily="49" charset="0"/>
-              </a:rPr>
-              <a:t> </a:t>
-            </a:r>
-            <a:r>
               <a:rPr lang="en-GB" dirty="0">
                 <a:latin typeface="Lucida Console" panose="020B0609040504020204" pitchFamily="49" charset="0"/>
               </a:rPr>
-              <a:t>= "</a:t>
-            </a:r>
-            <a:r>
-              <a:rPr lang="en-GB" b="1" dirty="0" err="1" smtClean="0">
+              <a:t> = "</a:t>
+            </a:r>
+            <a:r>
+              <a:rPr lang="en-GB" b="1" dirty="0" err="1">
                 <a:solidFill>
                   <a:srgbClr val="006600"/>
                 </a:solidFill>
@@ -8560,14 +8419,11 @@
               <a:t>ppt</a:t>
             </a:r>
             <a:r>
-              <a:rPr lang="en-GB" dirty="0" smtClean="0">
+              <a:rPr lang="en-GB" dirty="0">
                 <a:latin typeface="Lucida Console" panose="020B0609040504020204" pitchFamily="49" charset="0"/>
               </a:rPr>
               <a:t>“)</a:t>
             </a:r>
-            <a:endParaRPr lang="en-GB" dirty="0">
-              <a:latin typeface="Lucida Console" panose="020B0609040504020204" pitchFamily="49" charset="0"/>
-            </a:endParaRPr>
           </a:p>
         </p:txBody>
       </p:sp>
@@ -8594,13 +8450,13 @@
           <a:lstStyle/>
           <a:p>
             <a:r>
-              <a:rPr lang="en-GB" sz="2000" dirty="0" smtClean="0">
+              <a:rPr lang="en-GB" sz="2000" dirty="0">
                 <a:latin typeface="+mj-lt"/>
               </a:rPr>
               <a:t>Again, notice that the model is assessed relative to the null model of </a:t>
             </a:r>
             <a:r>
-              <a:rPr lang="en-GB" sz="2000" dirty="0" err="1" smtClean="0">
+              <a:rPr lang="en-GB" sz="2000" dirty="0" err="1">
                 <a:solidFill>
                   <a:srgbClr val="006600"/>
                 </a:solidFill>
@@ -8609,7 +8465,7 @@
               <a:t>ppt</a:t>
             </a:r>
             <a:r>
-              <a:rPr lang="en-GB" sz="2000" dirty="0" smtClean="0">
+              <a:rPr lang="en-GB" sz="2000" dirty="0">
                 <a:latin typeface="+mj-lt"/>
               </a:rPr>
               <a:t> on its own.</a:t>
@@ -8617,13 +8473,13 @@
           </a:p>
           <a:p>
             <a:r>
-              <a:rPr lang="en-GB" sz="2000" dirty="0" smtClean="0">
+              <a:rPr lang="en-GB" sz="2000" dirty="0">
                 <a:latin typeface="+mj-lt"/>
               </a:rPr>
               <a:t>[1]: Evidence for a main effect of </a:t>
             </a:r>
             <a:r>
-              <a:rPr lang="en-GB" b="1" dirty="0" err="1" smtClean="0">
+              <a:rPr lang="en-GB" b="1" dirty="0" err="1">
                 <a:solidFill>
                   <a:schemeClr val="accent6">
                     <a:lumMod val="50000"/>
@@ -8634,7 +8490,7 @@
               <a:t>gaze_direction</a:t>
             </a:r>
             <a:r>
-              <a:rPr lang="en-GB" dirty="0" smtClean="0">
+              <a:rPr lang="en-GB" dirty="0">
                 <a:latin typeface="Lucida Console" panose="020B0609040504020204" pitchFamily="49" charset="0"/>
               </a:rPr>
               <a:t>, BF = 25.97</a:t>
@@ -8642,13 +8498,13 @@
           </a:p>
           <a:p>
             <a:r>
-              <a:rPr lang="en-GB" sz="2000" dirty="0" smtClean="0">
+              <a:rPr lang="en-GB" sz="2000" dirty="0">
                 <a:latin typeface="+mj-lt"/>
               </a:rPr>
               <a:t>[2]: Evidence against a main effect of </a:t>
             </a:r>
             <a:r>
-              <a:rPr lang="en-GB" b="1" dirty="0" smtClean="0">
+              <a:rPr lang="en-GB" b="1" dirty="0">
                 <a:solidFill>
                   <a:schemeClr val="accent6">
                     <a:lumMod val="50000"/>
@@ -8659,7 +8515,7 @@
               <a:t>agreement</a:t>
             </a:r>
             <a:r>
-              <a:rPr lang="en-GB" dirty="0" smtClean="0">
+              <a:rPr lang="en-GB" dirty="0">
                 <a:latin typeface="Lucida Console" panose="020B0609040504020204" pitchFamily="49" charset="0"/>
               </a:rPr>
               <a:t>, BF = 0.27</a:t>
@@ -8992,10 +8848,9 @@
           <a:lstStyle/>
           <a:p>
             <a:r>
-              <a:rPr lang="en-GB" dirty="0" smtClean="0"/>
+              <a:rPr lang="en-GB" dirty="0"/>
               <a:t>Bayes Factor: Interaction</a:t>
             </a:r>
-            <a:endParaRPr lang="en-GB" dirty="0"/>
           </a:p>
         </p:txBody>
       </p:sp>
@@ -9070,7 +8925,7 @@
               <a:t>[1] </a:t>
             </a:r>
             <a:r>
-              <a:rPr lang="en-GB" b="1" dirty="0" err="1" smtClean="0">
+              <a:rPr lang="en-GB" b="1" dirty="0" err="1">
                 <a:solidFill>
                   <a:schemeClr val="accent6">
                     <a:lumMod val="50000"/>
@@ -9081,7 +8936,7 @@
               <a:t>gaze_direction</a:t>
             </a:r>
             <a:r>
-              <a:rPr lang="en-GB" dirty="0" smtClean="0">
+              <a:rPr lang="en-GB" dirty="0">
                 <a:latin typeface="Lucida Console" panose="020B0609040504020204" pitchFamily="49" charset="0"/>
               </a:rPr>
               <a:t> + </a:t>
@@ -9110,7 +8965,7 @@
               <a:t>[2] </a:t>
             </a:r>
             <a:r>
-              <a:rPr lang="en-GB" b="1" dirty="0" smtClean="0">
+              <a:rPr lang="en-GB" b="1" dirty="0">
                 <a:solidFill>
                   <a:schemeClr val="accent6">
                     <a:lumMod val="50000"/>
@@ -9121,16 +8976,10 @@
               <a:t>agreement</a:t>
             </a:r>
             <a:r>
-              <a:rPr lang="en-GB" dirty="0" smtClean="0">
-                <a:latin typeface="Lucida Console" panose="020B0609040504020204" pitchFamily="49" charset="0"/>
-              </a:rPr>
-              <a:t> </a:t>
-            </a:r>
-            <a:r>
               <a:rPr lang="en-GB" dirty="0">
                 <a:latin typeface="Lucida Console" panose="020B0609040504020204" pitchFamily="49" charset="0"/>
               </a:rPr>
-              <a:t>+ </a:t>
+              <a:t> + </a:t>
             </a:r>
             <a:r>
               <a:rPr lang="en-GB" b="1" dirty="0" err="1">
@@ -9406,7 +9255,7 @@
               <a:t> ~ </a:t>
             </a:r>
             <a:r>
-              <a:rPr lang="en-GB" b="1" dirty="0" err="1" smtClean="0">
+              <a:rPr lang="en-GB" b="1" dirty="0" err="1">
                 <a:solidFill>
                   <a:schemeClr val="accent6">
                     <a:lumMod val="50000"/>
@@ -9417,13 +9266,13 @@
               <a:t>gaze_direction</a:t>
             </a:r>
             <a:r>
-              <a:rPr lang="en-GB" dirty="0" smtClean="0">
+              <a:rPr lang="en-GB" dirty="0">
                 <a:latin typeface="Lucida Console" panose="020B0609040504020204" pitchFamily="49" charset="0"/>
               </a:rPr>
               <a:t> * </a:t>
             </a:r>
             <a:r>
-              <a:rPr lang="en-GB" b="1" dirty="0" smtClean="0">
+              <a:rPr lang="en-GB" b="1" dirty="0">
                 <a:solidFill>
                   <a:schemeClr val="accent6">
                     <a:lumMod val="50000"/>
@@ -9434,16 +9283,10 @@
               <a:t>agreement</a:t>
             </a:r>
             <a:r>
-              <a:rPr lang="en-GB" dirty="0" smtClean="0">
-                <a:latin typeface="Lucida Console" panose="020B0609040504020204" pitchFamily="49" charset="0"/>
-              </a:rPr>
-              <a:t> </a:t>
-            </a:r>
-            <a:r>
               <a:rPr lang="en-GB" dirty="0">
                 <a:latin typeface="Lucida Console" panose="020B0609040504020204" pitchFamily="49" charset="0"/>
               </a:rPr>
-              <a:t>+ </a:t>
+              <a:t> + </a:t>
             </a:r>
             <a:r>
               <a:rPr lang="en-GB" b="1" dirty="0" err="1">
@@ -9461,25 +9304,19 @@
               <a:t>, </a:t>
             </a:r>
             <a:r>
-              <a:rPr lang="en-GB" dirty="0" err="1" smtClean="0">
+              <a:rPr lang="en-GB" dirty="0" err="1">
                 <a:latin typeface="Lucida Console" panose="020B0609040504020204" pitchFamily="49" charset="0"/>
               </a:rPr>
               <a:t>whichRandom</a:t>
             </a:r>
             <a:r>
-              <a:rPr lang="en-GB" dirty="0" smtClean="0">
-                <a:latin typeface="Lucida Console" panose="020B0609040504020204" pitchFamily="49" charset="0"/>
-              </a:rPr>
-              <a:t> </a:t>
-            </a:r>
-            <a:r>
               <a:rPr lang="en-GB" dirty="0">
                 <a:latin typeface="Lucida Console" panose="020B0609040504020204" pitchFamily="49" charset="0"/>
               </a:rPr>
-              <a:t>= "</a:t>
-            </a:r>
-            <a:r>
-              <a:rPr lang="en-GB" b="1" dirty="0" err="1" smtClean="0">
+              <a:t> = "</a:t>
+            </a:r>
+            <a:r>
+              <a:rPr lang="en-GB" b="1" dirty="0" err="1">
                 <a:solidFill>
                   <a:srgbClr val="006600"/>
                 </a:solidFill>
@@ -9488,14 +9325,11 @@
               <a:t>ppt</a:t>
             </a:r>
             <a:r>
-              <a:rPr lang="en-GB" dirty="0" smtClean="0">
+              <a:rPr lang="en-GB" dirty="0">
                 <a:latin typeface="Lucida Console" panose="020B0609040504020204" pitchFamily="49" charset="0"/>
               </a:rPr>
               <a:t>“)</a:t>
             </a:r>
-            <a:endParaRPr lang="en-GB" dirty="0">
-              <a:latin typeface="Lucida Console" panose="020B0609040504020204" pitchFamily="49" charset="0"/>
-            </a:endParaRPr>
           </a:p>
         </p:txBody>
       </p:sp>
@@ -9522,7 +9356,7 @@
           <a:lstStyle/>
           <a:p>
             <a:r>
-              <a:rPr lang="en-GB" sz="2000" dirty="0" smtClean="0">
+              <a:rPr lang="en-GB" sz="2000" dirty="0">
                 <a:latin typeface="+mj-lt"/>
               </a:rPr>
               <a:t>Evidence for the interaction is assessed by comparing [4] and [3]</a:t>
@@ -9530,26 +9364,26 @@
           </a:p>
           <a:p>
             <a:r>
-              <a:rPr lang="en-GB" dirty="0" smtClean="0">
+              <a:rPr lang="en-GB" dirty="0">
                 <a:latin typeface="Lucida Console" panose="020B0609040504020204" pitchFamily="49" charset="0"/>
               </a:rPr>
               <a:t>	bf[4] / bf[3]</a:t>
             </a:r>
           </a:p>
           <a:p>
-            <a:endParaRPr lang="en-GB" dirty="0" smtClean="0">
+            <a:endParaRPr lang="en-GB" dirty="0">
               <a:latin typeface="Lucida Console" panose="020B0609040504020204" pitchFamily="49" charset="0"/>
             </a:endParaRPr>
           </a:p>
           <a:p>
             <a:r>
-              <a:rPr lang="en-GB" sz="2000" dirty="0" smtClean="0">
+              <a:rPr lang="en-GB" sz="2000" dirty="0">
                 <a:latin typeface="+mj-lt"/>
               </a:rPr>
               <a:t>There’s substantial evidence for an interaction between </a:t>
             </a:r>
             <a:r>
-              <a:rPr lang="en-GB" b="1" dirty="0" err="1" smtClean="0">
+              <a:rPr lang="en-GB" b="1" dirty="0" err="1">
                 <a:solidFill>
                   <a:schemeClr val="accent6">
                     <a:lumMod val="50000"/>
@@ -9560,13 +9394,13 @@
               <a:t>gaze_direction</a:t>
             </a:r>
             <a:r>
-              <a:rPr lang="en-GB" sz="2000" dirty="0" smtClean="0">
+              <a:rPr lang="en-GB" sz="2000" dirty="0">
                 <a:latin typeface="+mj-lt"/>
               </a:rPr>
               <a:t> and </a:t>
             </a:r>
             <a:r>
-              <a:rPr lang="en-GB" b="1" dirty="0" smtClean="0">
+              <a:rPr lang="en-GB" b="1" dirty="0">
                 <a:solidFill>
                   <a:schemeClr val="accent6">
                     <a:lumMod val="50000"/>
@@ -9577,7 +9411,7 @@
               <a:t>agreement</a:t>
             </a:r>
             <a:r>
-              <a:rPr lang="en-GB" sz="2000" dirty="0" smtClean="0">
+              <a:rPr lang="en-GB" sz="2000" dirty="0">
                 <a:latin typeface="+mj-lt"/>
               </a:rPr>
               <a:t>, BF ≈ 6</a:t>
@@ -9800,11 +9634,11 @@
           <a:lstStyle/>
           <a:p>
             <a:r>
-              <a:rPr lang="en-GB" sz="2200" dirty="0" smtClean="0"/>
+              <a:rPr lang="en-GB" sz="2200" dirty="0"/>
               <a:t>If there’s evidence for an interaction (BF &gt; 3), </a:t>
             </a:r>
             <a:r>
-              <a:rPr lang="en-GB" sz="2200" dirty="0" smtClean="0">
+              <a:rPr lang="en-GB" sz="2200" dirty="0">
                 <a:solidFill>
                   <a:schemeClr val="tx2"/>
                 </a:solidFill>
@@ -9812,11 +9646,11 @@
               <a:t>follow-up</a:t>
             </a:r>
             <a:r>
-              <a:rPr lang="en-GB" sz="2200" dirty="0" smtClean="0"/>
+              <a:rPr lang="en-GB" sz="2200" dirty="0"/>
               <a:t> </a:t>
             </a:r>
             <a:r>
-              <a:rPr lang="en-GB" sz="2200" dirty="0" smtClean="0">
+              <a:rPr lang="en-GB" sz="2200" dirty="0">
                 <a:solidFill>
                   <a:schemeClr val="tx2"/>
                 </a:solidFill>
@@ -9824,40 +9658,40 @@
               <a:t>comparisons</a:t>
             </a:r>
             <a:r>
-              <a:rPr lang="en-GB" sz="2200" dirty="0" smtClean="0"/>
+              <a:rPr lang="en-GB" sz="2200" dirty="0"/>
               <a:t> can be conducted to determine whether there’s evidence for an effect of a factor </a:t>
             </a:r>
             <a:r>
-              <a:rPr lang="en-GB" sz="2200" i="1" dirty="0" smtClean="0"/>
+              <a:rPr lang="en-GB" sz="2200" i="1" dirty="0"/>
               <a:t>at</a:t>
             </a:r>
             <a:r>
-              <a:rPr lang="en-GB" sz="2200" dirty="0" smtClean="0"/>
+              <a:rPr lang="en-GB" sz="2200" dirty="0"/>
               <a:t> </a:t>
             </a:r>
             <a:r>
-              <a:rPr lang="en-GB" sz="2200" i="1" dirty="0" smtClean="0"/>
+              <a:rPr lang="en-GB" sz="2200" i="1" dirty="0"/>
               <a:t>each level </a:t>
             </a:r>
             <a:r>
-              <a:rPr lang="en-GB" sz="2200" dirty="0" smtClean="0"/>
+              <a:rPr lang="en-GB" sz="2200" dirty="0"/>
               <a:t>of the other factor. </a:t>
             </a:r>
           </a:p>
           <a:p>
             <a:r>
-              <a:rPr lang="en-GB" sz="2200" dirty="0" smtClean="0"/>
+              <a:rPr lang="en-GB" sz="2200" dirty="0"/>
               <a:t>e.g., </a:t>
             </a:r>
           </a:p>
           <a:p>
             <a:pPr lvl="1"/>
             <a:r>
-              <a:rPr lang="en-GB" sz="2200" dirty="0" smtClean="0"/>
+              <a:rPr lang="en-GB" sz="2200" dirty="0"/>
               <a:t>is there evidence of an effect of </a:t>
             </a:r>
             <a:r>
-              <a:rPr lang="en-GB" sz="2200" b="1" dirty="0" smtClean="0">
+              <a:rPr lang="en-GB" sz="2200" b="1" dirty="0">
                 <a:solidFill>
                   <a:schemeClr val="accent6">
                     <a:lumMod val="50000"/>
@@ -9867,18 +9701,18 @@
               <a:t>agreement</a:t>
             </a:r>
             <a:r>
-              <a:rPr lang="en-GB" sz="2200" dirty="0" smtClean="0"/>
+              <a:rPr lang="en-GB" sz="2200" dirty="0"/>
               <a:t> in:</a:t>
             </a:r>
           </a:p>
           <a:p>
             <a:pPr lvl="2"/>
             <a:r>
-              <a:rPr lang="en-GB" sz="2200" dirty="0" smtClean="0"/>
+              <a:rPr lang="en-GB" sz="2200" dirty="0"/>
               <a:t>the </a:t>
             </a:r>
             <a:r>
-              <a:rPr lang="en-GB" sz="2200" dirty="0" err="1" smtClean="0">
+              <a:rPr lang="en-GB" sz="2200" dirty="0" err="1">
                 <a:solidFill>
                   <a:schemeClr val="tx2"/>
                 </a:solidFill>
@@ -9886,18 +9720,18 @@
               <a:t>averted_left</a:t>
             </a:r>
             <a:r>
-              <a:rPr lang="en-GB" sz="2200" dirty="0" smtClean="0"/>
+              <a:rPr lang="en-GB" sz="2200" dirty="0"/>
               <a:t> condition?</a:t>
             </a:r>
           </a:p>
           <a:p>
             <a:pPr lvl="2"/>
             <a:r>
-              <a:rPr lang="en-GB" sz="2200" dirty="0" smtClean="0"/>
+              <a:rPr lang="en-GB" sz="2200" dirty="0"/>
               <a:t>the </a:t>
             </a:r>
             <a:r>
-              <a:rPr lang="en-GB" sz="2200" dirty="0" err="1" smtClean="0">
+              <a:rPr lang="en-GB" sz="2200" dirty="0" err="1">
                 <a:solidFill>
                   <a:schemeClr val="tx2"/>
                 </a:solidFill>
@@ -9905,18 +9739,18 @@
               <a:t>averted_right</a:t>
             </a:r>
             <a:r>
-              <a:rPr lang="en-GB" sz="2200" dirty="0" smtClean="0"/>
+              <a:rPr lang="en-GB" sz="2200" dirty="0"/>
               <a:t> condition?</a:t>
             </a:r>
           </a:p>
           <a:p>
             <a:pPr lvl="2"/>
             <a:r>
-              <a:rPr lang="en-GB" sz="2200" dirty="0" smtClean="0"/>
+              <a:rPr lang="en-GB" sz="2200" dirty="0"/>
               <a:t>the </a:t>
             </a:r>
             <a:r>
-              <a:rPr lang="en-GB" sz="2200" dirty="0" smtClean="0">
+              <a:rPr lang="en-GB" sz="2200" dirty="0">
                 <a:solidFill>
                   <a:schemeClr val="tx2"/>
                 </a:solidFill>
@@ -9924,7 +9758,7 @@
               <a:t>direct</a:t>
             </a:r>
             <a:r>
-              <a:rPr lang="en-GB" sz="2200" dirty="0" smtClean="0"/>
+              <a:rPr lang="en-GB" sz="2200" dirty="0"/>
               <a:t> condition?</a:t>
             </a:r>
           </a:p>
@@ -9932,7 +9766,7 @@
             <a:pPr marL="457200" lvl="1" indent="0">
               <a:buNone/>
             </a:pPr>
-            <a:endParaRPr lang="en-GB" dirty="0" smtClean="0"/>
+            <a:endParaRPr lang="en-GB" dirty="0"/>
           </a:p>
           <a:p>
             <a:endParaRPr lang="en-GB" dirty="0"/>
@@ -9991,62 +9825,53 @@
           <a:lstStyle/>
           <a:p>
             <a:r>
-              <a:rPr lang="en-GB" sz="1600" dirty="0" smtClean="0">
+              <a:rPr lang="en-GB" sz="1600" dirty="0">
                 <a:latin typeface="Lucida Console" panose="020B0609040504020204" pitchFamily="49" charset="0"/>
               </a:rPr>
               <a:t>filter</a:t>
             </a:r>
             <a:r>
-              <a:rPr lang="en-GB" dirty="0" smtClean="0">
+              <a:rPr lang="en-GB" dirty="0">
                 <a:latin typeface="+mj-lt"/>
               </a:rPr>
               <a:t> the data for </a:t>
             </a:r>
             <a:r>
-              <a:rPr lang="en-GB" smtClean="0">
+              <a:rPr lang="en-GB">
                 <a:latin typeface="+mj-lt"/>
               </a:rPr>
-              <a:t>the </a:t>
-            </a:r>
-            <a:r>
-              <a:rPr lang="en-GB" smtClean="0">
+              <a:t>the condition </a:t>
+            </a:r>
+            <a:r>
+              <a:rPr lang="en-GB" dirty="0">
                 <a:latin typeface="+mj-lt"/>
               </a:rPr>
-              <a:t>condition </a:t>
-            </a:r>
-            <a:r>
-              <a:rPr lang="en-GB" dirty="0" smtClean="0">
+              <a:t>we want, then use </a:t>
+            </a:r>
+            <a:r>
+              <a:rPr lang="en-GB" dirty="0" err="1">
+                <a:latin typeface="Lucida Console" panose="020B0609040504020204" pitchFamily="49" charset="0"/>
+              </a:rPr>
+              <a:t>anovaBF</a:t>
+            </a:r>
+            <a:r>
+              <a:rPr lang="en-GB" dirty="0">
+                <a:latin typeface="Lucida Console" panose="020B0609040504020204" pitchFamily="49" charset="0"/>
+              </a:rPr>
+              <a:t>()</a:t>
+            </a:r>
+            <a:r>
+              <a:rPr lang="en-GB" sz="900" dirty="0">
+                <a:latin typeface="Lucida Console" panose="020B0609040504020204" pitchFamily="49" charset="0"/>
+              </a:rPr>
+              <a:t> </a:t>
+            </a:r>
+            <a:r>
+              <a:rPr lang="en-GB" dirty="0">
                 <a:latin typeface="+mj-lt"/>
               </a:rPr>
-              <a:t>we want, then use </a:t>
-            </a:r>
-            <a:r>
-              <a:rPr lang="en-GB" dirty="0" err="1" smtClean="0">
-                <a:latin typeface="Lucida Console" panose="020B0609040504020204" pitchFamily="49" charset="0"/>
-              </a:rPr>
-              <a:t>anovaBF</a:t>
-            </a:r>
-            <a:r>
-              <a:rPr lang="en-GB" dirty="0" smtClean="0">
-                <a:latin typeface="Lucida Console" panose="020B0609040504020204" pitchFamily="49" charset="0"/>
-              </a:rPr>
-              <a:t>()</a:t>
-            </a:r>
-            <a:r>
-              <a:rPr lang="en-GB" sz="900" dirty="0" smtClean="0">
-                <a:latin typeface="Lucida Console" panose="020B0609040504020204" pitchFamily="49" charset="0"/>
-              </a:rPr>
-              <a:t> </a:t>
-            </a:r>
-            <a:r>
-              <a:rPr lang="en-GB" dirty="0" smtClean="0">
-                <a:latin typeface="+mj-lt"/>
-              </a:rPr>
               <a:t>again but with the filtered data</a:t>
             </a:r>
-            <a:endParaRPr lang="en-GB" dirty="0">
-              <a:latin typeface="+mj-lt"/>
-            </a:endParaRPr>
           </a:p>
         </p:txBody>
       </p:sp>
@@ -10113,7 +9938,7 @@
           <a:p>
             <a:pPr algn="l"/>
             <a:r>
-              <a:rPr lang="en-GB" dirty="0" smtClean="0"/>
+              <a:rPr lang="en-GB" dirty="0"/>
               <a:t>Follow-up comparisons</a:t>
             </a:r>
             <a:endParaRPr lang="en-GB" dirty="0">
@@ -10764,17 +10589,17 @@
           <a:lstStyle/>
           <a:p>
             <a:r>
-              <a:rPr lang="en-GB" sz="3200" b="1" dirty="0" smtClean="0"/>
+              <a:rPr lang="en-GB" sz="3200" b="1" dirty="0"/>
               <a:t>Activity: Remainder of Session</a:t>
             </a:r>
           </a:p>
           <a:p>
             <a:r>
-              <a:rPr lang="en-GB" sz="3200" b="1" dirty="0" smtClean="0"/>
+              <a:rPr lang="en-GB" sz="3200" b="1" dirty="0"/>
               <a:t>Start Worksheet 6 and Exercises using </a:t>
             </a:r>
             <a:r>
-              <a:rPr lang="en-GB" sz="3200" b="1" dirty="0" err="1" smtClean="0"/>
+              <a:rPr lang="en-GB" sz="3200" b="1" dirty="0" err="1"/>
               <a:t>RStudio</a:t>
             </a:r>
             <a:endParaRPr lang="en-GB" sz="3200" b="1" dirty="0"/>
@@ -10809,10 +10634,9 @@
           <a:lstStyle/>
           <a:p>
             <a:r>
-              <a:rPr lang="en-GB" sz="3200" b="1" dirty="0" smtClean="0"/>
-              <a:t>Support session Friday 1-2pm on Zoom (Paul)</a:t>
-            </a:r>
-            <a:endParaRPr lang="en-GB" sz="3200" b="1" dirty="0"/>
+              <a:rPr lang="en-GB" sz="3200" b="1" dirty="0"/>
+              <a:t>Support session Friday 1-2pm</a:t>
+            </a:r>
           </a:p>
         </p:txBody>
       </p:sp>
@@ -10845,11 +10669,7 @@
           <a:p>
             <a:r>
               <a:rPr lang="en-GB" sz="2400" dirty="0"/>
-              <a:t>Worksheet </a:t>
-            </a:r>
-            <a:r>
-              <a:rPr lang="en-GB" sz="2400" dirty="0" smtClean="0"/>
-              <a:t>6: </a:t>
+              <a:t>Worksheet 6: </a:t>
             </a:r>
             <a:endParaRPr lang="en-GB" sz="2400" dirty="0">
               <a:hlinkClick r:id="rId3"/>
@@ -10857,31 +10677,18 @@
           </a:p>
           <a:p>
             <a:r>
-              <a:rPr lang="en-GB" sz="2400" dirty="0" smtClean="0">
-                <a:hlinkClick r:id="rId3"/>
-              </a:rPr>
-              <a:t>https</a:t>
-            </a:r>
-            <a:r>
               <a:rPr lang="en-GB" sz="2400" dirty="0">
                 <a:hlinkClick r:id="rId3"/>
               </a:rPr>
-              <a:t>://chrisjberry.github.io/datafluencyCB</a:t>
-            </a:r>
-            <a:r>
-              <a:rPr lang="en-GB" sz="2400" dirty="0" smtClean="0">
-                <a:hlinkClick r:id="rId3"/>
-              </a:rPr>
-              <a:t>/</a:t>
-            </a:r>
-            <a:endParaRPr lang="en-GB" sz="2400" dirty="0" smtClean="0"/>
-          </a:p>
-          <a:p>
-            <a:r>
-              <a:rPr lang="en-GB" sz="2400" dirty="0" smtClean="0"/>
+              <a:t>https://chrisjberry.github.io/datafluencyCB/</a:t>
+            </a:r>
+            <a:endParaRPr lang="en-GB" sz="2400" dirty="0"/>
+          </a:p>
+          <a:p>
+            <a:r>
+              <a:rPr lang="en-GB" sz="2400" dirty="0"/>
               <a:t>(or DLE)</a:t>
             </a:r>
-            <a:endParaRPr lang="en-GB" sz="2400" dirty="0"/>
           </a:p>
         </p:txBody>
       </p:sp>
@@ -10908,17 +10715,16 @@
           <a:lstStyle/>
           <a:p>
             <a:r>
-              <a:rPr lang="en-GB" dirty="0" smtClean="0"/>
+              <a:rPr lang="en-GB" dirty="0"/>
               <a:t>Finish for next session.</a:t>
             </a:r>
             <a:br>
-              <a:rPr lang="en-GB" dirty="0" smtClean="0"/>
+              <a:rPr lang="en-GB" dirty="0"/>
             </a:br>
             <a:r>
-              <a:rPr lang="en-GB" dirty="0" smtClean="0"/>
+              <a:rPr lang="en-GB" dirty="0"/>
               <a:t>Please ask me or Paul during the session if you have any questions on the code or concepts.</a:t>
             </a:r>
-            <a:endParaRPr lang="en-GB" dirty="0"/>
           </a:p>
         </p:txBody>
       </p:sp>
@@ -10951,22 +10757,22 @@
           <a:p>
             <a:pPr algn="ctr"/>
             <a:r>
-              <a:rPr lang="en-GB" dirty="0" smtClean="0"/>
+              <a:rPr lang="en-GB" dirty="0"/>
               <a:t>Remember, next week is our last session! </a:t>
             </a:r>
             <a:r>
-              <a:rPr lang="en-GB" dirty="0" smtClean="0">
+              <a:rPr lang="en-GB" dirty="0">
                 <a:sym typeface="Wingdings" panose="05000000000000000000" pitchFamily="2" charset="2"/>
               </a:rPr>
               <a:t></a:t>
             </a:r>
             <a:br>
-              <a:rPr lang="en-GB" dirty="0" smtClean="0">
+              <a:rPr lang="en-GB" dirty="0">
                 <a:sym typeface="Wingdings" panose="05000000000000000000" pitchFamily="2" charset="2"/>
               </a:rPr>
             </a:br>
             <a:r>
-              <a:rPr lang="en-GB" dirty="0" smtClean="0">
+              <a:rPr lang="en-GB" dirty="0">
                 <a:sym typeface="Wingdings" panose="05000000000000000000" pitchFamily="2" charset="2"/>
               </a:rPr>
               <a:t>(Please bring your questions!)</a:t>
@@ -11500,10 +11306,9 @@
           <a:lstStyle/>
           <a:p>
             <a:r>
-              <a:rPr lang="en-GB" dirty="0" smtClean="0"/>
+              <a:rPr lang="en-GB" dirty="0"/>
               <a:t>Repeated measures or within-subjects designs</a:t>
             </a:r>
-            <a:endParaRPr lang="en-GB" dirty="0"/>
           </a:p>
         </p:txBody>
       </p:sp>
@@ -11530,11 +11335,11 @@
           <a:lstStyle/>
           <a:p>
             <a:r>
-              <a:rPr lang="en-GB" sz="2400" dirty="0" smtClean="0"/>
+              <a:rPr lang="en-GB" sz="2400" dirty="0"/>
               <a:t>In a </a:t>
             </a:r>
             <a:r>
-              <a:rPr lang="en-GB" sz="2400" dirty="0" smtClean="0">
+              <a:rPr lang="en-GB" sz="2400" dirty="0">
                 <a:solidFill>
                   <a:schemeClr val="tx2"/>
                 </a:solidFill>
@@ -11542,24 +11347,20 @@
               <a:t>within-subjects design</a:t>
             </a:r>
             <a:r>
-              <a:rPr lang="en-GB" sz="2400" dirty="0" smtClean="0"/>
+              <a:rPr lang="en-GB" sz="2400" dirty="0"/>
               <a:t>, each participant takes part in every condition in the design. </a:t>
             </a:r>
             <a:br>
-              <a:rPr lang="en-GB" sz="2400" dirty="0" smtClean="0"/>
+              <a:rPr lang="en-GB" sz="2400" dirty="0"/>
             </a:br>
             <a:r>
-              <a:rPr lang="en-GB" sz="2400" dirty="0" smtClean="0"/>
-              <a:t>e.g</a:t>
-            </a:r>
-            <a:r>
               <a:rPr lang="en-GB" sz="2400" dirty="0"/>
-              <a:t>., performance on a cognitive task at time 1, time 2, and time 3.</a:t>
-            </a:r>
-          </a:p>
-          <a:p>
-            <a:r>
-              <a:rPr lang="en-GB" sz="2400" dirty="0" smtClean="0"/>
+              <a:t>e.g., performance on a cognitive task at time 1, time 2, and time 3.</a:t>
+            </a:r>
+          </a:p>
+          <a:p>
+            <a:r>
+              <a:rPr lang="en-GB" sz="2400" dirty="0"/>
               <a:t>Each participant therefore contributes </a:t>
             </a:r>
             <a:r>
@@ -11568,55 +11369,42 @@
                   <a:schemeClr val="tx2"/>
                 </a:solidFill>
               </a:rPr>
-              <a:t>m</a:t>
-            </a:r>
-            <a:r>
-              <a:rPr lang="en-GB" sz="2400" dirty="0" smtClean="0">
+              <a:t>multiple scores</a:t>
+            </a:r>
+            <a:br>
+              <a:rPr lang="en-GB" sz="2400" dirty="0"/>
+            </a:br>
+            <a:endParaRPr lang="en-GB" sz="2400" dirty="0"/>
+          </a:p>
+          <a:p>
+            <a:r>
+              <a:rPr lang="en-GB" sz="2400" dirty="0"/>
+              <a:t>The terms </a:t>
+            </a:r>
+            <a:r>
+              <a:rPr lang="en-GB" sz="2400" dirty="0">
                 <a:solidFill>
                   <a:schemeClr val="tx2"/>
                 </a:solidFill>
               </a:rPr>
-              <a:t>ultiple scores</a:t>
-            </a:r>
-            <a:r>
-              <a:rPr lang="en-GB" sz="2400" dirty="0" smtClean="0"/>
-              <a:t/>
-            </a:r>
-            <a:br>
-              <a:rPr lang="en-GB" sz="2400" dirty="0" smtClean="0"/>
-            </a:br>
-            <a:endParaRPr lang="en-GB" sz="2400" dirty="0" smtClean="0"/>
-          </a:p>
-          <a:p>
-            <a:r>
-              <a:rPr lang="en-GB" sz="2400" dirty="0" smtClean="0"/>
-              <a:t>The terms </a:t>
-            </a:r>
-            <a:r>
-              <a:rPr lang="en-GB" sz="2400" dirty="0" smtClean="0">
+              <a:t>repeated measures </a:t>
+            </a:r>
+            <a:r>
+              <a:rPr lang="en-GB" sz="2400" dirty="0"/>
+              <a:t>and </a:t>
+            </a:r>
+            <a:r>
+              <a:rPr lang="en-GB" sz="2400" dirty="0">
                 <a:solidFill>
                   <a:schemeClr val="tx2"/>
                 </a:solidFill>
               </a:rPr>
-              <a:t>repeated measures </a:t>
-            </a:r>
-            <a:r>
-              <a:rPr lang="en-GB" sz="2400" dirty="0" smtClean="0"/>
-              <a:t>and </a:t>
-            </a:r>
-            <a:r>
-              <a:rPr lang="en-GB" sz="2400" dirty="0" smtClean="0">
-                <a:solidFill>
-                  <a:schemeClr val="tx2"/>
-                </a:solidFill>
-              </a:rPr>
               <a:t>within-subjects are </a:t>
             </a:r>
             <a:r>
-              <a:rPr lang="en-GB" sz="2400" dirty="0" smtClean="0"/>
+              <a:rPr lang="en-GB" sz="2400" dirty="0"/>
               <a:t>used interchangeably.</a:t>
             </a:r>
-            <a:endParaRPr lang="en-GB" sz="2400" dirty="0"/>
           </a:p>
         </p:txBody>
       </p:sp>
@@ -11691,7 +11479,7 @@
           <a:lstStyle/>
           <a:p>
             <a:r>
-              <a:rPr lang="en-GB" sz="1400" dirty="0" smtClean="0">
+              <a:rPr lang="en-GB" sz="1400" dirty="0">
                 <a:solidFill>
                   <a:schemeClr val="tx2"/>
                 </a:solidFill>
@@ -11701,7 +11489,7 @@
           </a:p>
           <a:p>
             <a:r>
-              <a:rPr lang="en-GB" sz="1400" dirty="0" smtClean="0">
+              <a:rPr lang="en-GB" sz="1400" dirty="0">
                 <a:solidFill>
                   <a:schemeClr val="tx2"/>
                 </a:solidFill>
@@ -11709,25 +11497,20 @@
               <a:t>on the dependent variable </a:t>
             </a:r>
             <a:br>
-              <a:rPr lang="en-GB" sz="1400" dirty="0" smtClean="0">
+              <a:rPr lang="en-GB" sz="1400" dirty="0">
                 <a:solidFill>
                   <a:schemeClr val="tx2"/>
                 </a:solidFill>
               </a:rPr>
             </a:br>
             <a:r>
-              <a:rPr lang="en-GB" sz="1400" dirty="0" smtClean="0">
+              <a:rPr lang="en-GB" sz="1400" dirty="0">
                 <a:solidFill>
                   <a:schemeClr val="tx2"/>
                 </a:solidFill>
               </a:rPr>
               <a:t>(e.g., accuracy on a task)</a:t>
             </a:r>
-            <a:endParaRPr lang="en-GB" sz="1400" dirty="0">
-              <a:solidFill>
-                <a:schemeClr val="tx2"/>
-              </a:solidFill>
-            </a:endParaRPr>
           </a:p>
         </p:txBody>
       </p:sp>
@@ -12011,10 +11794,9 @@
           <a:lstStyle/>
           <a:p>
             <a:r>
-              <a:rPr lang="en-GB" dirty="0" smtClean="0"/>
+              <a:rPr lang="en-GB" dirty="0"/>
               <a:t>Repeated measures or within-subjects designs</a:t>
             </a:r>
-            <a:endParaRPr lang="en-GB" dirty="0"/>
           </a:p>
         </p:txBody>
       </p:sp>
@@ -12044,11 +11826,11 @@
               <a:buNone/>
             </a:pPr>
             <a:r>
-              <a:rPr lang="en-GB" sz="2400" dirty="0" smtClean="0"/>
+              <a:rPr lang="en-GB" sz="2400" dirty="0"/>
               <a:t>The levels of the independent variable are usually referred to as </a:t>
             </a:r>
             <a:r>
-              <a:rPr lang="en-GB" sz="2400" b="1" dirty="0" smtClean="0">
+              <a:rPr lang="en-GB" sz="2400" b="1" dirty="0">
                 <a:solidFill>
                   <a:schemeClr val="tx2"/>
                 </a:solidFill>
@@ -12061,7 +11843,7 @@
               <a:buNone/>
             </a:pPr>
             <a:r>
-              <a:rPr lang="en-GB" sz="2400" dirty="0" smtClean="0"/>
+              <a:rPr lang="en-GB" sz="2400" dirty="0"/>
               <a:t>E.g., Time has 3 levels or conditions, </a:t>
             </a:r>
           </a:p>
@@ -12070,7 +11852,7 @@
               <a:buNone/>
             </a:pPr>
             <a:r>
-              <a:rPr lang="en-GB" sz="2400" dirty="0" smtClean="0"/>
+              <a:rPr lang="en-GB" sz="2400" dirty="0"/>
               <a:t>time 1, time 2, time 3</a:t>
             </a:r>
           </a:p>
@@ -12229,11 +12011,7 @@
             <a:pPr lvl="1"/>
             <a:r>
               <a:rPr lang="en-GB" sz="2000" dirty="0"/>
-              <a:t>ANOVA can be used to determine whether </a:t>
-            </a:r>
-            <a:r>
-              <a:rPr lang="en-GB" sz="2000" dirty="0" smtClean="0"/>
-              <a:t>there’s evidence that the </a:t>
+              <a:t>ANOVA can be used to determine whether there’s evidence that the </a:t>
             </a:r>
             <a:r>
               <a:rPr lang="en-GB" sz="2000" b="1" dirty="0">
@@ -12244,38 +12022,17 @@
               <a:t>Ms </a:t>
             </a:r>
             <a:r>
-              <a:rPr lang="en-GB" sz="2000" dirty="0" smtClean="0"/>
+              <a:rPr lang="en-GB" sz="2000" dirty="0"/>
               <a:t>(</a:t>
             </a:r>
             <a:r>
-              <a:rPr lang="en-GB" sz="2000" b="1" dirty="0" smtClean="0">
+              <a:rPr lang="en-GB" sz="2000" b="1" dirty="0">
                 <a:solidFill>
                   <a:schemeClr val="tx2"/>
                 </a:solidFill>
               </a:rPr>
-              <a:t>means) </a:t>
-            </a:r>
-            <a:r>
-              <a:rPr lang="en-GB" sz="2000" b="1" dirty="0">
-                <a:solidFill>
-                  <a:schemeClr val="tx2"/>
-                </a:solidFill>
-              </a:rPr>
-              <a:t>of the </a:t>
-            </a:r>
-            <a:r>
-              <a:rPr lang="en-GB" sz="2000" b="1" dirty="0" smtClean="0">
-                <a:solidFill>
-                  <a:schemeClr val="tx2"/>
-                </a:solidFill>
-              </a:rPr>
-              <a:t>conditions differ.</a:t>
-            </a:r>
-            <a:endParaRPr lang="en-GB" sz="2000" b="1" dirty="0">
-              <a:solidFill>
-                <a:schemeClr val="tx2"/>
-              </a:solidFill>
-            </a:endParaRPr>
+              <a:t>means) of the conditions differ.</a:t>
+            </a:r>
           </a:p>
         </p:txBody>
       </p:sp>
@@ -12558,10 +12315,9 @@
           <a:lstStyle/>
           <a:p>
             <a:r>
-              <a:rPr lang="en-GB" dirty="0" smtClean="0"/>
+              <a:rPr lang="en-GB" dirty="0"/>
               <a:t>Individual differences</a:t>
             </a:r>
-            <a:endParaRPr lang="en-GB" dirty="0"/>
           </a:p>
         </p:txBody>
       </p:sp>
@@ -12589,11 +12345,11 @@
           <a:p>
             <a:pPr marL="457200" lvl="1" indent="-282575"/>
             <a:r>
-              <a:rPr lang="en-GB" sz="2000" dirty="0" smtClean="0"/>
+              <a:rPr lang="en-GB" sz="2000" dirty="0"/>
               <a:t>Participants’ performance is often </a:t>
             </a:r>
             <a:r>
-              <a:rPr lang="en-GB" sz="2000" i="1" dirty="0" smtClean="0">
+              <a:rPr lang="en-GB" sz="2000" i="1" dirty="0">
                 <a:solidFill>
                   <a:schemeClr val="tx2"/>
                 </a:solidFill>
@@ -12601,25 +12357,25 @@
               <a:t>correlated</a:t>
             </a:r>
             <a:r>
-              <a:rPr lang="en-GB" sz="2000" dirty="0" smtClean="0"/>
+              <a:rPr lang="en-GB" sz="2000" dirty="0"/>
               <a:t> across conditions:</a:t>
             </a:r>
             <a:br>
-              <a:rPr lang="en-GB" sz="2000" dirty="0" smtClean="0"/>
+              <a:rPr lang="en-GB" sz="2000" dirty="0"/>
             </a:br>
             <a:r>
-              <a:rPr lang="en-GB" sz="2000" dirty="0" smtClean="0"/>
+              <a:rPr lang="en-GB" sz="2000" dirty="0"/>
               <a:t>e.g., if perform well at time 1, likely perform well at time 2, and time 3. </a:t>
             </a:r>
           </a:p>
           <a:p>
             <a:pPr marL="457200" lvl="1" indent="-282575"/>
             <a:r>
-              <a:rPr lang="en-GB" sz="2000" dirty="0" smtClean="0"/>
+              <a:rPr lang="en-GB" sz="2000" dirty="0"/>
               <a:t>Thus, some </a:t>
             </a:r>
             <a:r>
-              <a:rPr lang="en-GB" sz="2000" dirty="0" smtClean="0">
+              <a:rPr lang="en-GB" sz="2000" dirty="0">
                 <a:solidFill>
                   <a:schemeClr val="tx2"/>
                 </a:solidFill>
@@ -12627,18 +12383,18 @@
               <a:t>variability in the dependent variable is explained by the participants</a:t>
             </a:r>
             <a:r>
-              <a:rPr lang="en-GB" sz="2000" dirty="0" smtClean="0"/>
+              <a:rPr lang="en-GB" sz="2000" dirty="0"/>
               <a:t> themselves.</a:t>
             </a:r>
           </a:p>
           <a:p>
             <a:pPr marL="457200" lvl="1" indent="-282575"/>
             <a:r>
-              <a:rPr lang="en-GB" sz="2000" dirty="0" smtClean="0"/>
+              <a:rPr lang="en-GB" sz="2000" dirty="0"/>
               <a:t>We’d like to </a:t>
             </a:r>
             <a:r>
-              <a:rPr lang="en-GB" sz="2000" dirty="0" smtClean="0">
+              <a:rPr lang="en-GB" sz="2000" dirty="0">
                 <a:solidFill>
                   <a:schemeClr val="tx2"/>
                 </a:solidFill>
@@ -12646,7 +12402,7 @@
               <a:t>account for this </a:t>
             </a:r>
             <a:r>
-              <a:rPr lang="en-GB" sz="2000" dirty="0" smtClean="0"/>
+              <a:rPr lang="en-GB" sz="2000" dirty="0"/>
               <a:t>in some way, before looking at the effect of the independent variable</a:t>
             </a:r>
           </a:p>
@@ -12723,7 +12479,7 @@
           <a:lstStyle/>
           <a:p>
             <a:r>
-              <a:rPr lang="en-GB" sz="1600" dirty="0" smtClean="0">
+              <a:rPr lang="en-GB" sz="1600" dirty="0">
                 <a:solidFill>
                   <a:schemeClr val="tx2"/>
                 </a:solidFill>
@@ -12731,7 +12487,7 @@
               <a:t>Consistencies </a:t>
             </a:r>
             <a:r>
-              <a:rPr lang="en-GB" sz="1600" i="1" dirty="0" smtClean="0">
+              <a:rPr lang="en-GB" sz="1600" i="1" dirty="0">
                 <a:solidFill>
                   <a:schemeClr val="tx2"/>
                 </a:solidFill>
@@ -12739,18 +12495,13 @@
               <a:t>within</a:t>
             </a:r>
             <a:r>
-              <a:rPr lang="en-GB" sz="1600" dirty="0" smtClean="0">
+              <a:rPr lang="en-GB" sz="1600" dirty="0">
                 <a:solidFill>
                   <a:schemeClr val="tx2"/>
                 </a:solidFill>
               </a:rPr>
               <a:t> participants evident</a:t>
             </a:r>
-            <a:endParaRPr lang="en-GB" sz="1600" dirty="0">
-              <a:solidFill>
-                <a:schemeClr val="tx2"/>
-              </a:solidFill>
-            </a:endParaRPr>
           </a:p>
         </p:txBody>
       </p:sp>
@@ -13014,7 +12765,7 @@
           <a:lstStyle/>
           <a:p>
             <a:r>
-              <a:rPr lang="en-GB" sz="1200" dirty="0" smtClean="0">
+              <a:rPr lang="en-GB" sz="1200" dirty="0">
                 <a:latin typeface="+mj-lt"/>
               </a:rPr>
               <a:t>Area of box = variance in DV to be explained.</a:t>
@@ -13022,7 +12773,7 @@
           </a:p>
           <a:p>
             <a:r>
-              <a:rPr lang="en-GB" sz="1200" dirty="0" smtClean="0">
+              <a:rPr lang="en-GB" sz="1200" dirty="0">
                 <a:latin typeface="+mj-lt"/>
               </a:rPr>
               <a:t>Area outside circle = the remaining variance to be explained, also called the residual or error variance</a:t>
@@ -13053,10 +12804,9 @@
           <a:lstStyle/>
           <a:p>
             <a:r>
-              <a:rPr lang="en-GB" sz="2400" dirty="0" smtClean="0"/>
+              <a:rPr lang="en-GB" sz="2400" dirty="0"/>
               <a:t>Repeated measures ANOVA: representation</a:t>
             </a:r>
-            <a:endParaRPr lang="en-GB" sz="2400" dirty="0"/>
           </a:p>
         </p:txBody>
       </p:sp>
@@ -13085,19 +12835,7 @@
             <a:pPr marL="457200" lvl="1" indent="-282575"/>
             <a:r>
               <a:rPr lang="en-GB" sz="1800" dirty="0"/>
-              <a:t>In </a:t>
-            </a:r>
-            <a:r>
-              <a:rPr lang="en-GB" sz="1800" dirty="0" smtClean="0"/>
-              <a:t>a repeated </a:t>
-            </a:r>
-            <a:r>
-              <a:rPr lang="en-GB" sz="1800" dirty="0"/>
-              <a:t>measures </a:t>
-            </a:r>
-            <a:r>
-              <a:rPr lang="en-GB" sz="1800" dirty="0" smtClean="0"/>
-              <a:t>ANOVA:</a:t>
+              <a:t>In a repeated measures ANOVA:</a:t>
             </a:r>
           </a:p>
           <a:p>
@@ -13105,11 +12843,11 @@
               <a:buNone/>
             </a:pPr>
             <a:r>
-              <a:rPr lang="en-GB" sz="1800" dirty="0" smtClean="0"/>
+              <a:rPr lang="en-GB" sz="1800" dirty="0"/>
               <a:t>1.</a:t>
             </a:r>
             <a:r>
-              <a:rPr lang="en-GB" sz="1800" dirty="0" smtClean="0">
+              <a:rPr lang="en-GB" sz="1800" dirty="0">
                 <a:solidFill>
                   <a:schemeClr val="tx2"/>
                 </a:solidFill>
@@ -13117,11 +12855,11 @@
               <a:t> </a:t>
             </a:r>
             <a:r>
-              <a:rPr lang="en-GB" sz="1800" dirty="0" smtClean="0"/>
+              <a:rPr lang="en-GB" sz="1800" dirty="0"/>
               <a:t>The variance explained by the </a:t>
             </a:r>
             <a:r>
-              <a:rPr lang="en-GB" sz="1800" b="1" dirty="0" smtClean="0">
+              <a:rPr lang="en-GB" sz="1800" b="1" dirty="0">
                 <a:solidFill>
                   <a:srgbClr val="006600"/>
                 </a:solidFill>
@@ -13129,7 +12867,7 @@
               <a:t>participant</a:t>
             </a:r>
             <a:r>
-              <a:rPr lang="en-GB" sz="1800" b="1" dirty="0" smtClean="0">
+              <a:rPr lang="en-GB" sz="1800" b="1" dirty="0">
                 <a:solidFill>
                   <a:schemeClr val="tx2"/>
                 </a:solidFill>
@@ -13137,22 +12875,17 @@
               <a:t> </a:t>
             </a:r>
             <a:r>
-              <a:rPr lang="en-GB" sz="1800" dirty="0" smtClean="0"/>
+              <a:rPr lang="en-GB" sz="1800" dirty="0"/>
               <a:t>is first accounted for.</a:t>
             </a:r>
-            <a:endParaRPr lang="en-GB" sz="1800" dirty="0"/>
           </a:p>
           <a:p>
             <a:pPr marL="574675" lvl="2" indent="0">
               <a:buNone/>
             </a:pPr>
             <a:r>
-              <a:rPr lang="en-GB" sz="1800" dirty="0" smtClean="0"/>
-              <a:t>2. Then </a:t>
-            </a:r>
-            <a:r>
               <a:rPr lang="en-GB" sz="1800" dirty="0"/>
-              <a:t>the unique contribution of the </a:t>
+              <a:t>2. Then the unique contribution of the </a:t>
             </a:r>
             <a:r>
               <a:rPr lang="en-GB" sz="1800" b="1" dirty="0">
@@ -13162,113 +12895,102 @@
                   </a:schemeClr>
                 </a:solidFill>
               </a:rPr>
-              <a:t>independent </a:t>
-            </a:r>
-            <a:r>
-              <a:rPr lang="en-GB" sz="1800" b="1" dirty="0" smtClean="0">
+              <a:t>independent variable </a:t>
+            </a:r>
+            <a:r>
+              <a:rPr lang="en-GB" sz="1800" dirty="0"/>
+              <a:t>(e.g., </a:t>
+            </a:r>
+            <a:r>
+              <a:rPr lang="en-GB" sz="1800" dirty="0">
                 <a:solidFill>
                   <a:schemeClr val="accent6">
                     <a:lumMod val="50000"/>
                   </a:schemeClr>
                 </a:solidFill>
               </a:rPr>
-              <a:t>variable </a:t>
-            </a:r>
-            <a:r>
-              <a:rPr lang="en-GB" sz="1800" dirty="0" smtClean="0"/>
-              <a:t>(e.g., </a:t>
-            </a:r>
-            <a:r>
-              <a:rPr lang="en-GB" sz="1800" dirty="0" smtClean="0">
+              <a:t>Time</a:t>
+            </a:r>
+            <a:r>
+              <a:rPr lang="en-GB" sz="1800" dirty="0"/>
+              <a:t>) is assessed.</a:t>
+            </a:r>
+          </a:p>
+          <a:p>
+            <a:pPr marL="457200" lvl="1" indent="-282575"/>
+            <a:r>
+              <a:rPr lang="en-GB" sz="1800" dirty="0"/>
+              <a:t>Once </a:t>
+            </a:r>
+            <a:r>
+              <a:rPr lang="en-GB" sz="1800" b="1" dirty="0">
+                <a:solidFill>
+                  <a:srgbClr val="006600"/>
+                </a:solidFill>
+              </a:rPr>
+              <a:t>participant</a:t>
+            </a:r>
+            <a:r>
+              <a:rPr lang="en-GB" sz="1800" dirty="0"/>
+              <a:t> has been accounted for, the </a:t>
+            </a:r>
+            <a:r>
+              <a:rPr lang="en-GB" sz="1800" b="1" dirty="0">
                 <a:solidFill>
                   <a:schemeClr val="accent6">
                     <a:lumMod val="50000"/>
                   </a:schemeClr>
                 </a:solidFill>
               </a:rPr>
-              <a:t>Time</a:t>
-            </a:r>
-            <a:r>
-              <a:rPr lang="en-GB" sz="1800" dirty="0" smtClean="0"/>
-              <a:t>) is assessed.</a:t>
-            </a:r>
-            <a:endParaRPr lang="en-GB" sz="1800" dirty="0"/>
+              <a:t>independent variable </a:t>
+            </a:r>
+            <a:r>
+              <a:rPr lang="en-GB" sz="1800" dirty="0"/>
+              <a:t>explains a greater proportion of the </a:t>
+            </a:r>
+            <a:r>
+              <a:rPr lang="en-GB" sz="1800" i="1" dirty="0"/>
+              <a:t>remaining variance</a:t>
+            </a:r>
+            <a:r>
+              <a:rPr lang="en-GB" sz="1800" dirty="0"/>
+              <a:t>, compared to a model that does not include </a:t>
+            </a:r>
+            <a:r>
+              <a:rPr lang="en-GB" sz="1800" b="1" dirty="0">
+                <a:solidFill>
+                  <a:srgbClr val="006600"/>
+                </a:solidFill>
+              </a:rPr>
+              <a:t>participant</a:t>
+            </a:r>
+            <a:r>
+              <a:rPr lang="en-GB" sz="1800" dirty="0"/>
+              <a:t>. </a:t>
+            </a:r>
           </a:p>
           <a:p>
             <a:pPr marL="457200" lvl="1" indent="-282575"/>
             <a:r>
-              <a:rPr lang="en-GB" sz="1800" dirty="0" smtClean="0"/>
-              <a:t>Once </a:t>
+              <a:rPr lang="en-GB" sz="1800" dirty="0"/>
+              <a:t>It’s therefore more likely there’s evidence for </a:t>
             </a:r>
             <a:r>
               <a:rPr lang="en-GB" sz="1800" b="1" dirty="0">
-                <a:solidFill>
-                  <a:srgbClr val="006600"/>
-                </a:solidFill>
-              </a:rPr>
-              <a:t>participant</a:t>
-            </a:r>
-            <a:r>
-              <a:rPr lang="en-GB" sz="1800" dirty="0" smtClean="0"/>
-              <a:t> has been accounted for, the </a:t>
-            </a:r>
-            <a:r>
-              <a:rPr lang="en-GB" sz="1800" b="1" dirty="0" smtClean="0">
                 <a:solidFill>
                   <a:schemeClr val="accent6">
                     <a:lumMod val="50000"/>
                   </a:schemeClr>
                 </a:solidFill>
               </a:rPr>
-              <a:t>independent variable </a:t>
-            </a:r>
-            <a:r>
-              <a:rPr lang="en-GB" sz="1800" dirty="0" smtClean="0"/>
-              <a:t>explains a greater proportion of the </a:t>
-            </a:r>
-            <a:r>
-              <a:rPr lang="en-GB" sz="1800" i="1" dirty="0" smtClean="0"/>
-              <a:t>remaining variance</a:t>
-            </a:r>
-            <a:r>
-              <a:rPr lang="en-GB" sz="1800" dirty="0" smtClean="0"/>
-              <a:t>, compared to a model that does not include </a:t>
-            </a:r>
-            <a:r>
-              <a:rPr lang="en-GB" sz="1800" b="1" dirty="0" smtClean="0">
-                <a:solidFill>
-                  <a:srgbClr val="006600"/>
-                </a:solidFill>
-              </a:rPr>
-              <a:t>participant</a:t>
-            </a:r>
-            <a:r>
-              <a:rPr lang="en-GB" sz="1800" dirty="0" smtClean="0"/>
-              <a:t>. </a:t>
-            </a:r>
-          </a:p>
-          <a:p>
-            <a:pPr marL="457200" lvl="1" indent="-282575"/>
-            <a:r>
-              <a:rPr lang="en-GB" sz="1800" dirty="0" smtClean="0"/>
-              <a:t>It’s therefore more likely there’s evidence for </a:t>
-            </a:r>
-            <a:r>
-              <a:rPr lang="en-GB" sz="1800" b="1" dirty="0">
-                <a:solidFill>
-                  <a:schemeClr val="accent6">
-                    <a:lumMod val="50000"/>
-                  </a:schemeClr>
-                </a:solidFill>
-              </a:rPr>
               <a:t>independent variable’s </a:t>
             </a:r>
             <a:r>
-              <a:rPr lang="en-GB" sz="1800" dirty="0" smtClean="0"/>
+              <a:rPr lang="en-GB" sz="1800" dirty="0"/>
               <a:t>unique contribution to the prediction of the outcome.</a:t>
             </a:r>
             <a:br>
-              <a:rPr lang="en-GB" sz="1800" dirty="0" smtClean="0"/>
+              <a:rPr lang="en-GB" sz="1800" dirty="0"/>
             </a:br>
             <a:endParaRPr lang="en-GB" sz="1800" dirty="0"/>
           </a:p>
@@ -13416,7 +13138,7 @@
           <a:lstStyle/>
           <a:p>
             <a:r>
-              <a:rPr lang="en-GB" b="1" dirty="0" smtClean="0">
+              <a:rPr lang="en-GB" b="1" dirty="0">
                 <a:solidFill>
                   <a:schemeClr val="accent3">
                     <a:lumMod val="50000"/>
@@ -13556,7 +13278,7 @@
           <a:lstStyle/>
           <a:p>
             <a:r>
-              <a:rPr lang="en-GB" b="1" dirty="0" smtClean="0">
+              <a:rPr lang="en-GB" b="1" dirty="0">
                 <a:solidFill>
                   <a:schemeClr val="accent6">
                     <a:lumMod val="50000"/>
@@ -13644,7 +13366,7 @@
           <a:lstStyle/>
           <a:p>
             <a:r>
-              <a:rPr lang="en-GB" b="1" dirty="0" smtClean="0">
+              <a:rPr lang="en-GB" b="1" dirty="0">
                 <a:solidFill>
                   <a:schemeClr val="accent3">
                     <a:lumMod val="50000"/>
@@ -13686,7 +13408,7 @@
           <a:lstStyle/>
           <a:p>
             <a:r>
-              <a:rPr lang="en-GB" dirty="0" smtClean="0">
+              <a:rPr lang="en-GB" dirty="0">
                 <a:solidFill>
                   <a:schemeClr val="accent3">
                     <a:lumMod val="50000"/>
@@ -13695,13 +13417,6 @@
               </a:rPr>
               <a:t>1</a:t>
             </a:r>
-            <a:endParaRPr lang="en-GB" dirty="0">
-              <a:solidFill>
-                <a:schemeClr val="accent3">
-                  <a:lumMod val="50000"/>
-                </a:schemeClr>
-              </a:solidFill>
-            </a:endParaRPr>
           </a:p>
         </p:txBody>
       </p:sp>
@@ -13728,7 +13443,7 @@
           <a:lstStyle/>
           <a:p>
             <a:r>
-              <a:rPr lang="en-GB" dirty="0" smtClean="0">
+              <a:rPr lang="en-GB" dirty="0">
                 <a:solidFill>
                   <a:schemeClr val="accent3">
                     <a:lumMod val="50000"/>
@@ -13737,13 +13452,6 @@
               </a:rPr>
               <a:t>2</a:t>
             </a:r>
-            <a:endParaRPr lang="en-GB" dirty="0">
-              <a:solidFill>
-                <a:schemeClr val="accent3">
-                  <a:lumMod val="50000"/>
-                </a:schemeClr>
-              </a:solidFill>
-            </a:endParaRPr>
           </a:p>
         </p:txBody>
       </p:sp>
@@ -14514,10 +14222,9 @@
           <a:lstStyle/>
           <a:p>
             <a:r>
-              <a:rPr lang="en-GB" dirty="0" smtClean="0"/>
+              <a:rPr lang="en-GB" dirty="0"/>
               <a:t>Fixed vs. Random Factors</a:t>
             </a:r>
-            <a:endParaRPr lang="en-GB" dirty="0"/>
           </a:p>
         </p:txBody>
       </p:sp>
@@ -14545,7 +14252,7 @@
           <a:p>
             <a:pPr marL="857250" lvl="2" indent="-282575"/>
             <a:r>
-              <a:rPr lang="en-GB" sz="2400" b="1" dirty="0" smtClean="0">
+              <a:rPr lang="en-GB" sz="2400" b="1" dirty="0">
                 <a:solidFill>
                   <a:srgbClr val="006600"/>
                 </a:solidFill>
@@ -14553,7 +14260,7 @@
               <a:t>Random factors</a:t>
             </a:r>
             <a:r>
-              <a:rPr lang="en-GB" sz="2400" b="1" dirty="0" smtClean="0">
+              <a:rPr lang="en-GB" sz="2400" b="1" dirty="0">
                 <a:solidFill>
                   <a:schemeClr val="tx2"/>
                 </a:solidFill>
@@ -14561,43 +14268,15 @@
               <a:t>:</a:t>
             </a:r>
             <a:r>
-              <a:rPr lang="en-GB" sz="2400" dirty="0" smtClean="0"/>
-              <a:t> explain </a:t>
-            </a:r>
-            <a:r>
               <a:rPr lang="en-GB" sz="2400" dirty="0"/>
-              <a:t>variance in outcome variable, but are treated as </a:t>
-            </a:r>
-            <a:r>
-              <a:rPr lang="en-GB" sz="2400" dirty="0" smtClean="0"/>
-              <a:t>nuisance background </a:t>
-            </a:r>
-            <a:r>
+              <a:t> explain variance in outcome variable, but are treated as nuisance background variables and are not individually assessed </a:t>
+            </a:r>
+            <a:br>
               <a:rPr lang="en-GB" sz="2400" dirty="0"/>
-              <a:t>variables </a:t>
-            </a:r>
-            <a:r>
-              <a:rPr lang="en-GB" sz="2400" dirty="0" smtClean="0"/>
-              <a:t>and </a:t>
-            </a:r>
+            </a:br>
             <a:r>
               <a:rPr lang="en-GB" sz="2400" dirty="0"/>
-              <a:t>are not individually assessed </a:t>
-            </a:r>
-            <a:r>
-              <a:rPr lang="en-GB" sz="2400" dirty="0" smtClean="0"/>
-              <a:t/>
-            </a:r>
-            <a:br>
-              <a:rPr lang="en-GB" sz="2400" dirty="0" smtClean="0"/>
-            </a:br>
-            <a:r>
-              <a:rPr lang="en-GB" sz="2400" dirty="0" smtClean="0"/>
-              <a:t>(</a:t>
-            </a:r>
-            <a:r>
-              <a:rPr lang="en-GB" sz="2400" dirty="0"/>
-              <a:t>e.g., </a:t>
+              <a:t>(e.g., </a:t>
             </a:r>
             <a:r>
               <a:rPr lang="en-GB" sz="2400" dirty="0">
@@ -14622,25 +14301,25 @@
                   </a:schemeClr>
                 </a:solidFill>
               </a:rPr>
-              <a:t>Fixed </a:t>
-            </a:r>
-            <a:r>
-              <a:rPr lang="en-GB" sz="2400" b="1" dirty="0" smtClean="0">
+              <a:t>Fixed factors</a:t>
+            </a:r>
+            <a:r>
+              <a:rPr lang="en-GB" sz="2400" dirty="0"/>
+              <a:t>: manipulated </a:t>
+            </a:r>
+            <a:r>
+              <a:rPr lang="en-GB" sz="2400" dirty="0">
                 <a:solidFill>
                   <a:schemeClr val="accent6">
                     <a:lumMod val="50000"/>
                   </a:schemeClr>
                 </a:solidFill>
               </a:rPr>
-              <a:t>factors</a:t>
-            </a:r>
-            <a:r>
-              <a:rPr lang="en-GB" sz="2400" dirty="0" smtClean="0"/>
-              <a:t>: </a:t>
+              <a:t>independent variable </a:t>
             </a:r>
             <a:r>
               <a:rPr lang="en-GB" sz="2400" dirty="0"/>
-              <a:t>manipulated </a:t>
+              <a:t>(e.g., </a:t>
             </a:r>
             <a:r>
               <a:rPr lang="en-GB" sz="2400" dirty="0">
@@ -14650,20 +14329,6 @@
                   </a:schemeClr>
                 </a:solidFill>
               </a:rPr>
-              <a:t>independent variable </a:t>
-            </a:r>
-            <a:r>
-              <a:rPr lang="en-GB" sz="2400" dirty="0"/>
-              <a:t>(e.g., </a:t>
-            </a:r>
-            <a:r>
-              <a:rPr lang="en-GB" sz="2400" dirty="0">
-                <a:solidFill>
-                  <a:schemeClr val="accent6">
-                    <a:lumMod val="50000"/>
-                  </a:schemeClr>
-                </a:solidFill>
-              </a:rPr>
               <a:t>time</a:t>
             </a:r>
             <a:r>
@@ -14702,53 +14367,25 @@
             </a:r>
             <a:r>
               <a:rPr lang="en-GB" sz="2400" dirty="0"/>
-              <a:t>in the </a:t>
-            </a:r>
-            <a:r>
-              <a:rPr lang="en-GB" sz="2400" dirty="0" smtClean="0"/>
-              <a:t>repeated measures ANOVA model</a:t>
-            </a:r>
+              <a:t>in the repeated measures ANOVA model. </a:t>
+            </a:r>
+          </a:p>
+          <a:p>
             <a:r>
               <a:rPr lang="en-GB" sz="2400" dirty="0"/>
-              <a:t>. </a:t>
-            </a:r>
-          </a:p>
-          <a:p>
-            <a:r>
-              <a:rPr lang="en-GB" sz="2400" dirty="0" smtClean="0"/>
-              <a:t>Benefit</a:t>
+              <a:t>Benefit: </a:t>
+            </a:r>
+            <a:r>
+              <a:rPr lang="en-GB" sz="2400" dirty="0">
+                <a:solidFill>
+                  <a:schemeClr val="tx2"/>
+                </a:solidFill>
+              </a:rPr>
+              <a:t>statistical power </a:t>
             </a:r>
             <a:r>
               <a:rPr lang="en-GB" sz="2400" dirty="0"/>
-              <a:t>: </a:t>
-            </a:r>
-            <a:r>
-              <a:rPr lang="en-GB" sz="2400" dirty="0">
-                <a:solidFill>
-                  <a:schemeClr val="tx2"/>
-                </a:solidFill>
-              </a:rPr>
-              <a:t>statistical power </a:t>
-            </a:r>
-            <a:r>
-              <a:rPr lang="en-GB" sz="2400" dirty="0"/>
-              <a:t>of repeated measures designs tends to be greater </a:t>
-            </a:r>
-            <a:r>
-              <a:rPr lang="en-GB" sz="2400" dirty="0" smtClean="0"/>
-              <a:t>(you’re more </a:t>
-            </a:r>
-            <a:r>
-              <a:rPr lang="en-GB" sz="2400" dirty="0"/>
-              <a:t>likely to detect an effect </a:t>
-            </a:r>
-            <a:r>
-              <a:rPr lang="en-GB" sz="2400" dirty="0" smtClean="0"/>
-              <a:t>of the fixed factor if </a:t>
-            </a:r>
-            <a:r>
-              <a:rPr lang="en-GB" sz="2400" dirty="0"/>
-              <a:t>there is a genuine one to be detected).</a:t>
+              <a:t>of repeated measures designs tends to be greater (you’re more likely to detect an effect of the fixed factor if there is a genuine one to be detected).</a:t>
             </a:r>
           </a:p>
           <a:p>
@@ -15062,18 +14699,13 @@
               <a:buNone/>
             </a:pPr>
             <a:r>
-              <a:rPr lang="en-GB" b="1" dirty="0" smtClean="0">
+              <a:rPr lang="en-GB" b="1" dirty="0">
                 <a:solidFill>
                   <a:schemeClr val="tx2"/>
                 </a:solidFill>
               </a:rPr>
               <a:t>Long format</a:t>
             </a:r>
-            <a:endParaRPr lang="en-GB" b="1" dirty="0">
-              <a:solidFill>
-                <a:schemeClr val="tx2"/>
-              </a:solidFill>
-            </a:endParaRPr>
           </a:p>
         </p:txBody>
       </p:sp>
@@ -15103,18 +14735,13 @@
               <a:buNone/>
             </a:pPr>
             <a:r>
-              <a:rPr lang="en-GB" b="1" dirty="0" smtClean="0">
+              <a:rPr lang="en-GB" b="1" dirty="0">
                 <a:solidFill>
                   <a:schemeClr val="tx2"/>
                 </a:solidFill>
               </a:rPr>
               <a:t>Wide format</a:t>
             </a:r>
-            <a:endParaRPr lang="en-GB" b="1" dirty="0">
-              <a:solidFill>
-                <a:schemeClr val="tx2"/>
-              </a:solidFill>
-            </a:endParaRPr>
           </a:p>
         </p:txBody>
       </p:sp>
@@ -15174,7 +14801,7 @@
               <a:buChar char="•"/>
             </a:pPr>
             <a:r>
-              <a:rPr lang="en-GB" dirty="0" smtClean="0">
+              <a:rPr lang="en-GB" dirty="0">
                 <a:solidFill>
                   <a:schemeClr val="tx1"/>
                 </a:solidFill>
@@ -15183,7 +14810,7 @@
               <a:t>Each column is </a:t>
             </a:r>
             <a:r>
-              <a:rPr lang="en-GB" dirty="0" smtClean="0">
+              <a:rPr lang="en-GB" dirty="0">
                 <a:solidFill>
                   <a:schemeClr val="tx2"/>
                 </a:solidFill>
@@ -15198,7 +14825,7 @@
               <a:buChar char="•"/>
             </a:pPr>
             <a:r>
-              <a:rPr lang="en-GB" dirty="0" smtClean="0">
+              <a:rPr lang="en-GB" dirty="0">
                 <a:solidFill>
                   <a:schemeClr val="tx1"/>
                 </a:solidFill>
@@ -15207,7 +14834,7 @@
               <a:t>Each row is </a:t>
             </a:r>
             <a:r>
-              <a:rPr lang="en-GB" dirty="0" smtClean="0">
+              <a:rPr lang="en-GB" dirty="0">
                 <a:solidFill>
                   <a:schemeClr val="tx2"/>
                 </a:solidFill>
@@ -15216,7 +14843,7 @@
               <a:t>one observation </a:t>
             </a:r>
             <a:r>
-              <a:rPr lang="en-GB" dirty="0" smtClean="0">
+              <a:rPr lang="en-GB" dirty="0">
                 <a:solidFill>
                   <a:schemeClr val="tx1"/>
                 </a:solidFill>
@@ -15231,7 +14858,7 @@
               <a:buChar char="•"/>
             </a:pPr>
             <a:r>
-              <a:rPr lang="en-GB" dirty="0" smtClean="0">
+              <a:rPr lang="en-GB" dirty="0">
                 <a:solidFill>
                   <a:schemeClr val="tx1"/>
                 </a:solidFill>
@@ -15246,18 +14873,18 @@
               <a:buChar char="•"/>
             </a:pPr>
             <a:r>
-              <a:rPr lang="en-GB" sz="1600" dirty="0" err="1" smtClean="0">
+              <a:rPr lang="en-GB" sz="1600" dirty="0" err="1">
                 <a:latin typeface="Lucida Console" panose="020B0609040504020204" pitchFamily="49" charset="0"/>
               </a:rPr>
               <a:t>pivot_longer</a:t>
             </a:r>
             <a:r>
-              <a:rPr lang="en-GB" sz="1600" dirty="0" smtClean="0">
+              <a:rPr lang="en-GB" sz="1600" dirty="0">
                 <a:latin typeface="Lucida Console" panose="020B0609040504020204" pitchFamily="49" charset="0"/>
               </a:rPr>
               <a:t>()</a:t>
             </a:r>
-            <a:endParaRPr lang="en-GB" sz="1600" dirty="0" smtClean="0">
+            <a:endParaRPr lang="en-GB" sz="1600" dirty="0">
               <a:solidFill>
                 <a:schemeClr val="tx1"/>
               </a:solidFill>
@@ -15289,7 +14916,7 @@
           <a:lstStyle/>
           <a:p>
             <a:r>
-              <a:rPr lang="en-GB" sz="2000" dirty="0" smtClean="0">
+              <a:rPr lang="en-GB" sz="2000" dirty="0">
                 <a:solidFill>
                   <a:schemeClr val="tx1"/>
                 </a:solidFill>
@@ -15322,7 +14949,7 @@
           <a:lstStyle/>
           <a:p>
             <a:r>
-              <a:rPr lang="en-GB" sz="2800" b="1" dirty="0" smtClean="0">
+              <a:rPr lang="en-GB" sz="2800" b="1" dirty="0">
                 <a:solidFill>
                   <a:schemeClr val="tx2"/>
                 </a:solidFill>
@@ -15332,20 +14959,12 @@
           </a:p>
           <a:p>
             <a:r>
-              <a:rPr lang="en-GB" sz="2800" b="1" dirty="0" smtClean="0">
+              <a:rPr lang="en-GB" sz="2800" b="1" dirty="0">
                 <a:solidFill>
                   <a:schemeClr val="tx2"/>
                 </a:solidFill>
               </a:rPr>
-              <a:t>Data for repeated measures ANOVA need </a:t>
-            </a:r>
-            <a:r>
-              <a:rPr lang="en-GB" sz="2800" b="1" dirty="0">
-                <a:solidFill>
-                  <a:schemeClr val="tx2"/>
-                </a:solidFill>
-              </a:rPr>
-              <a:t>to be in </a:t>
+              <a:t>Data for repeated measures ANOVA need to be in </a:t>
             </a:r>
             <a:r>
               <a:rPr lang="en-GB" sz="2800" b="1" u="sng" dirty="0">
@@ -15648,57 +15267,48 @@
                 </a:solidFill>
                 <a:latin typeface="+mj-lt"/>
               </a:rPr>
-              <a:t>Repeated measures </a:t>
-            </a:r>
-            <a:r>
-              <a:rPr lang="en-GB" sz="2400" b="1" dirty="0" smtClean="0">
+              <a:t>Repeated measures ANOVA in R</a:t>
+            </a:r>
+          </a:p>
+          <a:p>
+            <a:r>
+              <a:rPr lang="en-GB" sz="2400" b="1" dirty="0">
                 <a:solidFill>
                   <a:schemeClr val="tx2"/>
                 </a:solidFill>
                 <a:latin typeface="+mj-lt"/>
               </a:rPr>
-              <a:t>ANOVA in R</a:t>
-            </a:r>
-          </a:p>
-          <a:p>
-            <a:r>
-              <a:rPr lang="en-GB" sz="2400" b="1" dirty="0" smtClean="0">
+              <a:t> </a:t>
+            </a:r>
+            <a:r>
+              <a:rPr lang="en-GB" sz="2000" b="1" dirty="0" err="1">
                 <a:solidFill>
                   <a:schemeClr val="tx2"/>
                 </a:solidFill>
+                <a:latin typeface="Lucida Console" panose="020B0609040504020204" pitchFamily="49" charset="0"/>
+              </a:rPr>
+              <a:t>BayesFactor</a:t>
+            </a:r>
+            <a:r>
+              <a:rPr lang="en-GB" sz="2400" b="1" dirty="0">
+                <a:solidFill>
+                  <a:schemeClr val="tx2"/>
+                </a:solidFill>
                 <a:latin typeface="+mj-lt"/>
               </a:rPr>
-              <a:t> </a:t>
-            </a:r>
-            <a:r>
-              <a:rPr lang="en-GB" sz="2000" b="1" dirty="0" err="1" smtClean="0">
+              <a:t> package: </a:t>
+            </a:r>
+            <a:r>
+              <a:rPr lang="en-GB" sz="2000" b="1" dirty="0" err="1">
                 <a:solidFill>
                   <a:schemeClr val="tx2"/>
                 </a:solidFill>
                 <a:latin typeface="Lucida Console" panose="020B0609040504020204" pitchFamily="49" charset="0"/>
               </a:rPr>
-              <a:t>BayesFactor</a:t>
-            </a:r>
-            <a:r>
-              <a:rPr lang="en-GB" sz="2400" b="1" dirty="0" smtClean="0">
-                <a:solidFill>
-                  <a:schemeClr val="tx2"/>
-                </a:solidFill>
-                <a:latin typeface="+mj-lt"/>
-              </a:rPr>
-              <a:t> package: </a:t>
-            </a:r>
-            <a:r>
-              <a:rPr lang="en-GB" sz="2000" b="1" dirty="0" err="1" smtClean="0">
-                <a:solidFill>
-                  <a:schemeClr val="tx2"/>
-                </a:solidFill>
-                <a:latin typeface="Lucida Console" panose="020B0609040504020204" pitchFamily="49" charset="0"/>
-              </a:rPr>
               <a:t>anovaBF</a:t>
             </a:r>
             <a:r>
-              <a:rPr lang="en-GB" sz="2000" b="1" dirty="0" smtClean="0">
+              <a:rPr lang="en-GB" sz="2000" b="1" dirty="0">
                 <a:solidFill>
                   <a:schemeClr val="tx2"/>
                 </a:solidFill>
@@ -15740,19 +15350,19 @@
           <a:lstStyle/>
           <a:p>
             <a:r>
-              <a:rPr lang="en-GB" dirty="0" err="1" smtClean="0">
+              <a:rPr lang="en-GB" dirty="0" err="1">
                 <a:latin typeface="Lucida Console" panose="020B0609040504020204" pitchFamily="49" charset="0"/>
               </a:rPr>
               <a:t>anovaBF</a:t>
             </a:r>
             <a:r>
-              <a:rPr lang="en-GB" dirty="0" smtClean="0">
+              <a:rPr lang="en-GB" dirty="0">
                 <a:latin typeface="Lucida Console" panose="020B0609040504020204" pitchFamily="49" charset="0"/>
               </a:rPr>
               <a:t>(performance ~ </a:t>
             </a:r>
             <a:r>
-              <a:rPr lang="en-GB" dirty="0" err="1" smtClean="0">
+              <a:rPr lang="en-GB" dirty="0" err="1">
                 <a:solidFill>
                   <a:srgbClr val="006600"/>
                 </a:solidFill>
@@ -15761,13 +15371,13 @@
               <a:t>ppt</a:t>
             </a:r>
             <a:r>
-              <a:rPr lang="en-GB" dirty="0" smtClean="0">
+              <a:rPr lang="en-GB" dirty="0">
                 <a:latin typeface="Lucida Console" panose="020B0609040504020204" pitchFamily="49" charset="0"/>
               </a:rPr>
               <a:t> + </a:t>
             </a:r>
             <a:r>
-              <a:rPr lang="en-GB" dirty="0" smtClean="0">
+              <a:rPr lang="en-GB" dirty="0">
                 <a:solidFill>
                   <a:schemeClr val="accent6">
                     <a:lumMod val="50000"/>
@@ -15778,25 +15388,25 @@
               <a:t>time</a:t>
             </a:r>
             <a:r>
-              <a:rPr lang="en-GB" dirty="0" smtClean="0">
+              <a:rPr lang="en-GB" dirty="0">
                 <a:latin typeface="Lucida Console" panose="020B0609040504020204" pitchFamily="49" charset="0"/>
               </a:rPr>
               <a:t>, </a:t>
             </a:r>
             <a:r>
-              <a:rPr lang="en-GB" dirty="0" err="1" smtClean="0">
+              <a:rPr lang="en-GB" dirty="0" err="1">
                 <a:latin typeface="Lucida Console" panose="020B0609040504020204" pitchFamily="49" charset="0"/>
               </a:rPr>
               <a:t>whichRandom</a:t>
             </a:r>
             <a:r>
-              <a:rPr lang="en-GB" dirty="0" smtClean="0">
+              <a:rPr lang="en-GB" dirty="0">
                 <a:latin typeface="Lucida Console" panose="020B0609040504020204" pitchFamily="49" charset="0"/>
               </a:rPr>
               <a:t> = “</a:t>
             </a:r>
             <a:r>
-              <a:rPr lang="en-GB" dirty="0" err="1" smtClean="0">
+              <a:rPr lang="en-GB" dirty="0" err="1">
                 <a:solidFill>
                   <a:srgbClr val="006600"/>
                 </a:solidFill>
@@ -15805,14 +15415,11 @@
               <a:t>ppt</a:t>
             </a:r>
             <a:r>
-              <a:rPr lang="en-GB" dirty="0" smtClean="0">
+              <a:rPr lang="en-GB" dirty="0">
                 <a:latin typeface="Lucida Console" panose="020B0609040504020204" pitchFamily="49" charset="0"/>
               </a:rPr>
               <a:t>”)  </a:t>
             </a:r>
-            <a:endParaRPr lang="en-GB" dirty="0">
-              <a:latin typeface="Lucida Console" panose="020B0609040504020204" pitchFamily="49" charset="0"/>
-            </a:endParaRPr>
           </a:p>
         </p:txBody>
       </p:sp>
@@ -15843,11 +15450,11 @@
               <a:buChar char="•"/>
             </a:pPr>
             <a:r>
-              <a:rPr lang="en-GB" dirty="0" smtClean="0"/>
+              <a:rPr lang="en-GB" dirty="0"/>
               <a:t>You must first convert </a:t>
             </a:r>
             <a:r>
-              <a:rPr lang="en-GB" sz="1600" dirty="0" err="1" smtClean="0">
+              <a:rPr lang="en-GB" sz="1600" dirty="0" err="1">
                 <a:solidFill>
                   <a:srgbClr val="006600"/>
                 </a:solidFill>
@@ -15856,19 +15463,19 @@
               <a:t>ppt</a:t>
             </a:r>
             <a:r>
-              <a:rPr lang="en-GB" dirty="0" smtClean="0"/>
+              <a:rPr lang="en-GB" dirty="0"/>
               <a:t> </a:t>
             </a:r>
             <a:r>
-              <a:rPr lang="en-GB" u="sng" dirty="0" smtClean="0"/>
+              <a:rPr lang="en-GB" u="sng" dirty="0"/>
               <a:t>and</a:t>
             </a:r>
             <a:r>
-              <a:rPr lang="en-GB" dirty="0" smtClean="0"/>
+              <a:rPr lang="en-GB" dirty="0"/>
               <a:t> independent variable columns to </a:t>
             </a:r>
             <a:r>
-              <a:rPr lang="en-GB" sz="1600" b="1" dirty="0" smtClean="0">
+              <a:rPr lang="en-GB" sz="1600" b="1" dirty="0">
                 <a:solidFill>
                   <a:schemeClr val="tx2"/>
                 </a:solidFill>
@@ -15877,7 +15484,7 @@
               <a:t>factors</a:t>
             </a:r>
             <a:r>
-              <a:rPr lang="en-GB" dirty="0" smtClean="0"/>
+              <a:rPr lang="en-GB" dirty="0"/>
               <a:t>.</a:t>
             </a:r>
           </a:p>
@@ -15887,7 +15494,7 @@
               <a:buChar char="•"/>
             </a:pPr>
             <a:r>
-              <a:rPr lang="en-GB" dirty="0" smtClean="0"/>
+              <a:rPr lang="en-GB" dirty="0"/>
               <a:t>The column coding for the </a:t>
             </a:r>
             <a:r>
@@ -15900,7 +15507,7 @@
               <a:t>ppt</a:t>
             </a:r>
             <a:r>
-              <a:rPr lang="en-GB" dirty="0" smtClean="0"/>
+              <a:rPr lang="en-GB" dirty="0"/>
               <a:t> is entered to the model as another predictor, with the other predictors.</a:t>
             </a:r>
           </a:p>
@@ -15914,7 +15521,7 @@
               <a:t>You must also specify </a:t>
             </a:r>
             <a:r>
-              <a:rPr lang="en-GB" sz="1600" dirty="0" err="1" smtClean="0">
+              <a:rPr lang="en-GB" sz="1600" dirty="0" err="1">
                 <a:solidFill>
                   <a:srgbClr val="006600"/>
                 </a:solidFill>
@@ -15923,11 +15530,11 @@
               <a:t>ppt</a:t>
             </a:r>
             <a:r>
-              <a:rPr lang="en-GB" dirty="0" smtClean="0"/>
+              <a:rPr lang="en-GB" dirty="0"/>
               <a:t> as a </a:t>
             </a:r>
             <a:r>
-              <a:rPr lang="en-GB" dirty="0" smtClean="0">
+              <a:rPr lang="en-GB" dirty="0">
                 <a:solidFill>
                   <a:srgbClr val="006600"/>
                 </a:solidFill>
@@ -15935,14 +15542,14 @@
               <a:t>random factor </a:t>
             </a:r>
             <a:r>
-              <a:rPr lang="en-GB" dirty="0" smtClean="0"/>
+              <a:rPr lang="en-GB" dirty="0"/>
               <a:t>using  </a:t>
             </a:r>
             <a:br>
-              <a:rPr lang="en-GB" dirty="0" smtClean="0"/>
+              <a:rPr lang="en-GB" dirty="0"/>
             </a:br>
             <a:r>
-              <a:rPr lang="en-GB" sz="1600" dirty="0" err="1" smtClean="0">
+              <a:rPr lang="en-GB" sz="1600" dirty="0" err="1">
                 <a:solidFill>
                   <a:prstClr val="black"/>
                 </a:solidFill>
@@ -15951,22 +15558,13 @@
               <a:t>whichRandom</a:t>
             </a:r>
             <a:r>
-              <a:rPr lang="en-GB" sz="1600" dirty="0" smtClean="0">
+              <a:rPr lang="en-GB" sz="1600" dirty="0">
                 <a:solidFill>
                   <a:prstClr val="black"/>
                 </a:solidFill>
                 <a:latin typeface="Lucida Console" panose="020B0609040504020204" pitchFamily="49" charset="0"/>
               </a:rPr>
-              <a:t> </a:t>
-            </a:r>
-            <a:r>
-              <a:rPr lang="en-GB" sz="1600" dirty="0">
-                <a:solidFill>
-                  <a:prstClr val="black"/>
-                </a:solidFill>
-                <a:latin typeface="Lucida Console" panose="020B0609040504020204" pitchFamily="49" charset="0"/>
-              </a:rPr>
-              <a:t>= “</a:t>
+              <a:t> = “</a:t>
             </a:r>
             <a:r>
               <a:rPr lang="en-GB" sz="1600" dirty="0" err="1">
@@ -16138,7 +15736,7 @@
           <a:lstStyle/>
           <a:p>
             <a:r>
-              <a:rPr lang="en-GB" sz="1400" dirty="0" err="1" smtClean="0">
+              <a:rPr lang="en-GB" sz="1400" dirty="0" err="1">
                 <a:solidFill>
                   <a:srgbClr val="006600"/>
                 </a:solidFill>
@@ -16178,7 +15776,7 @@
           <a:lstStyle/>
           <a:p>
             <a:r>
-              <a:rPr lang="en-GB" sz="1400" dirty="0" smtClean="0">
+              <a:rPr lang="en-GB" sz="1400" dirty="0">
                 <a:solidFill>
                   <a:schemeClr val="accent6">
                     <a:lumMod val="50000"/>
@@ -16189,7 +15787,7 @@
               <a:t>time(IV</a:t>
             </a:r>
             <a:r>
-              <a:rPr lang="en-GB" sz="1400" dirty="0" smtClean="0">
+              <a:rPr lang="en-GB" sz="1400" dirty="0">
                 <a:latin typeface="Lucida Console" panose="020B0609040504020204" pitchFamily="49" charset="0"/>
               </a:rPr>
               <a:t>)</a:t>
@@ -16223,7 +15821,7 @@
           <a:lstStyle/>
           <a:p>
             <a:r>
-              <a:rPr lang="en-GB" sz="1400" dirty="0" smtClean="0">
+              <a:rPr lang="en-GB" sz="1400" dirty="0">
                 <a:latin typeface="Lucida Console" panose="020B0609040504020204" pitchFamily="49" charset="0"/>
               </a:rPr>
               <a:t>performance(DV)</a:t>
@@ -16853,7 +16451,7 @@
           <a:lstStyle/>
           <a:p>
             <a:r>
-              <a:rPr lang="en-GB" sz="2800" b="1" dirty="0" smtClean="0">
+              <a:rPr lang="en-GB" sz="2800" b="1" dirty="0">
                 <a:solidFill>
                   <a:schemeClr val="tx2"/>
                 </a:solidFill>
@@ -16861,12 +16459,6 @@
               </a:rPr>
               <a:t>Example: One-way repeated measures</a:t>
             </a:r>
-            <a:endParaRPr lang="en-GB" sz="2800" b="1" dirty="0">
-              <a:solidFill>
-                <a:schemeClr val="tx2"/>
-              </a:solidFill>
-              <a:latin typeface="+mj-lt"/>
-            </a:endParaRPr>
           </a:p>
         </p:txBody>
       </p:sp>
@@ -16896,7 +16488,7 @@
               <a:buNone/>
             </a:pPr>
             <a:r>
-              <a:rPr lang="en-GB" b="1" dirty="0" smtClean="0">
+              <a:rPr lang="en-GB" b="1" dirty="0">
                 <a:solidFill>
                   <a:schemeClr val="tx2"/>
                 </a:solidFill>
@@ -16909,13 +16501,13 @@
               <a:buNone/>
             </a:pPr>
             <a:r>
-              <a:rPr lang="en-GB" sz="2400" dirty="0" smtClean="0"/>
+              <a:rPr lang="en-GB" sz="2400" dirty="0"/>
               <a:t>Administered neuro-feedback training to N = 6 participants in a language learning task. A one-way repeated measures ANOVA was used to compare performance (proportion correct) at three time points:</a:t>
             </a:r>
           </a:p>
           <a:p>
             <a:r>
-              <a:rPr lang="en-GB" sz="2400" dirty="0" smtClean="0">
+              <a:rPr lang="en-GB" sz="2400" dirty="0">
                 <a:solidFill>
                   <a:schemeClr val="tx2">
                     <a:lumMod val="75000"/>
@@ -16927,7 +16519,7 @@
           </a:p>
           <a:p>
             <a:r>
-              <a:rPr lang="en-GB" sz="2400" dirty="0" smtClean="0">
+              <a:rPr lang="en-GB" sz="2400" dirty="0">
                 <a:solidFill>
                   <a:schemeClr val="tx2">
                     <a:lumMod val="75000"/>
@@ -16939,7 +16531,7 @@
           </a:p>
           <a:p>
             <a:r>
-              <a:rPr lang="en-GB" sz="2400" dirty="0" smtClean="0">
+              <a:rPr lang="en-GB" sz="2400" dirty="0">
                 <a:solidFill>
                   <a:schemeClr val="tx2">
                     <a:lumMod val="75000"/>
@@ -16950,7 +16542,7 @@
             </a:r>
           </a:p>
           <a:p>
-            <a:endParaRPr lang="en-GB" dirty="0" smtClean="0">
+            <a:endParaRPr lang="en-GB" dirty="0">
               <a:solidFill>
                 <a:schemeClr val="tx2">
                   <a:lumMod val="75000"/>
@@ -16962,7 +16554,7 @@
             <a:pPr marL="0" indent="0">
               <a:buNone/>
             </a:pPr>
-            <a:endParaRPr lang="en-GB" dirty="0" smtClean="0">
+            <a:endParaRPr lang="en-GB" dirty="0">
               <a:solidFill>
                 <a:schemeClr val="tx2">
                   <a:lumMod val="75000"/>

--- a/docs/slides/PSYC753_L6_ANOVA_2.pptx
+++ b/docs/slides/PSYC753_L6_ANOVA_2.pptx
@@ -161,6 +161,164 @@
 </p:presentation>
 </file>
 
+<file path=ppt/revisionInfo.xml><?xml version="1.0" encoding="utf-8"?>
+<p1510:revInfo xmlns:a="http://schemas.openxmlformats.org/drawingml/2006/main" xmlns:r="http://schemas.openxmlformats.org/officeDocument/2006/relationships" xmlns:p1510="http://schemas.microsoft.com/office/powerpoint/2015/10/main">
+  <p1510:revLst>
+    <p1510:client id="{64711971-431E-4F42-A22E-0387A671F4E0}" v="4" dt="2023-02-23T11:51:14.227"/>
+  </p1510:revLst>
+</p1510:revInfo>
+</file>
+
+<file path=ppt/changesInfos/changesInfo1.xml><?xml version="1.0" encoding="utf-8"?>
+<pc:chgInfo xmlns:a="http://schemas.openxmlformats.org/drawingml/2006/main" xmlns:r="http://schemas.openxmlformats.org/officeDocument/2006/relationships" xmlns:ac="http://schemas.microsoft.com/office/drawing/2013/main/command" xmlns:pc="http://schemas.microsoft.com/office/powerpoint/2013/main/command">
+  <pc:docChgLst>
+    <pc:chgData name="Christopher Berry" userId="468ae48a-5539-4b21-98ea-6081f4d86140" providerId="ADAL" clId="{64711971-431E-4F42-A22E-0387A671F4E0}"/>
+    <pc:docChg chg="modSld">
+      <pc:chgData name="Christopher Berry" userId="468ae48a-5539-4b21-98ea-6081f4d86140" providerId="ADAL" clId="{64711971-431E-4F42-A22E-0387A671F4E0}" dt="2023-02-23T11:51:14.227" v="3" actId="20577"/>
+      <pc:docMkLst>
+        <pc:docMk/>
+      </pc:docMkLst>
+      <pc:sldChg chg="modSp">
+        <pc:chgData name="Christopher Berry" userId="468ae48a-5539-4b21-98ea-6081f4d86140" providerId="ADAL" clId="{64711971-431E-4F42-A22E-0387A671F4E0}" dt="2023-02-23T11:51:14.227" v="3" actId="20577"/>
+        <pc:sldMkLst>
+          <pc:docMk/>
+          <pc:sldMk cId="1784639254" sldId="370"/>
+        </pc:sldMkLst>
+        <pc:spChg chg="mod">
+          <ac:chgData name="Christopher Berry" userId="468ae48a-5539-4b21-98ea-6081f4d86140" providerId="ADAL" clId="{64711971-431E-4F42-A22E-0387A671F4E0}" dt="2023-02-23T11:51:14.227" v="3" actId="20577"/>
+          <ac:spMkLst>
+            <pc:docMk/>
+            <pc:sldMk cId="1784639254" sldId="370"/>
+            <ac:spMk id="3" creationId="{00000000-0000-0000-0000-000000000000}"/>
+          </ac:spMkLst>
+        </pc:spChg>
+      </pc:sldChg>
+    </pc:docChg>
+  </pc:docChgLst>
+  <pc:docChgLst>
+    <pc:chgData name="Christopher Berry" userId="468ae48a-5539-4b21-98ea-6081f4d86140" providerId="ADAL" clId="{2C4854E9-6CC6-45E5-9A57-0A544BF0E1BE}"/>
+    <pc:docChg chg="custSel modSld">
+      <pc:chgData name="Christopher Berry" userId="468ae48a-5539-4b21-98ea-6081f4d86140" providerId="ADAL" clId="{2C4854E9-6CC6-45E5-9A57-0A544BF0E1BE}" dt="2023-02-23T11:58:54.750" v="31" actId="368"/>
+      <pc:docMkLst>
+        <pc:docMk/>
+      </pc:docMkLst>
+      <pc:sldChg chg="modNotes">
+        <pc:chgData name="Christopher Berry" userId="468ae48a-5539-4b21-98ea-6081f4d86140" providerId="ADAL" clId="{2C4854E9-6CC6-45E5-9A57-0A544BF0E1BE}" dt="2023-02-23T11:58:54.654" v="1" actId="368"/>
+        <pc:sldMkLst>
+          <pc:docMk/>
+          <pc:sldMk cId="1337738250" sldId="257"/>
+        </pc:sldMkLst>
+      </pc:sldChg>
+      <pc:sldChg chg="modNotes">
+        <pc:chgData name="Christopher Berry" userId="468ae48a-5539-4b21-98ea-6081f4d86140" providerId="ADAL" clId="{2C4854E9-6CC6-45E5-9A57-0A544BF0E1BE}" dt="2023-02-23T11:58:54.659" v="3" actId="368"/>
+        <pc:sldMkLst>
+          <pc:docMk/>
+          <pc:sldMk cId="2042449499" sldId="350"/>
+        </pc:sldMkLst>
+      </pc:sldChg>
+      <pc:sldChg chg="modNotes">
+        <pc:chgData name="Christopher Berry" userId="468ae48a-5539-4b21-98ea-6081f4d86140" providerId="ADAL" clId="{2C4854E9-6CC6-45E5-9A57-0A544BF0E1BE}" dt="2023-02-23T11:58:54.722" v="21" actId="368"/>
+        <pc:sldMkLst>
+          <pc:docMk/>
+          <pc:sldMk cId="1017607712" sldId="351"/>
+        </pc:sldMkLst>
+      </pc:sldChg>
+      <pc:sldChg chg="modNotes">
+        <pc:chgData name="Christopher Berry" userId="468ae48a-5539-4b21-98ea-6081f4d86140" providerId="ADAL" clId="{2C4854E9-6CC6-45E5-9A57-0A544BF0E1BE}" dt="2023-02-23T11:58:54.666" v="5" actId="368"/>
+        <pc:sldMkLst>
+          <pc:docMk/>
+          <pc:sldMk cId="417894733" sldId="352"/>
+        </pc:sldMkLst>
+      </pc:sldChg>
+      <pc:sldChg chg="modNotes">
+        <pc:chgData name="Christopher Berry" userId="468ae48a-5539-4b21-98ea-6081f4d86140" providerId="ADAL" clId="{2C4854E9-6CC6-45E5-9A57-0A544BF0E1BE}" dt="2023-02-23T11:58:54.676" v="7" actId="368"/>
+        <pc:sldMkLst>
+          <pc:docMk/>
+          <pc:sldMk cId="1463765342" sldId="357"/>
+        </pc:sldMkLst>
+      </pc:sldChg>
+      <pc:sldChg chg="modNotes">
+        <pc:chgData name="Christopher Berry" userId="468ae48a-5539-4b21-98ea-6081f4d86140" providerId="ADAL" clId="{2C4854E9-6CC6-45E5-9A57-0A544BF0E1BE}" dt="2023-02-23T11:58:54.694" v="11" actId="368"/>
+        <pc:sldMkLst>
+          <pc:docMk/>
+          <pc:sldMk cId="2727095065" sldId="359"/>
+        </pc:sldMkLst>
+      </pc:sldChg>
+      <pc:sldChg chg="modNotes">
+        <pc:chgData name="Christopher Berry" userId="468ae48a-5539-4b21-98ea-6081f4d86140" providerId="ADAL" clId="{2C4854E9-6CC6-45E5-9A57-0A544BF0E1BE}" dt="2023-02-23T11:58:54.701" v="13" actId="368"/>
+        <pc:sldMkLst>
+          <pc:docMk/>
+          <pc:sldMk cId="2165147353" sldId="360"/>
+        </pc:sldMkLst>
+      </pc:sldChg>
+      <pc:sldChg chg="modNotes">
+        <pc:chgData name="Christopher Berry" userId="468ae48a-5539-4b21-98ea-6081f4d86140" providerId="ADAL" clId="{2C4854E9-6CC6-45E5-9A57-0A544BF0E1BE}" dt="2023-02-23T11:58:54.711" v="17" actId="368"/>
+        <pc:sldMkLst>
+          <pc:docMk/>
+          <pc:sldMk cId="3041962058" sldId="361"/>
+        </pc:sldMkLst>
+      </pc:sldChg>
+      <pc:sldChg chg="modNotes">
+        <pc:chgData name="Christopher Berry" userId="468ae48a-5539-4b21-98ea-6081f4d86140" providerId="ADAL" clId="{2C4854E9-6CC6-45E5-9A57-0A544BF0E1BE}" dt="2023-02-23T11:58:54.728" v="23" actId="368"/>
+        <pc:sldMkLst>
+          <pc:docMk/>
+          <pc:sldMk cId="2194993823" sldId="363"/>
+        </pc:sldMkLst>
+      </pc:sldChg>
+      <pc:sldChg chg="modNotes">
+        <pc:chgData name="Christopher Berry" userId="468ae48a-5539-4b21-98ea-6081f4d86140" providerId="ADAL" clId="{2C4854E9-6CC6-45E5-9A57-0A544BF0E1BE}" dt="2023-02-23T11:58:54.683" v="9" actId="368"/>
+        <pc:sldMkLst>
+          <pc:docMk/>
+          <pc:sldMk cId="1256812043" sldId="366"/>
+        </pc:sldMkLst>
+      </pc:sldChg>
+      <pc:sldChg chg="modNotes">
+        <pc:chgData name="Christopher Berry" userId="468ae48a-5539-4b21-98ea-6081f4d86140" providerId="ADAL" clId="{2C4854E9-6CC6-45E5-9A57-0A544BF0E1BE}" dt="2023-02-23T11:58:54.705" v="15" actId="368"/>
+        <pc:sldMkLst>
+          <pc:docMk/>
+          <pc:sldMk cId="2031647966" sldId="367"/>
+        </pc:sldMkLst>
+      </pc:sldChg>
+      <pc:sldChg chg="modNotes">
+        <pc:chgData name="Christopher Berry" userId="468ae48a-5539-4b21-98ea-6081f4d86140" providerId="ADAL" clId="{2C4854E9-6CC6-45E5-9A57-0A544BF0E1BE}" dt="2023-02-23T11:58:54.716" v="19" actId="368"/>
+        <pc:sldMkLst>
+          <pc:docMk/>
+          <pc:sldMk cId="1842933510" sldId="368"/>
+        </pc:sldMkLst>
+      </pc:sldChg>
+      <pc:sldChg chg="modNotes">
+        <pc:chgData name="Christopher Berry" userId="468ae48a-5539-4b21-98ea-6081f4d86140" providerId="ADAL" clId="{2C4854E9-6CC6-45E5-9A57-0A544BF0E1BE}" dt="2023-02-23T11:58:54.735" v="25" actId="368"/>
+        <pc:sldMkLst>
+          <pc:docMk/>
+          <pc:sldMk cId="2646392203" sldId="369"/>
+        </pc:sldMkLst>
+      </pc:sldChg>
+      <pc:sldChg chg="modNotes">
+        <pc:chgData name="Christopher Berry" userId="468ae48a-5539-4b21-98ea-6081f4d86140" providerId="ADAL" clId="{2C4854E9-6CC6-45E5-9A57-0A544BF0E1BE}" dt="2023-02-23T11:58:54.750" v="31" actId="368"/>
+        <pc:sldMkLst>
+          <pc:docMk/>
+          <pc:sldMk cId="1784639254" sldId="370"/>
+        </pc:sldMkLst>
+      </pc:sldChg>
+      <pc:sldChg chg="modNotes">
+        <pc:chgData name="Christopher Berry" userId="468ae48a-5539-4b21-98ea-6081f4d86140" providerId="ADAL" clId="{2C4854E9-6CC6-45E5-9A57-0A544BF0E1BE}" dt="2023-02-23T11:58:54.740" v="27" actId="368"/>
+        <pc:sldMkLst>
+          <pc:docMk/>
+          <pc:sldMk cId="3046018546" sldId="371"/>
+        </pc:sldMkLst>
+      </pc:sldChg>
+      <pc:sldChg chg="modNotes">
+        <pc:chgData name="Christopher Berry" userId="468ae48a-5539-4b21-98ea-6081f4d86140" providerId="ADAL" clId="{2C4854E9-6CC6-45E5-9A57-0A544BF0E1BE}" dt="2023-02-23T11:58:54.745" v="29" actId="368"/>
+        <pc:sldMkLst>
+          <pc:docMk/>
+          <pc:sldMk cId="1507019426" sldId="372"/>
+        </pc:sldMkLst>
+      </pc:sldChg>
+    </pc:docChg>
+  </pc:docChgLst>
+</pc:chgInfo>
+</file>
+
 <file path=ppt/handoutMasters/handoutMaster1.xml><?xml version="1.0" encoding="utf-8"?>
 <p:handoutMaster xmlns:a="http://schemas.openxmlformats.org/drawingml/2006/main" xmlns:r="http://schemas.openxmlformats.org/officeDocument/2006/relationships" xmlns:p="http://schemas.openxmlformats.org/presentationml/2006/main">
   <p:cSld>
@@ -243,7 +401,7 @@
           <a:p>
             <a:fld id="{39F2F66B-899D-484E-9C99-E1DBE23F9DE9}" type="datetimeFigureOut">
               <a:rPr lang="en-GB" smtClean="0"/>
-              <a:t>21/12/2022</a:t>
+              <a:t>23/02/2023</a:t>
             </a:fld>
             <a:endParaRPr lang="en-GB"/>
           </a:p>
@@ -409,7 +567,7 @@
             <a:fld id="{2C09A945-60CF-41CC-BF14-DA645D9ABE0F}" type="datetimeFigureOut">
               <a:rPr lang="en-GB" smtClean="0"/>
               <a:pPr/>
-              <a:t>21/12/2022</a:t>
+              <a:t>23/02/2023</a:t>
             </a:fld>
             <a:endParaRPr lang="en-GB"/>
           </a:p>
@@ -783,6 +941,691 @@
 </p:notes>
 </file>
 
+<file path=ppt/notesSlides/notesSlide10.xml><?xml version="1.0" encoding="utf-8"?>
+<p:notes xmlns:a="http://schemas.openxmlformats.org/drawingml/2006/main" xmlns:r="http://schemas.openxmlformats.org/officeDocument/2006/relationships" xmlns:p="http://schemas.openxmlformats.org/presentationml/2006/main">
+  <p:cSld>
+    <p:spTree>
+      <p:nvGrpSpPr>
+        <p:cNvPr id="1" name=""/>
+        <p:cNvGrpSpPr/>
+        <p:nvPr/>
+      </p:nvGrpSpPr>
+      <p:grpSpPr>
+        <a:xfrm>
+          <a:off x="0" y="0"/>
+          <a:ext cx="0" cy="0"/>
+          <a:chOff x="0" y="0"/>
+          <a:chExt cx="0" cy="0"/>
+        </a:xfrm>
+      </p:grpSpPr>
+      <p:sp>
+        <p:nvSpPr>
+          <p:cNvPr id="2" name="Slide Image Placeholder 1"/>
+          <p:cNvSpPr>
+            <a:spLocks noGrp="1" noRot="1" noChangeAspect="1"/>
+          </p:cNvSpPr>
+          <p:nvPr>
+            <p:ph type="sldImg"/>
+          </p:nvPr>
+        </p:nvSpPr>
+        <p:spPr/>
+      </p:sp>
+      <p:sp>
+        <p:nvSpPr>
+          <p:cNvPr id="3" name="Notes Placeholder 2"/>
+          <p:cNvSpPr>
+            <a:spLocks noGrp="1"/>
+          </p:cNvSpPr>
+          <p:nvPr>
+            <p:ph type="body" idx="1"/>
+          </p:nvPr>
+        </p:nvSpPr>
+        <p:spPr/>
+        <p:txBody>
+          <a:bodyPr/>
+          <a:lstStyle/>
+          <a:p>
+            <a:endParaRPr lang="en-GB" dirty="0"/>
+          </a:p>
+        </p:txBody>
+      </p:sp>
+      <p:sp>
+        <p:nvSpPr>
+          <p:cNvPr id="4" name="Slide Number Placeholder 3"/>
+          <p:cNvSpPr>
+            <a:spLocks noGrp="1"/>
+          </p:cNvSpPr>
+          <p:nvPr>
+            <p:ph type="sldNum" sz="quarter" idx="10"/>
+          </p:nvPr>
+        </p:nvSpPr>
+        <p:spPr/>
+        <p:txBody>
+          <a:bodyPr/>
+          <a:lstStyle/>
+          <a:p>
+            <a:fld id="{46EF6F6D-23AC-402A-8000-0A495137CF31}" type="slidenum">
+              <a:rPr lang="en-GB" smtClean="0"/>
+              <a:pPr/>
+              <a:t>12</a:t>
+            </a:fld>
+            <a:endParaRPr lang="en-GB"/>
+          </a:p>
+        </p:txBody>
+      </p:sp>
+    </p:spTree>
+    <p:extLst>
+      <p:ext uri="{BB962C8B-B14F-4D97-AF65-F5344CB8AC3E}">
+        <p14:creationId xmlns:p14="http://schemas.microsoft.com/office/powerpoint/2010/main" val="3068111310"/>
+      </p:ext>
+    </p:extLst>
+  </p:cSld>
+  <p:clrMapOvr>
+    <a:masterClrMapping/>
+  </p:clrMapOvr>
+</p:notes>
+</file>
+
+<file path=ppt/notesSlides/notesSlide11.xml><?xml version="1.0" encoding="utf-8"?>
+<p:notes xmlns:a="http://schemas.openxmlformats.org/drawingml/2006/main" xmlns:r="http://schemas.openxmlformats.org/officeDocument/2006/relationships" xmlns:p="http://schemas.openxmlformats.org/presentationml/2006/main">
+  <p:cSld>
+    <p:spTree>
+      <p:nvGrpSpPr>
+        <p:cNvPr id="1" name=""/>
+        <p:cNvGrpSpPr/>
+        <p:nvPr/>
+      </p:nvGrpSpPr>
+      <p:grpSpPr>
+        <a:xfrm>
+          <a:off x="0" y="0"/>
+          <a:ext cx="0" cy="0"/>
+          <a:chOff x="0" y="0"/>
+          <a:chExt cx="0" cy="0"/>
+        </a:xfrm>
+      </p:grpSpPr>
+      <p:sp>
+        <p:nvSpPr>
+          <p:cNvPr id="2" name="Slide Image Placeholder 1"/>
+          <p:cNvSpPr>
+            <a:spLocks noGrp="1" noRot="1" noChangeAspect="1"/>
+          </p:cNvSpPr>
+          <p:nvPr>
+            <p:ph type="sldImg"/>
+          </p:nvPr>
+        </p:nvSpPr>
+        <p:spPr/>
+      </p:sp>
+      <p:sp>
+        <p:nvSpPr>
+          <p:cNvPr id="3" name="Notes Placeholder 2"/>
+          <p:cNvSpPr>
+            <a:spLocks noGrp="1"/>
+          </p:cNvSpPr>
+          <p:nvPr>
+            <p:ph type="body" idx="1"/>
+          </p:nvPr>
+        </p:nvSpPr>
+        <p:spPr/>
+        <p:txBody>
+          <a:bodyPr/>
+          <a:lstStyle/>
+          <a:p>
+            <a:endParaRPr lang="en-GB" dirty="0"/>
+          </a:p>
+        </p:txBody>
+      </p:sp>
+      <p:sp>
+        <p:nvSpPr>
+          <p:cNvPr id="4" name="Slide Number Placeholder 3"/>
+          <p:cNvSpPr>
+            <a:spLocks noGrp="1"/>
+          </p:cNvSpPr>
+          <p:nvPr>
+            <p:ph type="sldNum" sz="quarter" idx="10"/>
+          </p:nvPr>
+        </p:nvSpPr>
+        <p:spPr/>
+        <p:txBody>
+          <a:bodyPr/>
+          <a:lstStyle/>
+          <a:p>
+            <a:fld id="{46EF6F6D-23AC-402A-8000-0A495137CF31}" type="slidenum">
+              <a:rPr lang="en-GB" smtClean="0"/>
+              <a:pPr/>
+              <a:t>13</a:t>
+            </a:fld>
+            <a:endParaRPr lang="en-GB"/>
+          </a:p>
+        </p:txBody>
+      </p:sp>
+    </p:spTree>
+    <p:extLst>
+      <p:ext uri="{BB962C8B-B14F-4D97-AF65-F5344CB8AC3E}">
+        <p14:creationId xmlns:p14="http://schemas.microsoft.com/office/powerpoint/2010/main" val="1219296214"/>
+      </p:ext>
+    </p:extLst>
+  </p:cSld>
+  <p:clrMapOvr>
+    <a:masterClrMapping/>
+  </p:clrMapOvr>
+</p:notes>
+</file>
+
+<file path=ppt/notesSlides/notesSlide12.xml><?xml version="1.0" encoding="utf-8"?>
+<p:notes xmlns:a="http://schemas.openxmlformats.org/drawingml/2006/main" xmlns:r="http://schemas.openxmlformats.org/officeDocument/2006/relationships" xmlns:p="http://schemas.openxmlformats.org/presentationml/2006/main">
+  <p:cSld>
+    <p:spTree>
+      <p:nvGrpSpPr>
+        <p:cNvPr id="1" name=""/>
+        <p:cNvGrpSpPr/>
+        <p:nvPr/>
+      </p:nvGrpSpPr>
+      <p:grpSpPr>
+        <a:xfrm>
+          <a:off x="0" y="0"/>
+          <a:ext cx="0" cy="0"/>
+          <a:chOff x="0" y="0"/>
+          <a:chExt cx="0" cy="0"/>
+        </a:xfrm>
+      </p:grpSpPr>
+      <p:sp>
+        <p:nvSpPr>
+          <p:cNvPr id="2" name="Slide Image Placeholder 1"/>
+          <p:cNvSpPr>
+            <a:spLocks noGrp="1" noRot="1" noChangeAspect="1"/>
+          </p:cNvSpPr>
+          <p:nvPr>
+            <p:ph type="sldImg"/>
+          </p:nvPr>
+        </p:nvSpPr>
+        <p:spPr/>
+      </p:sp>
+      <p:sp>
+        <p:nvSpPr>
+          <p:cNvPr id="3" name="Notes Placeholder 2"/>
+          <p:cNvSpPr>
+            <a:spLocks noGrp="1"/>
+          </p:cNvSpPr>
+          <p:nvPr>
+            <p:ph type="body" idx="1"/>
+          </p:nvPr>
+        </p:nvSpPr>
+        <p:spPr/>
+        <p:txBody>
+          <a:bodyPr/>
+          <a:lstStyle/>
+          <a:p>
+            <a:endParaRPr lang="en-GB" dirty="0"/>
+          </a:p>
+        </p:txBody>
+      </p:sp>
+      <p:sp>
+        <p:nvSpPr>
+          <p:cNvPr id="4" name="Slide Number Placeholder 3"/>
+          <p:cNvSpPr>
+            <a:spLocks noGrp="1"/>
+          </p:cNvSpPr>
+          <p:nvPr>
+            <p:ph type="sldNum" sz="quarter" idx="10"/>
+          </p:nvPr>
+        </p:nvSpPr>
+        <p:spPr/>
+        <p:txBody>
+          <a:bodyPr/>
+          <a:lstStyle/>
+          <a:p>
+            <a:fld id="{46EF6F6D-23AC-402A-8000-0A495137CF31}" type="slidenum">
+              <a:rPr lang="en-GB" smtClean="0"/>
+              <a:pPr/>
+              <a:t>14</a:t>
+            </a:fld>
+            <a:endParaRPr lang="en-GB"/>
+          </a:p>
+        </p:txBody>
+      </p:sp>
+    </p:spTree>
+    <p:extLst>
+      <p:ext uri="{BB962C8B-B14F-4D97-AF65-F5344CB8AC3E}">
+        <p14:creationId xmlns:p14="http://schemas.microsoft.com/office/powerpoint/2010/main" val="2354550111"/>
+      </p:ext>
+    </p:extLst>
+  </p:cSld>
+  <p:clrMapOvr>
+    <a:masterClrMapping/>
+  </p:clrMapOvr>
+</p:notes>
+</file>
+
+<file path=ppt/notesSlides/notesSlide13.xml><?xml version="1.0" encoding="utf-8"?>
+<p:notes xmlns:a="http://schemas.openxmlformats.org/drawingml/2006/main" xmlns:r="http://schemas.openxmlformats.org/officeDocument/2006/relationships" xmlns:p="http://schemas.openxmlformats.org/presentationml/2006/main">
+  <p:cSld>
+    <p:spTree>
+      <p:nvGrpSpPr>
+        <p:cNvPr id="1" name=""/>
+        <p:cNvGrpSpPr/>
+        <p:nvPr/>
+      </p:nvGrpSpPr>
+      <p:grpSpPr>
+        <a:xfrm>
+          <a:off x="0" y="0"/>
+          <a:ext cx="0" cy="0"/>
+          <a:chOff x="0" y="0"/>
+          <a:chExt cx="0" cy="0"/>
+        </a:xfrm>
+      </p:grpSpPr>
+      <p:sp>
+        <p:nvSpPr>
+          <p:cNvPr id="2" name="Slide Image Placeholder 1"/>
+          <p:cNvSpPr>
+            <a:spLocks noGrp="1" noRot="1" noChangeAspect="1"/>
+          </p:cNvSpPr>
+          <p:nvPr>
+            <p:ph type="sldImg"/>
+          </p:nvPr>
+        </p:nvSpPr>
+        <p:spPr/>
+      </p:sp>
+      <p:sp>
+        <p:nvSpPr>
+          <p:cNvPr id="3" name="Notes Placeholder 2"/>
+          <p:cNvSpPr>
+            <a:spLocks noGrp="1"/>
+          </p:cNvSpPr>
+          <p:nvPr>
+            <p:ph type="body" idx="1"/>
+          </p:nvPr>
+        </p:nvSpPr>
+        <p:spPr/>
+        <p:txBody>
+          <a:bodyPr/>
+          <a:lstStyle/>
+          <a:p>
+            <a:endParaRPr lang="en-GB" dirty="0"/>
+          </a:p>
+        </p:txBody>
+      </p:sp>
+      <p:sp>
+        <p:nvSpPr>
+          <p:cNvPr id="4" name="Slide Number Placeholder 3"/>
+          <p:cNvSpPr>
+            <a:spLocks noGrp="1"/>
+          </p:cNvSpPr>
+          <p:nvPr>
+            <p:ph type="sldNum" sz="quarter" idx="10"/>
+          </p:nvPr>
+        </p:nvSpPr>
+        <p:spPr/>
+        <p:txBody>
+          <a:bodyPr/>
+          <a:lstStyle/>
+          <a:p>
+            <a:fld id="{46EF6F6D-23AC-402A-8000-0A495137CF31}" type="slidenum">
+              <a:rPr lang="en-GB" smtClean="0"/>
+              <a:pPr/>
+              <a:t>15</a:t>
+            </a:fld>
+            <a:endParaRPr lang="en-GB"/>
+          </a:p>
+        </p:txBody>
+      </p:sp>
+    </p:spTree>
+    <p:extLst>
+      <p:ext uri="{BB962C8B-B14F-4D97-AF65-F5344CB8AC3E}">
+        <p14:creationId xmlns:p14="http://schemas.microsoft.com/office/powerpoint/2010/main" val="339751218"/>
+      </p:ext>
+    </p:extLst>
+  </p:cSld>
+  <p:clrMapOvr>
+    <a:masterClrMapping/>
+  </p:clrMapOvr>
+</p:notes>
+</file>
+
+<file path=ppt/notesSlides/notesSlide14.xml><?xml version="1.0" encoding="utf-8"?>
+<p:notes xmlns:a="http://schemas.openxmlformats.org/drawingml/2006/main" xmlns:r="http://schemas.openxmlformats.org/officeDocument/2006/relationships" xmlns:p="http://schemas.openxmlformats.org/presentationml/2006/main">
+  <p:cSld>
+    <p:spTree>
+      <p:nvGrpSpPr>
+        <p:cNvPr id="1" name=""/>
+        <p:cNvGrpSpPr/>
+        <p:nvPr/>
+      </p:nvGrpSpPr>
+      <p:grpSpPr>
+        <a:xfrm>
+          <a:off x="0" y="0"/>
+          <a:ext cx="0" cy="0"/>
+          <a:chOff x="0" y="0"/>
+          <a:chExt cx="0" cy="0"/>
+        </a:xfrm>
+      </p:grpSpPr>
+      <p:sp>
+        <p:nvSpPr>
+          <p:cNvPr id="2" name="Slide Image Placeholder 1"/>
+          <p:cNvSpPr>
+            <a:spLocks noGrp="1" noRot="1" noChangeAspect="1"/>
+          </p:cNvSpPr>
+          <p:nvPr>
+            <p:ph type="sldImg"/>
+          </p:nvPr>
+        </p:nvSpPr>
+        <p:spPr/>
+      </p:sp>
+      <p:sp>
+        <p:nvSpPr>
+          <p:cNvPr id="3" name="Notes Placeholder 2"/>
+          <p:cNvSpPr>
+            <a:spLocks noGrp="1"/>
+          </p:cNvSpPr>
+          <p:nvPr>
+            <p:ph type="body" idx="1"/>
+          </p:nvPr>
+        </p:nvSpPr>
+        <p:spPr/>
+        <p:txBody>
+          <a:bodyPr/>
+          <a:lstStyle/>
+          <a:p>
+            <a:pPr lvl="0"/>
+            <a:endParaRPr lang="en-GB" dirty="0"/>
+          </a:p>
+        </p:txBody>
+      </p:sp>
+      <p:sp>
+        <p:nvSpPr>
+          <p:cNvPr id="4" name="Slide Number Placeholder 3"/>
+          <p:cNvSpPr>
+            <a:spLocks noGrp="1"/>
+          </p:cNvSpPr>
+          <p:nvPr>
+            <p:ph type="sldNum" sz="quarter" idx="10"/>
+          </p:nvPr>
+        </p:nvSpPr>
+        <p:spPr/>
+        <p:txBody>
+          <a:bodyPr/>
+          <a:lstStyle/>
+          <a:p>
+            <a:fld id="{46EF6F6D-23AC-402A-8000-0A495137CF31}" type="slidenum">
+              <a:rPr lang="en-GB" smtClean="0"/>
+              <a:pPr/>
+              <a:t>16</a:t>
+            </a:fld>
+            <a:endParaRPr lang="en-GB"/>
+          </a:p>
+        </p:txBody>
+      </p:sp>
+    </p:spTree>
+    <p:extLst>
+      <p:ext uri="{BB962C8B-B14F-4D97-AF65-F5344CB8AC3E}">
+        <p14:creationId xmlns:p14="http://schemas.microsoft.com/office/powerpoint/2010/main" val="3396622216"/>
+      </p:ext>
+    </p:extLst>
+  </p:cSld>
+  <p:clrMapOvr>
+    <a:masterClrMapping/>
+  </p:clrMapOvr>
+</p:notes>
+</file>
+
+<file path=ppt/notesSlides/notesSlide15.xml><?xml version="1.0" encoding="utf-8"?>
+<p:notes xmlns:a="http://schemas.openxmlformats.org/drawingml/2006/main" xmlns:r="http://schemas.openxmlformats.org/officeDocument/2006/relationships" xmlns:p="http://schemas.openxmlformats.org/presentationml/2006/main">
+  <p:cSld>
+    <p:spTree>
+      <p:nvGrpSpPr>
+        <p:cNvPr id="1" name=""/>
+        <p:cNvGrpSpPr/>
+        <p:nvPr/>
+      </p:nvGrpSpPr>
+      <p:grpSpPr>
+        <a:xfrm>
+          <a:off x="0" y="0"/>
+          <a:ext cx="0" cy="0"/>
+          <a:chOff x="0" y="0"/>
+          <a:chExt cx="0" cy="0"/>
+        </a:xfrm>
+      </p:grpSpPr>
+      <p:sp>
+        <p:nvSpPr>
+          <p:cNvPr id="2" name="Slide Image Placeholder 1"/>
+          <p:cNvSpPr>
+            <a:spLocks noGrp="1" noRot="1" noChangeAspect="1"/>
+          </p:cNvSpPr>
+          <p:nvPr>
+            <p:ph type="sldImg"/>
+          </p:nvPr>
+        </p:nvSpPr>
+        <p:spPr/>
+      </p:sp>
+      <p:sp>
+        <p:nvSpPr>
+          <p:cNvPr id="3" name="Notes Placeholder 2"/>
+          <p:cNvSpPr>
+            <a:spLocks noGrp="1"/>
+          </p:cNvSpPr>
+          <p:nvPr>
+            <p:ph type="body" idx="1"/>
+          </p:nvPr>
+        </p:nvSpPr>
+        <p:spPr/>
+        <p:txBody>
+          <a:bodyPr/>
+          <a:lstStyle/>
+          <a:p>
+            <a:endParaRPr lang="en-GB" dirty="0"/>
+          </a:p>
+        </p:txBody>
+      </p:sp>
+      <p:sp>
+        <p:nvSpPr>
+          <p:cNvPr id="4" name="Slide Number Placeholder 3"/>
+          <p:cNvSpPr>
+            <a:spLocks noGrp="1"/>
+          </p:cNvSpPr>
+          <p:nvPr>
+            <p:ph type="sldNum" sz="quarter" idx="10"/>
+          </p:nvPr>
+        </p:nvSpPr>
+        <p:spPr/>
+        <p:txBody>
+          <a:bodyPr/>
+          <a:lstStyle/>
+          <a:p>
+            <a:fld id="{46EF6F6D-23AC-402A-8000-0A495137CF31}" type="slidenum">
+              <a:rPr lang="en-GB" smtClean="0"/>
+              <a:pPr/>
+              <a:t>17</a:t>
+            </a:fld>
+            <a:endParaRPr lang="en-GB"/>
+          </a:p>
+        </p:txBody>
+      </p:sp>
+    </p:spTree>
+    <p:extLst>
+      <p:ext uri="{BB962C8B-B14F-4D97-AF65-F5344CB8AC3E}">
+        <p14:creationId xmlns:p14="http://schemas.microsoft.com/office/powerpoint/2010/main" val="3411331452"/>
+      </p:ext>
+    </p:extLst>
+  </p:cSld>
+  <p:clrMapOvr>
+    <a:masterClrMapping/>
+  </p:clrMapOvr>
+</p:notes>
+</file>
+
+<file path=ppt/notesSlides/notesSlide16.xml><?xml version="1.0" encoding="utf-8"?>
+<p:notes xmlns:a="http://schemas.openxmlformats.org/drawingml/2006/main" xmlns:r="http://schemas.openxmlformats.org/officeDocument/2006/relationships" xmlns:p="http://schemas.openxmlformats.org/presentationml/2006/main">
+  <p:cSld>
+    <p:spTree>
+      <p:nvGrpSpPr>
+        <p:cNvPr id="1" name=""/>
+        <p:cNvGrpSpPr/>
+        <p:nvPr/>
+      </p:nvGrpSpPr>
+      <p:grpSpPr>
+        <a:xfrm>
+          <a:off x="0" y="0"/>
+          <a:ext cx="0" cy="0"/>
+          <a:chOff x="0" y="0"/>
+          <a:chExt cx="0" cy="0"/>
+        </a:xfrm>
+      </p:grpSpPr>
+      <p:sp>
+        <p:nvSpPr>
+          <p:cNvPr id="2" name="Slide Image Placeholder 1"/>
+          <p:cNvSpPr>
+            <a:spLocks noGrp="1" noRot="1" noChangeAspect="1"/>
+          </p:cNvSpPr>
+          <p:nvPr>
+            <p:ph type="sldImg"/>
+          </p:nvPr>
+        </p:nvSpPr>
+        <p:spPr/>
+      </p:sp>
+      <p:sp>
+        <p:nvSpPr>
+          <p:cNvPr id="3" name="Notes Placeholder 2"/>
+          <p:cNvSpPr>
+            <a:spLocks noGrp="1"/>
+          </p:cNvSpPr>
+          <p:nvPr>
+            <p:ph type="body" idx="1"/>
+          </p:nvPr>
+        </p:nvSpPr>
+        <p:spPr/>
+        <p:txBody>
+          <a:bodyPr/>
+          <a:lstStyle/>
+          <a:p>
+            <a:endParaRPr lang="en-GB" dirty="0"/>
+          </a:p>
+        </p:txBody>
+      </p:sp>
+      <p:sp>
+        <p:nvSpPr>
+          <p:cNvPr id="4" name="Slide Number Placeholder 3"/>
+          <p:cNvSpPr>
+            <a:spLocks noGrp="1"/>
+          </p:cNvSpPr>
+          <p:nvPr>
+            <p:ph type="sldNum" sz="quarter" idx="10"/>
+          </p:nvPr>
+        </p:nvSpPr>
+        <p:spPr/>
+        <p:txBody>
+          <a:bodyPr/>
+          <a:lstStyle/>
+          <a:p>
+            <a:fld id="{46EF6F6D-23AC-402A-8000-0A495137CF31}" type="slidenum">
+              <a:rPr lang="en-GB" smtClean="0"/>
+              <a:pPr/>
+              <a:t>18</a:t>
+            </a:fld>
+            <a:endParaRPr lang="en-GB"/>
+          </a:p>
+        </p:txBody>
+      </p:sp>
+    </p:spTree>
+    <p:extLst>
+      <p:ext uri="{BB962C8B-B14F-4D97-AF65-F5344CB8AC3E}">
+        <p14:creationId xmlns:p14="http://schemas.microsoft.com/office/powerpoint/2010/main" val="3491727575"/>
+      </p:ext>
+    </p:extLst>
+  </p:cSld>
+  <p:clrMapOvr>
+    <a:masterClrMapping/>
+  </p:clrMapOvr>
+</p:notes>
+</file>
+
+<file path=ppt/notesSlides/notesSlide17.xml><?xml version="1.0" encoding="utf-8"?>
+<p:notes xmlns:a="http://schemas.openxmlformats.org/drawingml/2006/main" xmlns:r="http://schemas.openxmlformats.org/officeDocument/2006/relationships" xmlns:p="http://schemas.openxmlformats.org/presentationml/2006/main">
+  <p:cSld>
+    <p:spTree>
+      <p:nvGrpSpPr>
+        <p:cNvPr id="1" name=""/>
+        <p:cNvGrpSpPr/>
+        <p:nvPr/>
+      </p:nvGrpSpPr>
+      <p:grpSpPr>
+        <a:xfrm>
+          <a:off x="0" y="0"/>
+          <a:ext cx="0" cy="0"/>
+          <a:chOff x="0" y="0"/>
+          <a:chExt cx="0" cy="0"/>
+        </a:xfrm>
+      </p:grpSpPr>
+      <p:sp>
+        <p:nvSpPr>
+          <p:cNvPr id="2" name="Slide Image Placeholder 1"/>
+          <p:cNvSpPr>
+            <a:spLocks noGrp="1" noRot="1" noChangeAspect="1"/>
+          </p:cNvSpPr>
+          <p:nvPr>
+            <p:ph type="sldImg"/>
+          </p:nvPr>
+        </p:nvSpPr>
+        <p:spPr>
+          <a:xfrm>
+            <a:off x="114300" y="746125"/>
+            <a:ext cx="6629400" cy="3729038"/>
+          </a:xfrm>
+        </p:spPr>
+      </p:sp>
+      <p:sp>
+        <p:nvSpPr>
+          <p:cNvPr id="3" name="Notes Placeholder 2"/>
+          <p:cNvSpPr>
+            <a:spLocks noGrp="1"/>
+          </p:cNvSpPr>
+          <p:nvPr>
+            <p:ph type="body" idx="1"/>
+          </p:nvPr>
+        </p:nvSpPr>
+        <p:spPr/>
+        <p:txBody>
+          <a:bodyPr/>
+          <a:lstStyle/>
+          <a:p>
+            <a:endParaRPr lang="en-GB" dirty="0"/>
+          </a:p>
+        </p:txBody>
+      </p:sp>
+      <p:sp>
+        <p:nvSpPr>
+          <p:cNvPr id="4" name="Slide Number Placeholder 3"/>
+          <p:cNvSpPr>
+            <a:spLocks noGrp="1"/>
+          </p:cNvSpPr>
+          <p:nvPr>
+            <p:ph type="sldNum" sz="quarter" idx="10"/>
+          </p:nvPr>
+        </p:nvSpPr>
+        <p:spPr/>
+        <p:txBody>
+          <a:bodyPr/>
+          <a:lstStyle/>
+          <a:p>
+            <a:fld id="{46EF6F6D-23AC-402A-8000-0A495137CF31}" type="slidenum">
+              <a:rPr lang="en-GB" smtClean="0"/>
+              <a:t>19</a:t>
+            </a:fld>
+            <a:endParaRPr lang="en-GB" dirty="0"/>
+          </a:p>
+        </p:txBody>
+      </p:sp>
+    </p:spTree>
+    <p:extLst>
+      <p:ext uri="{BB962C8B-B14F-4D97-AF65-F5344CB8AC3E}">
+        <p14:creationId xmlns:p14="http://schemas.microsoft.com/office/powerpoint/2010/main" val="1331429025"/>
+      </p:ext>
+    </p:extLst>
+  </p:cSld>
+  <p:clrMapOvr>
+    <a:masterClrMapping/>
+  </p:clrMapOvr>
+</p:notes>
+</file>
+
 <file path=ppt/notesSlides/notesSlide2.xml><?xml version="1.0" encoding="utf-8"?>
 <p:notes xmlns:a="http://schemas.openxmlformats.org/drawingml/2006/main" xmlns:r="http://schemas.openxmlformats.org/officeDocument/2006/relationships" xmlns:p="http://schemas.openxmlformats.org/presentationml/2006/main">
   <p:cSld>
@@ -827,7 +1670,6 @@
           <a:bodyPr/>
           <a:lstStyle/>
           <a:p>
-            <a:pPr marL="457200" lvl="1" indent="-282575"/>
             <a:endParaRPr lang="en-GB" dirty="0"/>
           </a:p>
         </p:txBody>
@@ -850,7 +1692,7 @@
             <a:fld id="{46EF6F6D-23AC-402A-8000-0A495137CF31}" type="slidenum">
               <a:rPr lang="en-GB" smtClean="0"/>
               <a:pPr/>
-              <a:t>4</a:t>
+              <a:t>2</a:t>
             </a:fld>
             <a:endParaRPr lang="en-GB"/>
           </a:p>
@@ -859,7 +1701,7 @@
     </p:spTree>
     <p:extLst>
       <p:ext uri="{BB962C8B-B14F-4D97-AF65-F5344CB8AC3E}">
-        <p14:creationId xmlns:p14="http://schemas.microsoft.com/office/powerpoint/2010/main" val="1314713806"/>
+        <p14:creationId xmlns:p14="http://schemas.microsoft.com/office/powerpoint/2010/main" val="98800736"/>
       </p:ext>
     </p:extLst>
   </p:cSld>
@@ -913,6 +1755,7 @@
           <a:bodyPr/>
           <a:lstStyle/>
           <a:p>
+            <a:pPr marL="457200" lvl="1" indent="-282575"/>
             <a:endParaRPr lang="en-GB" dirty="0"/>
           </a:p>
         </p:txBody>
@@ -935,7 +1778,7 @@
             <a:fld id="{46EF6F6D-23AC-402A-8000-0A495137CF31}" type="slidenum">
               <a:rPr lang="en-GB" smtClean="0"/>
               <a:pPr/>
-              <a:t>5</a:t>
+              <a:t>4</a:t>
             </a:fld>
             <a:endParaRPr lang="en-GB"/>
           </a:p>
@@ -944,7 +1787,7 @@
     </p:spTree>
     <p:extLst>
       <p:ext uri="{BB962C8B-B14F-4D97-AF65-F5344CB8AC3E}">
-        <p14:creationId xmlns:p14="http://schemas.microsoft.com/office/powerpoint/2010/main" val="3059835083"/>
+        <p14:creationId xmlns:p14="http://schemas.microsoft.com/office/powerpoint/2010/main" val="1314713806"/>
       </p:ext>
     </p:extLst>
   </p:cSld>
@@ -1020,7 +1863,7 @@
             <a:fld id="{46EF6F6D-23AC-402A-8000-0A495137CF31}" type="slidenum">
               <a:rPr lang="en-GB" smtClean="0"/>
               <a:pPr/>
-              <a:t>7</a:t>
+              <a:t>5</a:t>
             </a:fld>
             <a:endParaRPr lang="en-GB"/>
           </a:p>
@@ -1029,7 +1872,7 @@
     </p:spTree>
     <p:extLst>
       <p:ext uri="{BB962C8B-B14F-4D97-AF65-F5344CB8AC3E}">
-        <p14:creationId xmlns:p14="http://schemas.microsoft.com/office/powerpoint/2010/main" val="3599788456"/>
+        <p14:creationId xmlns:p14="http://schemas.microsoft.com/office/powerpoint/2010/main" val="3059835083"/>
       </p:ext>
     </p:extLst>
   </p:cSld>
@@ -1105,7 +1948,7 @@
             <a:fld id="{46EF6F6D-23AC-402A-8000-0A495137CF31}" type="slidenum">
               <a:rPr lang="en-GB" smtClean="0"/>
               <a:pPr/>
-              <a:t>13</a:t>
+              <a:t>6</a:t>
             </a:fld>
             <a:endParaRPr lang="en-GB"/>
           </a:p>
@@ -1114,7 +1957,7 @@
     </p:spTree>
     <p:extLst>
       <p:ext uri="{BB962C8B-B14F-4D97-AF65-F5344CB8AC3E}">
-        <p14:creationId xmlns:p14="http://schemas.microsoft.com/office/powerpoint/2010/main" val="1219296214"/>
+        <p14:creationId xmlns:p14="http://schemas.microsoft.com/office/powerpoint/2010/main" val="972430923"/>
       </p:ext>
     </p:extLst>
   </p:cSld>
@@ -1190,7 +2033,7 @@
             <a:fld id="{46EF6F6D-23AC-402A-8000-0A495137CF31}" type="slidenum">
               <a:rPr lang="en-GB" smtClean="0"/>
               <a:pPr/>
-              <a:t>15</a:t>
+              <a:t>7</a:t>
             </a:fld>
             <a:endParaRPr lang="en-GB"/>
           </a:p>
@@ -1199,7 +2042,7 @@
     </p:spTree>
     <p:extLst>
       <p:ext uri="{BB962C8B-B14F-4D97-AF65-F5344CB8AC3E}">
-        <p14:creationId xmlns:p14="http://schemas.microsoft.com/office/powerpoint/2010/main" val="339751218"/>
+        <p14:creationId xmlns:p14="http://schemas.microsoft.com/office/powerpoint/2010/main" val="3599788456"/>
       </p:ext>
     </p:extLst>
   </p:cSld>
@@ -1275,7 +2118,7 @@
             <a:fld id="{46EF6F6D-23AC-402A-8000-0A495137CF31}" type="slidenum">
               <a:rPr lang="en-GB" smtClean="0"/>
               <a:pPr/>
-              <a:t>17</a:t>
+              <a:t>9</a:t>
             </a:fld>
             <a:endParaRPr lang="en-GB"/>
           </a:p>
@@ -1284,7 +2127,7 @@
     </p:spTree>
     <p:extLst>
       <p:ext uri="{BB962C8B-B14F-4D97-AF65-F5344CB8AC3E}">
-        <p14:creationId xmlns:p14="http://schemas.microsoft.com/office/powerpoint/2010/main" val="3411331452"/>
+        <p14:creationId xmlns:p14="http://schemas.microsoft.com/office/powerpoint/2010/main" val="3792677469"/>
       </p:ext>
     </p:extLst>
   </p:cSld>
@@ -1360,7 +2203,7 @@
             <a:fld id="{46EF6F6D-23AC-402A-8000-0A495137CF31}" type="slidenum">
               <a:rPr lang="en-GB" smtClean="0"/>
               <a:pPr/>
-              <a:t>18</a:t>
+              <a:t>10</a:t>
             </a:fld>
             <a:endParaRPr lang="en-GB"/>
           </a:p>
@@ -1369,7 +2212,7 @@
     </p:spTree>
     <p:extLst>
       <p:ext uri="{BB962C8B-B14F-4D97-AF65-F5344CB8AC3E}">
-        <p14:creationId xmlns:p14="http://schemas.microsoft.com/office/powerpoint/2010/main" val="3491727575"/>
+        <p14:creationId xmlns:p14="http://schemas.microsoft.com/office/powerpoint/2010/main" val="3053660126"/>
       </p:ext>
     </p:extLst>
   </p:cSld>
@@ -1406,12 +2249,7 @@
             <p:ph type="sldImg"/>
           </p:nvPr>
         </p:nvSpPr>
-        <p:spPr>
-          <a:xfrm>
-            <a:off x="114300" y="746125"/>
-            <a:ext cx="6629400" cy="3729038"/>
-          </a:xfrm>
-        </p:spPr>
+        <p:spPr/>
       </p:sp>
       <p:sp>
         <p:nvSpPr>
@@ -1449,16 +2287,17 @@
           <a:p>
             <a:fld id="{46EF6F6D-23AC-402A-8000-0A495137CF31}" type="slidenum">
               <a:rPr lang="en-GB" smtClean="0"/>
-              <a:t>19</a:t>
+              <a:pPr/>
+              <a:t>11</a:t>
             </a:fld>
-            <a:endParaRPr lang="en-GB" dirty="0"/>
+            <a:endParaRPr lang="en-GB"/>
           </a:p>
         </p:txBody>
       </p:sp>
     </p:spTree>
     <p:extLst>
       <p:ext uri="{BB962C8B-B14F-4D97-AF65-F5344CB8AC3E}">
-        <p14:creationId xmlns:p14="http://schemas.microsoft.com/office/powerpoint/2010/main" val="1331429025"/>
+        <p14:creationId xmlns:p14="http://schemas.microsoft.com/office/powerpoint/2010/main" val="1137927046"/>
       </p:ext>
     </p:extLst>
   </p:cSld>
@@ -1648,7 +2487,7 @@
             <a:fld id="{FD207E47-C1CA-47C9-BFA1-FDEFD1CE1BAA}" type="datetime1">
               <a:rPr lang="en-US" smtClean="0"/>
               <a:pPr/>
-              <a:t>12/21/2022</a:t>
+              <a:t>2/23/2023</a:t>
             </a:fld>
             <a:endParaRPr lang="en-US"/>
           </a:p>
@@ -1813,7 +2652,7 @@
             <a:fld id="{58C692B5-BE86-445D-88C0-242C83A9421E}" type="datetime1">
               <a:rPr lang="en-US" smtClean="0"/>
               <a:pPr/>
-              <a:t>12/21/2022</a:t>
+              <a:t>2/23/2023</a:t>
             </a:fld>
             <a:endParaRPr lang="en-US"/>
           </a:p>
@@ -1988,7 +2827,7 @@
             <a:fld id="{6A70B350-EB04-4702-A2C6-BB029CC917C4}" type="datetime1">
               <a:rPr lang="en-US" smtClean="0"/>
               <a:pPr/>
-              <a:t>12/21/2022</a:t>
+              <a:t>2/23/2023</a:t>
             </a:fld>
             <a:endParaRPr lang="en-US"/>
           </a:p>
@@ -2153,7 +2992,7 @@
             <a:fld id="{B19C5C7B-1CCF-4D03-A2E8-D3591213E0F6}" type="datetime1">
               <a:rPr lang="en-US" smtClean="0"/>
               <a:pPr/>
-              <a:t>12/21/2022</a:t>
+              <a:t>2/23/2023</a:t>
             </a:fld>
             <a:endParaRPr lang="en-US"/>
           </a:p>
@@ -2395,7 +3234,7 @@
             <a:fld id="{617DE08F-8114-45C2-9520-EC1882F8A669}" type="datetime1">
               <a:rPr lang="en-US" smtClean="0"/>
               <a:pPr/>
-              <a:t>12/21/2022</a:t>
+              <a:t>2/23/2023</a:t>
             </a:fld>
             <a:endParaRPr lang="en-US"/>
           </a:p>
@@ -2677,7 +3516,7 @@
             <a:fld id="{67FBBCEA-51D6-4D4F-B700-EBDD8904452C}" type="datetime1">
               <a:rPr lang="en-US" smtClean="0"/>
               <a:pPr/>
-              <a:t>12/21/2022</a:t>
+              <a:t>2/23/2023</a:t>
             </a:fld>
             <a:endParaRPr lang="en-US"/>
           </a:p>
@@ -3093,7 +3932,7 @@
             <a:fld id="{7C3355C0-4DE2-42D1-B918-7B0FCE7481FD}" type="datetime1">
               <a:rPr lang="en-US" smtClean="0"/>
               <a:pPr/>
-              <a:t>12/21/2022</a:t>
+              <a:t>2/23/2023</a:t>
             </a:fld>
             <a:endParaRPr lang="en-US"/>
           </a:p>
@@ -3207,7 +4046,7 @@
             <a:fld id="{41F9056E-53B5-467C-A68C-D5DD1F771BB5}" type="datetime1">
               <a:rPr lang="en-US" smtClean="0"/>
               <a:pPr/>
-              <a:t>12/21/2022</a:t>
+              <a:t>2/23/2023</a:t>
             </a:fld>
             <a:endParaRPr lang="en-US"/>
           </a:p>
@@ -3299,7 +4138,7 @@
             <a:fld id="{73236B7C-1414-4D49-8A59-8F56128C501B}" type="datetime1">
               <a:rPr lang="en-US" smtClean="0"/>
               <a:pPr/>
-              <a:t>12/21/2022</a:t>
+              <a:t>2/23/2023</a:t>
             </a:fld>
             <a:endParaRPr lang="en-US"/>
           </a:p>
@@ -3571,7 +4410,7 @@
             <a:fld id="{A40AEADC-23C0-4767-9AD7-3E7B6C343A0A}" type="datetime1">
               <a:rPr lang="en-US" smtClean="0"/>
               <a:pPr/>
-              <a:t>12/21/2022</a:t>
+              <a:t>2/23/2023</a:t>
             </a:fld>
             <a:endParaRPr lang="en-US"/>
           </a:p>
@@ -3820,7 +4659,7 @@
             <a:fld id="{07762B3B-4AFD-4E39-B6F8-E1A2354BA336}" type="datetime1">
               <a:rPr lang="en-US" smtClean="0"/>
               <a:pPr/>
-              <a:t>12/21/2022</a:t>
+              <a:t>2/23/2023</a:t>
             </a:fld>
             <a:endParaRPr lang="en-US"/>
           </a:p>
@@ -4033,7 +4872,7 @@
             <a:fld id="{16C4ABC6-3BA1-4854-92CA-2B0133ECAB44}" type="datetime1">
               <a:rPr lang="en-US" smtClean="0"/>
               <a:pPr/>
-              <a:t>12/21/2022</a:t>
+              <a:t>2/23/2023</a:t>
             </a:fld>
             <a:endParaRPr lang="en-US"/>
           </a:p>
@@ -4716,7 +5555,7 @@
           <p:nvPr/>
         </p:nvPicPr>
         <p:blipFill>
-          <a:blip r:embed="rId2">
+          <a:blip r:embed="rId3">
             <a:extLst>
               <a:ext uri="{28A0092B-C50C-407E-A947-70E740481C1C}">
                 <a14:useLocalDpi xmlns:a14="http://schemas.microsoft.com/office/drawing/2010/main" val="0"/>
@@ -4871,7 +5710,7 @@
           <p:nvPr/>
         </p:nvPicPr>
         <p:blipFill>
-          <a:blip r:embed="rId2"/>
+          <a:blip r:embed="rId3"/>
           <a:stretch>
             <a:fillRect/>
           </a:stretch>
@@ -4895,7 +5734,7 @@
           <p:nvPr/>
         </p:nvPicPr>
         <p:blipFill>
-          <a:blip r:embed="rId3"/>
+          <a:blip r:embed="rId4"/>
           <a:stretch>
             <a:fillRect/>
           </a:stretch>
@@ -6933,7 +7772,7 @@
           <p:nvPr/>
         </p:nvPicPr>
         <p:blipFill rotWithShape="1">
-          <a:blip r:embed="rId2"/>
+          <a:blip r:embed="rId3"/>
           <a:srcRect r="50419"/>
           <a:stretch/>
         </p:blipFill>
@@ -6956,7 +7795,7 @@
           <p:nvPr/>
         </p:nvPicPr>
         <p:blipFill rotWithShape="1">
-          <a:blip r:embed="rId2"/>
+          <a:blip r:embed="rId3"/>
           <a:srcRect l="49946"/>
           <a:stretch/>
         </p:blipFill>
@@ -6979,7 +7818,7 @@
           <p:nvPr/>
         </p:nvPicPr>
         <p:blipFill rotWithShape="1">
-          <a:blip r:embed="rId2"/>
+          <a:blip r:embed="rId3"/>
           <a:srcRect l="49946"/>
           <a:stretch/>
         </p:blipFill>
@@ -9834,19 +10673,19 @@
               <a:rPr lang="en-GB" dirty="0">
                 <a:latin typeface="+mj-lt"/>
               </a:rPr>
-              <a:t> the data for </a:t>
+              <a:t> the data for the condition </a:t>
             </a:r>
             <a:r>
               <a:rPr lang="en-GB">
                 <a:latin typeface="+mj-lt"/>
               </a:rPr>
-              <a:t>the condition </a:t>
+              <a:t>we want, </a:t>
             </a:r>
             <a:r>
               <a:rPr lang="en-GB" dirty="0">
                 <a:latin typeface="+mj-lt"/>
               </a:rPr>
-              <a:t>we want, then use </a:t>
+              <a:t>then use </a:t>
             </a:r>
             <a:r>
               <a:rPr lang="en-GB" dirty="0" err="1">
@@ -10635,8 +11474,13 @@
           <a:p>
             <a:r>
               <a:rPr lang="en-GB" sz="3200" b="1" dirty="0"/>
-              <a:t>Support session Friday 1-2pm</a:t>
-            </a:r>
+              <a:t>Support session </a:t>
+            </a:r>
+            <a:r>
+              <a:rPr lang="en-GB" sz="3200" b="1"/>
+              <a:t>Friday 1-2pm</a:t>
+            </a:r>
+            <a:endParaRPr lang="en-GB" sz="3200" b="1" dirty="0"/>
           </a:p>
         </p:txBody>
       </p:sp>
@@ -10723,7 +11567,15 @@
             </a:br>
             <a:r>
               <a:rPr lang="en-GB" dirty="0"/>
-              <a:t>Please ask me or Paul during the session if you have any questions on the code or concepts.</a:t>
+              <a:t>Please ask me </a:t>
+            </a:r>
+            <a:r>
+              <a:rPr lang="en-GB"/>
+              <a:t>or Rory </a:t>
+            </a:r>
+            <a:r>
+              <a:rPr lang="en-GB" dirty="0"/>
+              <a:t>during the session if you have any questions on the code or concepts.</a:t>
             </a:r>
           </a:p>
         </p:txBody>
@@ -11441,7 +12293,7 @@
           <p:nvPr/>
         </p:nvPicPr>
         <p:blipFill>
-          <a:blip r:embed="rId2"/>
+          <a:blip r:embed="rId3"/>
           <a:stretch>
             <a:fillRect/>
           </a:stretch>
@@ -16576,7 +17428,7 @@
           <p:nvPr/>
         </p:nvPicPr>
         <p:blipFill>
-          <a:blip r:embed="rId2"/>
+          <a:blip r:embed="rId3"/>
           <a:stretch>
             <a:fillRect/>
           </a:stretch>
